--- a/Carolyne-Santos/para-casa/on33-python-s15-visualizacao-de-dados - Olist - para-casa.pptx
+++ b/Carolyne-Santos/para-casa/on33-python-s15-visualizacao-de-dados - Olist - para-casa.pptx
@@ -20,6 +20,12 @@
     <p:sldId id="268" r:id="rId18"/>
     <p:sldId id="269" r:id="rId19"/>
     <p:sldId id="270" r:id="rId20"/>
+    <p:sldId id="271" r:id="rId21"/>
+    <p:sldId id="272" r:id="rId22"/>
+    <p:sldId id="273" r:id="rId23"/>
+    <p:sldId id="274" r:id="rId24"/>
+    <p:sldId id="275" r:id="rId25"/>
+    <p:sldId id="276" r:id="rId26"/>
   </p:sldIdLst>
   <p:sldSz cx="12192000" cy="6858000"/>
   <p:notesSz cx="6858000" cy="9144000"/>
@@ -3340,7 +3346,7 @@
           <p:cNvPr id="0" name="slide1">
             <a:extLst>
               <a:ext uri="{FF2B5EF4-FFF2-40B4-BE49-F238E27FC236}">
-                <a16:creationId xmlns:a16="http://schemas.microsoft.com/office/drawing/2014/main" id="{EB58A705-F52A-4C2E-9147-4574BC53788A}"/>
+                <a16:creationId xmlns:a16="http://schemas.microsoft.com/office/drawing/2014/main" id="{EFB40022-CD52-4EA6-9AE2-5BDC17C04F3B}"/>
               </a:ext>
             </a:extLst>
           </p:cNvPr>
@@ -3368,7 +3374,7 @@
           <p:cNvPr id="1" name="slide1">
             <a:extLst>
               <a:ext uri="{FF2B5EF4-FFF2-40B4-BE49-F238E27FC236}">
-                <a16:creationId xmlns:a16="http://schemas.microsoft.com/office/drawing/2014/main" id="{C5125821-477C-434E-AEC8-2CFC29DD9E33}"/>
+                <a16:creationId xmlns:a16="http://schemas.microsoft.com/office/drawing/2014/main" id="{0ABD5E76-9829-4363-8245-423166C308A3}"/>
               </a:ext>
             </a:extLst>
           </p:cNvPr>
@@ -3386,7 +3392,7 @@
           <a:p>
             <a:r>
               <a:rPr/>
-              <a:t>Arquivo criado em: 9/27/2024 8:34:50 PM</a:t>
+              <a:t>Arquivo criado em: 9/27/2024 10:28:26 PM</a:t>
             </a:r>
           </a:p>
         </p:txBody>
@@ -3423,10 +3429,10 @@
       </p:grpSpPr>
       <p:pic>
         <p:nvPicPr>
-          <p:cNvPr descr="Categ. Mais Vendida" id="10" name="slide10">
-            <a:extLst>
-              <a:ext uri="{FF2B5EF4-FFF2-40B4-BE49-F238E27FC236}">
-                <a16:creationId xmlns:a16="http://schemas.microsoft.com/office/drawing/2014/main" id="{6FE0C842-E241-4C9D-BEF7-AF31485E4FF6}"/>
+          <p:cNvPr descr="História15" id="10" name="slide10">
+            <a:extLst>
+              <a:ext uri="{FF2B5EF4-FFF2-40B4-BE49-F238E27FC236}">
+                <a16:creationId xmlns:a16="http://schemas.microsoft.com/office/drawing/2014/main" id="{093FCB43-D13C-4611-9D36-249D5EE177EE}"/>
               </a:ext>
             </a:extLst>
           </p:cNvPr>
@@ -3449,8 +3455,8 @@
         </p:blipFill>
         <p:spPr>
           <a:xfrm>
-            <a:off x="800100" y="395287"/>
-            <a:ext cx="10591800" cy="6067425"/>
+            <a:off x="2481841" y="0"/>
+            <a:ext cx="7228318" cy="6858000"/>
           </a:xfrm>
           <a:prstGeom prst="rect">
             <a:avLst/>
@@ -3489,10 +3495,10 @@
       </p:grpSpPr>
       <p:pic>
         <p:nvPicPr>
-          <p:cNvPr descr="Qtd. Pedidos por Estado" id="11" name="slide11">
-            <a:extLst>
-              <a:ext uri="{FF2B5EF4-FFF2-40B4-BE49-F238E27FC236}">
-                <a16:creationId xmlns:a16="http://schemas.microsoft.com/office/drawing/2014/main" id="{31E26891-B026-40E3-A0AF-D0D5EA398BAA}"/>
+          <p:cNvPr descr="História16" id="11" name="slide11">
+            <a:extLst>
+              <a:ext uri="{FF2B5EF4-FFF2-40B4-BE49-F238E27FC236}">
+                <a16:creationId xmlns:a16="http://schemas.microsoft.com/office/drawing/2014/main" id="{8A2C5E5E-FC1F-4A77-B91F-75EE001D6ABD}"/>
               </a:ext>
             </a:extLst>
           </p:cNvPr>
@@ -3515,8 +3521,8 @@
         </p:blipFill>
         <p:spPr>
           <a:xfrm>
-            <a:off x="4814887" y="323850"/>
-            <a:ext cx="2562225" cy="6210300"/>
+            <a:off x="2481841" y="0"/>
+            <a:ext cx="7228318" cy="6858000"/>
           </a:xfrm>
           <a:prstGeom prst="rect">
             <a:avLst/>
@@ -3555,10 +3561,10 @@
       </p:grpSpPr>
       <p:pic>
         <p:nvPicPr>
-          <p:cNvPr descr="Qtd. Vendedor por Estado" id="12" name="slide12">
-            <a:extLst>
-              <a:ext uri="{FF2B5EF4-FFF2-40B4-BE49-F238E27FC236}">
-                <a16:creationId xmlns:a16="http://schemas.microsoft.com/office/drawing/2014/main" id="{2F5BA7F4-E9D4-4238-9968-EC04637C1AEA}"/>
+          <p:cNvPr descr="Qtd. Produtos por Categoria" id="12" name="slide12">
+            <a:extLst>
+              <a:ext uri="{FF2B5EF4-FFF2-40B4-BE49-F238E27FC236}">
+                <a16:creationId xmlns:a16="http://schemas.microsoft.com/office/drawing/2014/main" id="{D2892B00-11A7-40CB-B1D5-CA192C86F9CB}"/>
               </a:ext>
             </a:extLst>
           </p:cNvPr>
@@ -3581,8 +3587,8 @@
         </p:blipFill>
         <p:spPr>
           <a:xfrm>
-            <a:off x="1743100" y="0"/>
-            <a:ext cx="8705799" cy="6858000"/>
+            <a:off x="4070747" y="0"/>
+            <a:ext cx="4050506" cy="6858000"/>
           </a:xfrm>
           <a:prstGeom prst="rect">
             <a:avLst/>
@@ -3621,10 +3627,10 @@
       </p:grpSpPr>
       <p:pic>
         <p:nvPicPr>
-          <p:cNvPr descr="Qtd. Total Pedidos por Ano" id="13" name="slide13">
-            <a:extLst>
-              <a:ext uri="{FF2B5EF4-FFF2-40B4-BE49-F238E27FC236}">
-                <a16:creationId xmlns:a16="http://schemas.microsoft.com/office/drawing/2014/main" id="{B68E9F44-26A1-4939-A688-320FC582F0D1}"/>
+          <p:cNvPr descr="Categ. Mais Vendida" id="13" name="slide13">
+            <a:extLst>
+              <a:ext uri="{FF2B5EF4-FFF2-40B4-BE49-F238E27FC236}">
+                <a16:creationId xmlns:a16="http://schemas.microsoft.com/office/drawing/2014/main" id="{68F04366-0F12-4CA6-996C-9107426E4513}"/>
               </a:ext>
             </a:extLst>
           </p:cNvPr>
@@ -3647,8 +3653,8 @@
         </p:blipFill>
         <p:spPr>
           <a:xfrm>
-            <a:off x="901938" y="0"/>
-            <a:ext cx="10388123" cy="6858000"/>
+            <a:off x="800100" y="395287"/>
+            <a:ext cx="10591800" cy="6067425"/>
           </a:xfrm>
           <a:prstGeom prst="rect">
             <a:avLst/>
@@ -3687,10 +3693,10 @@
       </p:grpSpPr>
       <p:pic>
         <p:nvPicPr>
-          <p:cNvPr descr="Qtd. Pedidos por Mes/Ano" id="14" name="slide14">
-            <a:extLst>
-              <a:ext uri="{FF2B5EF4-FFF2-40B4-BE49-F238E27FC236}">
-                <a16:creationId xmlns:a16="http://schemas.microsoft.com/office/drawing/2014/main" id="{054802FB-4ACA-4A85-8B2A-BD217660ADAA}"/>
+          <p:cNvPr descr="Qtd. Pedidos por Estado" id="14" name="slide14">
+            <a:extLst>
+              <a:ext uri="{FF2B5EF4-FFF2-40B4-BE49-F238E27FC236}">
+                <a16:creationId xmlns:a16="http://schemas.microsoft.com/office/drawing/2014/main" id="{5BCD4827-99D7-473A-862E-6346F0DC5538}"/>
               </a:ext>
             </a:extLst>
           </p:cNvPr>
@@ -3713,8 +3719,8 @@
         </p:blipFill>
         <p:spPr>
           <a:xfrm>
-            <a:off x="1756890" y="0"/>
-            <a:ext cx="8678220" cy="6858000"/>
+            <a:off x="4814887" y="323850"/>
+            <a:ext cx="2562225" cy="6210300"/>
           </a:xfrm>
           <a:prstGeom prst="rect">
             <a:avLst/>
@@ -3753,10 +3759,10 @@
       </p:grpSpPr>
       <p:pic>
         <p:nvPicPr>
-          <p:cNvPr descr="Venda por Mês/Ano" id="15" name="slide15">
-            <a:extLst>
-              <a:ext uri="{FF2B5EF4-FFF2-40B4-BE49-F238E27FC236}">
-                <a16:creationId xmlns:a16="http://schemas.microsoft.com/office/drawing/2014/main" id="{B69C1BF6-9F3C-4355-B026-E53C3B70B525}"/>
+          <p:cNvPr descr="Qtd. Vendedor por Estado" id="15" name="slide15">
+            <a:extLst>
+              <a:ext uri="{FF2B5EF4-FFF2-40B4-BE49-F238E27FC236}">
+                <a16:creationId xmlns:a16="http://schemas.microsoft.com/office/drawing/2014/main" id="{CE66A61E-D93E-4674-B6B8-04A050CE1F17}"/>
               </a:ext>
             </a:extLst>
           </p:cNvPr>
@@ -3767,6 +3773,204 @@
         </p:nvPicPr>
         <p:blipFill>
           <a:blip r:embed="rId20">
+            <a:extLst>
+              <a:ext uri="{28A0092B-C50C-407E-A947-70E740481C1C}">
+                <a14:useLocalDpi xmlns:a14="http://schemas.microsoft.com/office/drawing/2010/main" val="0"/>
+              </a:ext>
+            </a:extLst>
+          </a:blip>
+          <a:stretch>
+            <a:fillRect/>
+          </a:stretch>
+        </p:blipFill>
+        <p:spPr>
+          <a:xfrm>
+            <a:off x="1743100" y="0"/>
+            <a:ext cx="8705799" cy="6858000"/>
+          </a:xfrm>
+          <a:prstGeom prst="rect">
+            <a:avLst/>
+          </a:prstGeom>
+        </p:spPr>
+      </p:pic>
+    </p:spTree>
+    <p:extLst>
+      <p:ext uri="{BB962C8B-B14F-4D97-AF65-F5344CB8AC3E}">
+        <p14:creationId xmlns:p14="http://schemas.microsoft.com/office/powerpoint/2010/main" val="95992585"/>
+      </p:ext>
+    </p:extLst>
+  </p:cSld>
+  <p:clrMapOvr>
+    <a:masterClrMapping/>
+  </p:clrMapOvr>
+</p:sld>
+</file>
+
+<file path=ppt/slides/slide16.xml><?xml version="1.0" encoding="utf-8"?>
+<p:sld xmlns:a="http://schemas.openxmlformats.org/drawingml/2006/main" xmlns:p="http://schemas.openxmlformats.org/presentationml/2006/main" xmlns:r="http://schemas.openxmlformats.org/officeDocument/2006/relationships">
+  <p:cSld>
+    <p:spTree>
+      <p:nvGrpSpPr>
+        <p:cNvPr id="1" name=""/>
+        <p:cNvGrpSpPr/>
+        <p:nvPr/>
+      </p:nvGrpSpPr>
+      <p:grpSpPr>
+        <a:xfrm>
+          <a:off x="0" y="0"/>
+          <a:ext cx="0" cy="0"/>
+          <a:chOff x="0" y="0"/>
+          <a:chExt cx="0" cy="0"/>
+        </a:xfrm>
+      </p:grpSpPr>
+      <p:pic>
+        <p:nvPicPr>
+          <p:cNvPr descr="Qtd. Total Pedidos por Ano" id="16" name="slide16">
+            <a:extLst>
+              <a:ext uri="{FF2B5EF4-FFF2-40B4-BE49-F238E27FC236}">
+                <a16:creationId xmlns:a16="http://schemas.microsoft.com/office/drawing/2014/main" id="{F5A73FA7-1341-4B47-BE0D-267716D6FFB0}"/>
+              </a:ext>
+            </a:extLst>
+          </p:cNvPr>
+          <p:cNvPicPr>
+            <a:picLocks noChangeAspect="1"/>
+          </p:cNvPicPr>
+          <p:nvPr/>
+        </p:nvPicPr>
+        <p:blipFill>
+          <a:blip r:embed="rId21">
+            <a:extLst>
+              <a:ext uri="{28A0092B-C50C-407E-A947-70E740481C1C}">
+                <a14:useLocalDpi xmlns:a14="http://schemas.microsoft.com/office/drawing/2010/main" val="0"/>
+              </a:ext>
+            </a:extLst>
+          </a:blip>
+          <a:stretch>
+            <a:fillRect/>
+          </a:stretch>
+        </p:blipFill>
+        <p:spPr>
+          <a:xfrm>
+            <a:off x="901938" y="0"/>
+            <a:ext cx="10388123" cy="6858000"/>
+          </a:xfrm>
+          <a:prstGeom prst="rect">
+            <a:avLst/>
+          </a:prstGeom>
+        </p:spPr>
+      </p:pic>
+    </p:spTree>
+    <p:extLst>
+      <p:ext uri="{BB962C8B-B14F-4D97-AF65-F5344CB8AC3E}">
+        <p14:creationId xmlns:p14="http://schemas.microsoft.com/office/powerpoint/2010/main" val="95992585"/>
+      </p:ext>
+    </p:extLst>
+  </p:cSld>
+  <p:clrMapOvr>
+    <a:masterClrMapping/>
+  </p:clrMapOvr>
+</p:sld>
+</file>
+
+<file path=ppt/slides/slide17.xml><?xml version="1.0" encoding="utf-8"?>
+<p:sld xmlns:a="http://schemas.openxmlformats.org/drawingml/2006/main" xmlns:p="http://schemas.openxmlformats.org/presentationml/2006/main" xmlns:r="http://schemas.openxmlformats.org/officeDocument/2006/relationships">
+  <p:cSld>
+    <p:spTree>
+      <p:nvGrpSpPr>
+        <p:cNvPr id="1" name=""/>
+        <p:cNvGrpSpPr/>
+        <p:nvPr/>
+      </p:nvGrpSpPr>
+      <p:grpSpPr>
+        <a:xfrm>
+          <a:off x="0" y="0"/>
+          <a:ext cx="0" cy="0"/>
+          <a:chOff x="0" y="0"/>
+          <a:chExt cx="0" cy="0"/>
+        </a:xfrm>
+      </p:grpSpPr>
+      <p:pic>
+        <p:nvPicPr>
+          <p:cNvPr descr="Qtd. Pedidos por Mes/Ano" id="17" name="slide17">
+            <a:extLst>
+              <a:ext uri="{FF2B5EF4-FFF2-40B4-BE49-F238E27FC236}">
+                <a16:creationId xmlns:a16="http://schemas.microsoft.com/office/drawing/2014/main" id="{5A41BCAF-D683-4721-BF65-17E8E2E0A165}"/>
+              </a:ext>
+            </a:extLst>
+          </p:cNvPr>
+          <p:cNvPicPr>
+            <a:picLocks noChangeAspect="1"/>
+          </p:cNvPicPr>
+          <p:nvPr/>
+        </p:nvPicPr>
+        <p:blipFill>
+          <a:blip r:embed="rId22">
+            <a:extLst>
+              <a:ext uri="{28A0092B-C50C-407E-A947-70E740481C1C}">
+                <a14:useLocalDpi xmlns:a14="http://schemas.microsoft.com/office/drawing/2010/main" val="0"/>
+              </a:ext>
+            </a:extLst>
+          </a:blip>
+          <a:stretch>
+            <a:fillRect/>
+          </a:stretch>
+        </p:blipFill>
+        <p:spPr>
+          <a:xfrm>
+            <a:off x="1756890" y="0"/>
+            <a:ext cx="8678220" cy="6858000"/>
+          </a:xfrm>
+          <a:prstGeom prst="rect">
+            <a:avLst/>
+          </a:prstGeom>
+        </p:spPr>
+      </p:pic>
+    </p:spTree>
+    <p:extLst>
+      <p:ext uri="{BB962C8B-B14F-4D97-AF65-F5344CB8AC3E}">
+        <p14:creationId xmlns:p14="http://schemas.microsoft.com/office/powerpoint/2010/main" val="95992585"/>
+      </p:ext>
+    </p:extLst>
+  </p:cSld>
+  <p:clrMapOvr>
+    <a:masterClrMapping/>
+  </p:clrMapOvr>
+</p:sld>
+</file>
+
+<file path=ppt/slides/slide18.xml><?xml version="1.0" encoding="utf-8"?>
+<p:sld xmlns:a="http://schemas.openxmlformats.org/drawingml/2006/main" xmlns:p="http://schemas.openxmlformats.org/presentationml/2006/main" xmlns:r="http://schemas.openxmlformats.org/officeDocument/2006/relationships">
+  <p:cSld>
+    <p:spTree>
+      <p:nvGrpSpPr>
+        <p:cNvPr id="1" name=""/>
+        <p:cNvGrpSpPr/>
+        <p:nvPr/>
+      </p:nvGrpSpPr>
+      <p:grpSpPr>
+        <a:xfrm>
+          <a:off x="0" y="0"/>
+          <a:ext cx="0" cy="0"/>
+          <a:chOff x="0" y="0"/>
+          <a:chExt cx="0" cy="0"/>
+        </a:xfrm>
+      </p:grpSpPr>
+      <p:pic>
+        <p:nvPicPr>
+          <p:cNvPr descr="Venda por Mês/Ano" id="18" name="slide18">
+            <a:extLst>
+              <a:ext uri="{FF2B5EF4-FFF2-40B4-BE49-F238E27FC236}">
+                <a16:creationId xmlns:a16="http://schemas.microsoft.com/office/drawing/2014/main" id="{5470C437-177F-4F4F-8930-6DA20B8EBFF8}"/>
+              </a:ext>
+            </a:extLst>
+          </p:cNvPr>
+          <p:cNvPicPr>
+            <a:picLocks noChangeAspect="1"/>
+          </p:cNvPicPr>
+          <p:nvPr/>
+        </p:nvPicPr>
+        <p:blipFill>
+          <a:blip r:embed="rId23">
             <a:extLst>
               <a:ext uri="{28A0092B-C50C-407E-A947-70E740481C1C}">
                 <a14:useLocalDpi xmlns:a14="http://schemas.microsoft.com/office/drawing/2010/main" val="0"/>
@@ -3781,6 +3985,72 @@
           <a:xfrm>
             <a:off x="2924405" y="0"/>
             <a:ext cx="6343190" cy="6858000"/>
+          </a:xfrm>
+          <a:prstGeom prst="rect">
+            <a:avLst/>
+          </a:prstGeom>
+        </p:spPr>
+      </p:pic>
+    </p:spTree>
+    <p:extLst>
+      <p:ext uri="{BB962C8B-B14F-4D97-AF65-F5344CB8AC3E}">
+        <p14:creationId xmlns:p14="http://schemas.microsoft.com/office/powerpoint/2010/main" val="95992585"/>
+      </p:ext>
+    </p:extLst>
+  </p:cSld>
+  <p:clrMapOvr>
+    <a:masterClrMapping/>
+  </p:clrMapOvr>
+</p:sld>
+</file>
+
+<file path=ppt/slides/slide19.xml><?xml version="1.0" encoding="utf-8"?>
+<p:sld xmlns:a="http://schemas.openxmlformats.org/drawingml/2006/main" xmlns:p="http://schemas.openxmlformats.org/presentationml/2006/main" xmlns:r="http://schemas.openxmlformats.org/officeDocument/2006/relationships">
+  <p:cSld>
+    <p:spTree>
+      <p:nvGrpSpPr>
+        <p:cNvPr id="1" name=""/>
+        <p:cNvGrpSpPr/>
+        <p:nvPr/>
+      </p:nvGrpSpPr>
+      <p:grpSpPr>
+        <a:xfrm>
+          <a:off x="0" y="0"/>
+          <a:ext cx="0" cy="0"/>
+          <a:chOff x="0" y="0"/>
+          <a:chExt cx="0" cy="0"/>
+        </a:xfrm>
+      </p:grpSpPr>
+      <p:pic>
+        <p:nvPicPr>
+          <p:cNvPr descr="Gráfico de Dispersão" id="19" name="slide19">
+            <a:extLst>
+              <a:ext uri="{FF2B5EF4-FFF2-40B4-BE49-F238E27FC236}">
+                <a16:creationId xmlns:a16="http://schemas.microsoft.com/office/drawing/2014/main" id="{8022318A-F6F2-4067-A01A-0EA63D193E42}"/>
+              </a:ext>
+            </a:extLst>
+          </p:cNvPr>
+          <p:cNvPicPr>
+            <a:picLocks noChangeAspect="1"/>
+          </p:cNvPicPr>
+          <p:nvPr/>
+        </p:nvPicPr>
+        <p:blipFill>
+          <a:blip r:embed="rId24">
+            <a:extLst>
+              <a:ext uri="{28A0092B-C50C-407E-A947-70E740481C1C}">
+                <a14:useLocalDpi xmlns:a14="http://schemas.microsoft.com/office/drawing/2010/main" val="0"/>
+              </a:ext>
+            </a:extLst>
+          </a:blip>
+          <a:stretch>
+            <a:fillRect/>
+          </a:stretch>
+        </p:blipFill>
+        <p:spPr>
+          <a:xfrm>
+            <a:off x="2818685" y="0"/>
+            <a:ext cx="6554630" cy="6858000"/>
           </a:xfrm>
           <a:prstGeom prst="rect">
             <a:avLst/>
@@ -3822,7 +4092,7 @@
           <p:cNvPr descr="História2" id="2" name="slide2">
             <a:extLst>
               <a:ext uri="{FF2B5EF4-FFF2-40B4-BE49-F238E27FC236}">
-                <a16:creationId xmlns:a16="http://schemas.microsoft.com/office/drawing/2014/main" id="{93DB1A41-294A-44D9-8A22-039C1FE51E5F}"/>
+                <a16:creationId xmlns:a16="http://schemas.microsoft.com/office/drawing/2014/main" id="{3C487103-EC46-4467-B5B0-023989369F66}"/>
               </a:ext>
             </a:extLst>
           </p:cNvPr>
@@ -3847,6 +4117,138 @@
           <a:xfrm>
             <a:off x="2481841" y="0"/>
             <a:ext cx="7228318" cy="6858000"/>
+          </a:xfrm>
+          <a:prstGeom prst="rect">
+            <a:avLst/>
+          </a:prstGeom>
+        </p:spPr>
+      </p:pic>
+    </p:spTree>
+    <p:extLst>
+      <p:ext uri="{BB962C8B-B14F-4D97-AF65-F5344CB8AC3E}">
+        <p14:creationId xmlns:p14="http://schemas.microsoft.com/office/powerpoint/2010/main" val="95992585"/>
+      </p:ext>
+    </p:extLst>
+  </p:cSld>
+  <p:clrMapOvr>
+    <a:masterClrMapping/>
+  </p:clrMapOvr>
+</p:sld>
+</file>
+
+<file path=ppt/slides/slide20.xml><?xml version="1.0" encoding="utf-8"?>
+<p:sld xmlns:a="http://schemas.openxmlformats.org/drawingml/2006/main" xmlns:p="http://schemas.openxmlformats.org/presentationml/2006/main" xmlns:r="http://schemas.openxmlformats.org/officeDocument/2006/relationships">
+  <p:cSld>
+    <p:spTree>
+      <p:nvGrpSpPr>
+        <p:cNvPr id="1" name=""/>
+        <p:cNvGrpSpPr/>
+        <p:nvPr/>
+      </p:nvGrpSpPr>
+      <p:grpSpPr>
+        <a:xfrm>
+          <a:off x="0" y="0"/>
+          <a:ext cx="0" cy="0"/>
+          <a:chOff x="0" y="0"/>
+          <a:chExt cx="0" cy="0"/>
+        </a:xfrm>
+      </p:grpSpPr>
+      <p:pic>
+        <p:nvPicPr>
+          <p:cNvPr descr="Histograma Frete" id="20" name="slide20">
+            <a:extLst>
+              <a:ext uri="{FF2B5EF4-FFF2-40B4-BE49-F238E27FC236}">
+                <a16:creationId xmlns:a16="http://schemas.microsoft.com/office/drawing/2014/main" id="{12E93C88-E2D2-49AB-9714-A22DDB07AE9C}"/>
+              </a:ext>
+            </a:extLst>
+          </p:cNvPr>
+          <p:cNvPicPr>
+            <a:picLocks noChangeAspect="1"/>
+          </p:cNvPicPr>
+          <p:nvPr/>
+        </p:nvPicPr>
+        <p:blipFill>
+          <a:blip r:embed="rId25">
+            <a:extLst>
+              <a:ext uri="{28A0092B-C50C-407E-A947-70E740481C1C}">
+                <a14:useLocalDpi xmlns:a14="http://schemas.microsoft.com/office/drawing/2010/main" val="0"/>
+              </a:ext>
+            </a:extLst>
+          </a:blip>
+          <a:stretch>
+            <a:fillRect/>
+          </a:stretch>
+        </p:blipFill>
+        <p:spPr>
+          <a:xfrm>
+            <a:off x="901938" y="0"/>
+            <a:ext cx="10388123" cy="6858000"/>
+          </a:xfrm>
+          <a:prstGeom prst="rect">
+            <a:avLst/>
+          </a:prstGeom>
+        </p:spPr>
+      </p:pic>
+    </p:spTree>
+    <p:extLst>
+      <p:ext uri="{BB962C8B-B14F-4D97-AF65-F5344CB8AC3E}">
+        <p14:creationId xmlns:p14="http://schemas.microsoft.com/office/powerpoint/2010/main" val="95992585"/>
+      </p:ext>
+    </p:extLst>
+  </p:cSld>
+  <p:clrMapOvr>
+    <a:masterClrMapping/>
+  </p:clrMapOvr>
+</p:sld>
+</file>
+
+<file path=ppt/slides/slide21.xml><?xml version="1.0" encoding="utf-8"?>
+<p:sld xmlns:a="http://schemas.openxmlformats.org/drawingml/2006/main" xmlns:p="http://schemas.openxmlformats.org/presentationml/2006/main" xmlns:r="http://schemas.openxmlformats.org/officeDocument/2006/relationships">
+  <p:cSld>
+    <p:spTree>
+      <p:nvGrpSpPr>
+        <p:cNvPr id="1" name=""/>
+        <p:cNvGrpSpPr/>
+        <p:nvPr/>
+      </p:nvGrpSpPr>
+      <p:grpSpPr>
+        <a:xfrm>
+          <a:off x="0" y="0"/>
+          <a:ext cx="0" cy="0"/>
+          <a:chOff x="0" y="0"/>
+          <a:chExt cx="0" cy="0"/>
+        </a:xfrm>
+      </p:grpSpPr>
+      <p:pic>
+        <p:nvPicPr>
+          <p:cNvPr descr="Qtd. Produto por Pedido" id="21" name="slide21">
+            <a:extLst>
+              <a:ext uri="{FF2B5EF4-FFF2-40B4-BE49-F238E27FC236}">
+                <a16:creationId xmlns:a16="http://schemas.microsoft.com/office/drawing/2014/main" id="{129D8741-96FD-4DC8-A144-610B929B2F5F}"/>
+              </a:ext>
+            </a:extLst>
+          </p:cNvPr>
+          <p:cNvPicPr>
+            <a:picLocks noChangeAspect="1"/>
+          </p:cNvPicPr>
+          <p:nvPr/>
+        </p:nvPicPr>
+        <p:blipFill>
+          <a:blip r:embed="rId26">
+            <a:extLst>
+              <a:ext uri="{28A0092B-C50C-407E-A947-70E740481C1C}">
+                <a14:useLocalDpi xmlns:a14="http://schemas.microsoft.com/office/drawing/2010/main" val="0"/>
+              </a:ext>
+            </a:extLst>
+          </a:blip>
+          <a:stretch>
+            <a:fillRect/>
+          </a:stretch>
+        </p:blipFill>
+        <p:spPr>
+          <a:xfrm>
+            <a:off x="2919808" y="0"/>
+            <a:ext cx="6352383" cy="6858000"/>
           </a:xfrm>
           <a:prstGeom prst="rect">
             <a:avLst/>
@@ -3888,7 +4290,7 @@
           <p:cNvPr descr="História5" id="3" name="slide3">
             <a:extLst>
               <a:ext uri="{FF2B5EF4-FFF2-40B4-BE49-F238E27FC236}">
-                <a16:creationId xmlns:a16="http://schemas.microsoft.com/office/drawing/2014/main" id="{9FB4B347-F151-4A94-BF46-F9CA0EA93081}"/>
+                <a16:creationId xmlns:a16="http://schemas.microsoft.com/office/drawing/2014/main" id="{8945ABE7-A277-4218-AD48-C72F90A199E1}"/>
               </a:ext>
             </a:extLst>
           </p:cNvPr>
@@ -3954,7 +4356,7 @@
           <p:cNvPr descr="História4" id="4" name="slide4">
             <a:extLst>
               <a:ext uri="{FF2B5EF4-FFF2-40B4-BE49-F238E27FC236}">
-                <a16:creationId xmlns:a16="http://schemas.microsoft.com/office/drawing/2014/main" id="{1A478EFC-B7DC-4E97-86C6-28BCA507A1D4}"/>
+                <a16:creationId xmlns:a16="http://schemas.microsoft.com/office/drawing/2014/main" id="{E2870A67-5C42-45BE-9153-F1E61181FAC9}"/>
               </a:ext>
             </a:extLst>
           </p:cNvPr>
@@ -4020,7 +4422,7 @@
           <p:cNvPr descr="História6" id="5" name="slide5">
             <a:extLst>
               <a:ext uri="{FF2B5EF4-FFF2-40B4-BE49-F238E27FC236}">
-                <a16:creationId xmlns:a16="http://schemas.microsoft.com/office/drawing/2014/main" id="{E8F60232-79BA-47C8-8061-74CC3F47F670}"/>
+                <a16:creationId xmlns:a16="http://schemas.microsoft.com/office/drawing/2014/main" id="{385EA00F-EDA2-4B06-9C02-0BFB1D744852}"/>
               </a:ext>
             </a:extLst>
           </p:cNvPr>
@@ -4086,7 +4488,7 @@
           <p:cNvPr descr="História8" id="6" name="slide6">
             <a:extLst>
               <a:ext uri="{FF2B5EF4-FFF2-40B4-BE49-F238E27FC236}">
-                <a16:creationId xmlns:a16="http://schemas.microsoft.com/office/drawing/2014/main" id="{9F627104-8782-4033-9119-4BC43E482B4B}"/>
+                <a16:creationId xmlns:a16="http://schemas.microsoft.com/office/drawing/2014/main" id="{BB211BDF-C2C8-4732-8522-7A2D7760A4ED}"/>
               </a:ext>
             </a:extLst>
           </p:cNvPr>
@@ -4152,7 +4554,7 @@
           <p:cNvPr descr="História9" id="7" name="slide7">
             <a:extLst>
               <a:ext uri="{FF2B5EF4-FFF2-40B4-BE49-F238E27FC236}">
-                <a16:creationId xmlns:a16="http://schemas.microsoft.com/office/drawing/2014/main" id="{A632208F-D2BD-4779-8B29-5EB3AFEF5B7C}"/>
+                <a16:creationId xmlns:a16="http://schemas.microsoft.com/office/drawing/2014/main" id="{50C84959-1CFF-4AE2-8586-EB61EAD2B1F5}"/>
               </a:ext>
             </a:extLst>
           </p:cNvPr>
@@ -4218,7 +4620,7 @@
           <p:cNvPr descr="História10" id="8" name="slide8">
             <a:extLst>
               <a:ext uri="{FF2B5EF4-FFF2-40B4-BE49-F238E27FC236}">
-                <a16:creationId xmlns:a16="http://schemas.microsoft.com/office/drawing/2014/main" id="{86506929-CCCB-496C-819B-9A11214A3657}"/>
+                <a16:creationId xmlns:a16="http://schemas.microsoft.com/office/drawing/2014/main" id="{5F82BA76-2370-4902-A712-7EB875AB1A0B}"/>
               </a:ext>
             </a:extLst>
           </p:cNvPr>
@@ -4281,10 +4683,10 @@
       </p:grpSpPr>
       <p:pic>
         <p:nvPicPr>
-          <p:cNvPr descr="Qtd. Produtos por Categoria" id="9" name="slide9">
-            <a:extLst>
-              <a:ext uri="{FF2B5EF4-FFF2-40B4-BE49-F238E27FC236}">
-                <a16:creationId xmlns:a16="http://schemas.microsoft.com/office/drawing/2014/main" id="{99CFA292-0EB2-4B11-82ED-D654F186EBA8}"/>
+          <p:cNvPr descr="História11" id="9" name="slide9">
+            <a:extLst>
+              <a:ext uri="{FF2B5EF4-FFF2-40B4-BE49-F238E27FC236}">
+                <a16:creationId xmlns:a16="http://schemas.microsoft.com/office/drawing/2014/main" id="{E4C6ACD4-30DA-45A7-9449-7CC102CA4C34}"/>
               </a:ext>
             </a:extLst>
           </p:cNvPr>
@@ -4307,8 +4709,8 @@
         </p:blipFill>
         <p:spPr>
           <a:xfrm>
-            <a:off x="4070747" y="0"/>
-            <a:ext cx="4050506" cy="6858000"/>
+            <a:off x="2481841" y="0"/>
+            <a:ext cx="7228318" cy="6858000"/>
           </a:xfrm>
           <a:prstGeom prst="rect">
             <a:avLst/>

--- a/Carolyne-Santos/para-casa/on33-python-s15-visualizacao-de-dados - Olist - para-casa.pptx
+++ b/Carolyne-Santos/para-casa/on33-python-s15-visualizacao-de-dados - Olist - para-casa.pptx
@@ -1,31 +1,26 @@
 
 <file path=ppt/presentation.xml><?xml version="1.0" encoding="utf-8"?>
-<p:presentation xmlns:a="http://schemas.openxmlformats.org/drawingml/2006/main" xmlns:p="http://schemas.openxmlformats.org/presentationml/2006/main" xmlns:r="http://schemas.openxmlformats.org/officeDocument/2006/relationships" saveSubsetFonts="1">
+<p:presentation xmlns:a="http://schemas.openxmlformats.org/drawingml/2006/main" xmlns:r="http://schemas.openxmlformats.org/officeDocument/2006/relationships" xmlns:p="http://schemas.openxmlformats.org/presentationml/2006/main" saveSubsetFonts="1">
   <p:sldMasterIdLst>
-    <p:sldMasterId id="2147483648" r:id="rId1"/>
+    <p:sldMasterId id="2147483684" r:id="rId1"/>
   </p:sldMasterIdLst>
   <p:sldIdLst>
-    <p:sldId id="256" r:id="rId6"/>
-    <p:sldId id="257" r:id="rId7"/>
-    <p:sldId id="258" r:id="rId8"/>
-    <p:sldId id="259" r:id="rId9"/>
-    <p:sldId id="260" r:id="rId10"/>
-    <p:sldId id="261" r:id="rId11"/>
-    <p:sldId id="262" r:id="rId12"/>
-    <p:sldId id="263" r:id="rId13"/>
-    <p:sldId id="264" r:id="rId14"/>
-    <p:sldId id="265" r:id="rId15"/>
-    <p:sldId id="266" r:id="rId16"/>
-    <p:sldId id="267" r:id="rId17"/>
-    <p:sldId id="268" r:id="rId18"/>
-    <p:sldId id="269" r:id="rId19"/>
-    <p:sldId id="270" r:id="rId20"/>
-    <p:sldId id="271" r:id="rId21"/>
-    <p:sldId id="272" r:id="rId22"/>
-    <p:sldId id="273" r:id="rId23"/>
-    <p:sldId id="274" r:id="rId24"/>
-    <p:sldId id="275" r:id="rId25"/>
-    <p:sldId id="276" r:id="rId26"/>
+    <p:sldId id="256" r:id="rId2"/>
+    <p:sldId id="270" r:id="rId3"/>
+    <p:sldId id="271" r:id="rId4"/>
+    <p:sldId id="272" r:id="rId5"/>
+    <p:sldId id="273" r:id="rId6"/>
+    <p:sldId id="274" r:id="rId7"/>
+    <p:sldId id="275" r:id="rId8"/>
+    <p:sldId id="276" r:id="rId9"/>
+    <p:sldId id="277" r:id="rId10"/>
+    <p:sldId id="278" r:id="rId11"/>
+    <p:sldId id="279" r:id="rId12"/>
+    <p:sldId id="280" r:id="rId13"/>
+    <p:sldId id="281" r:id="rId14"/>
+    <p:sldId id="282" r:id="rId15"/>
+    <p:sldId id="283" r:id="rId16"/>
+    <p:sldId id="284" r:id="rId17"/>
   </p:sldIdLst>
   <p:sldSz cx="12192000" cy="6858000"/>
   <p:notesSz cx="6858000" cy="9144000"/>
@@ -33,8 +28,8 @@
     <a:defPPr>
       <a:defRPr lang="en-US"/>
     </a:defPPr>
-    <a:lvl1pPr algn="l" defTabSz="914400" eaLnBrk="1" hangingPunct="1" latinLnBrk="0" marL="0" rtl="0">
-      <a:defRPr kern="1200" sz="1800">
+    <a:lvl1pPr marL="0" algn="l" defTabSz="457200" rtl="0" eaLnBrk="1" latinLnBrk="0" hangingPunct="1">
+      <a:defRPr sz="1800" kern="1200">
         <a:solidFill>
           <a:schemeClr val="tx1"/>
         </a:solidFill>
@@ -43,8 +38,8 @@
         <a:cs typeface="+mn-cs"/>
       </a:defRPr>
     </a:lvl1pPr>
-    <a:lvl2pPr algn="l" defTabSz="914400" eaLnBrk="1" hangingPunct="1" latinLnBrk="0" marL="457200" rtl="0">
-      <a:defRPr kern="1200" sz="1800">
+    <a:lvl2pPr marL="457200" algn="l" defTabSz="457200" rtl="0" eaLnBrk="1" latinLnBrk="0" hangingPunct="1">
+      <a:defRPr sz="1800" kern="1200">
         <a:solidFill>
           <a:schemeClr val="tx1"/>
         </a:solidFill>
@@ -53,8 +48,8 @@
         <a:cs typeface="+mn-cs"/>
       </a:defRPr>
     </a:lvl2pPr>
-    <a:lvl3pPr algn="l" defTabSz="914400" eaLnBrk="1" hangingPunct="1" latinLnBrk="0" marL="914400" rtl="0">
-      <a:defRPr kern="1200" sz="1800">
+    <a:lvl3pPr marL="914400" algn="l" defTabSz="457200" rtl="0" eaLnBrk="1" latinLnBrk="0" hangingPunct="1">
+      <a:defRPr sz="1800" kern="1200">
         <a:solidFill>
           <a:schemeClr val="tx1"/>
         </a:solidFill>
@@ -63,8 +58,8 @@
         <a:cs typeface="+mn-cs"/>
       </a:defRPr>
     </a:lvl3pPr>
-    <a:lvl4pPr algn="l" defTabSz="914400" eaLnBrk="1" hangingPunct="1" latinLnBrk="0" marL="1371600" rtl="0">
-      <a:defRPr kern="1200" sz="1800">
+    <a:lvl4pPr marL="1371600" algn="l" defTabSz="457200" rtl="0" eaLnBrk="1" latinLnBrk="0" hangingPunct="1">
+      <a:defRPr sz="1800" kern="1200">
         <a:solidFill>
           <a:schemeClr val="tx1"/>
         </a:solidFill>
@@ -73,8 +68,8 @@
         <a:cs typeface="+mn-cs"/>
       </a:defRPr>
     </a:lvl4pPr>
-    <a:lvl5pPr algn="l" defTabSz="914400" eaLnBrk="1" hangingPunct="1" latinLnBrk="0" marL="1828800" rtl="0">
-      <a:defRPr kern="1200" sz="1800">
+    <a:lvl5pPr marL="1828800" algn="l" defTabSz="457200" rtl="0" eaLnBrk="1" latinLnBrk="0" hangingPunct="1">
+      <a:defRPr sz="1800" kern="1200">
         <a:solidFill>
           <a:schemeClr val="tx1"/>
         </a:solidFill>
@@ -83,8 +78,8 @@
         <a:cs typeface="+mn-cs"/>
       </a:defRPr>
     </a:lvl5pPr>
-    <a:lvl6pPr algn="l" defTabSz="914400" eaLnBrk="1" hangingPunct="1" latinLnBrk="0" marL="2286000" rtl="0">
-      <a:defRPr kern="1200" sz="1800">
+    <a:lvl6pPr marL="2286000" algn="l" defTabSz="457200" rtl="0" eaLnBrk="1" latinLnBrk="0" hangingPunct="1">
+      <a:defRPr sz="1800" kern="1200">
         <a:solidFill>
           <a:schemeClr val="tx1"/>
         </a:solidFill>
@@ -93,8 +88,8 @@
         <a:cs typeface="+mn-cs"/>
       </a:defRPr>
     </a:lvl6pPr>
-    <a:lvl7pPr algn="l" defTabSz="914400" eaLnBrk="1" hangingPunct="1" latinLnBrk="0" marL="2743200" rtl="0">
-      <a:defRPr kern="1200" sz="1800">
+    <a:lvl7pPr marL="2743200" algn="l" defTabSz="457200" rtl="0" eaLnBrk="1" latinLnBrk="0" hangingPunct="1">
+      <a:defRPr sz="1800" kern="1200">
         <a:solidFill>
           <a:schemeClr val="tx1"/>
         </a:solidFill>
@@ -103,8 +98,8 @@
         <a:cs typeface="+mn-cs"/>
       </a:defRPr>
     </a:lvl7pPr>
-    <a:lvl8pPr algn="l" defTabSz="914400" eaLnBrk="1" hangingPunct="1" latinLnBrk="0" marL="3200400" rtl="0">
-      <a:defRPr kern="1200" sz="1800">
+    <a:lvl8pPr marL="3200400" algn="l" defTabSz="457200" rtl="0" eaLnBrk="1" latinLnBrk="0" hangingPunct="1">
+      <a:defRPr sz="1800" kern="1200">
         <a:solidFill>
           <a:schemeClr val="tx1"/>
         </a:solidFill>
@@ -113,8 +108,8 @@
         <a:cs typeface="+mn-cs"/>
       </a:defRPr>
     </a:lvl8pPr>
-    <a:lvl9pPr algn="l" defTabSz="914400" eaLnBrk="1" hangingPunct="1" latinLnBrk="0" marL="3657600" rtl="0">
-      <a:defRPr kern="1200" sz="1800">
+    <a:lvl9pPr marL="3657600" algn="l" defTabSz="457200" rtl="0" eaLnBrk="1" latinLnBrk="0" hangingPunct="1">
+      <a:defRPr sz="1800" kern="1200">
         <a:solidFill>
           <a:schemeClr val="tx1"/>
         </a:solidFill>
@@ -124,12 +119,17 @@
       </a:defRPr>
     </a:lvl9pPr>
   </p:defaultTextStyle>
+  <p:extLst>
+    <p:ext uri="{EFAFB233-063F-42B5-8137-9DF3F51BA10A}">
+      <p15:sldGuideLst xmlns:p15="http://schemas.microsoft.com/office/powerpoint/2012/main"/>
+    </p:ext>
+  </p:extLst>
 </p:presentation>
 </file>
 
 <file path=ppt/slideLayouts/slideLayout1.xml><?xml version="1.0" encoding="utf-8"?>
 <p:sldLayout xmlns:a="http://schemas.openxmlformats.org/drawingml/2006/main" xmlns:r="http://schemas.openxmlformats.org/officeDocument/2006/relationships" xmlns:p="http://schemas.openxmlformats.org/presentationml/2006/main" type="title" preserve="1">
-  <p:cSld name="Title Slide">
+  <p:cSld name="Slide de Título">
     <p:spTree>
       <p:nvGrpSpPr>
         <p:cNvPr id="1" name=""/>
@@ -146,13 +146,7 @@
       </p:grpSpPr>
       <p:sp>
         <p:nvSpPr>
-          <p:cNvPr id="2" name="Title 1">
-            <a:extLst>
-              <a:ext uri="{FF2B5EF4-FFF2-40B4-BE49-F238E27FC236}">
-                <a16:creationId xmlns:a16="http://schemas.microsoft.com/office/drawing/2014/main" id="{00D1A6E6-075E-4828-AF88-09BD0A74259E}"/>
-              </a:ext>
-            </a:extLst>
-          </p:cNvPr>
+          <p:cNvPr id="2" name="Title 1"/>
           <p:cNvSpPr>
             <a:spLocks noGrp="1"/>
           </p:cNvSpPr>
@@ -175,21 +169,16 @@
           </a:lstStyle>
           <a:p>
             <a:r>
-              <a:rPr lang="en-US"/>
-              <a:t>Click to edit Master title style</a:t>
-            </a:r>
-          </a:p>
-        </p:txBody>
-      </p:sp>
-      <p:sp>
-        <p:nvSpPr>
-          <p:cNvPr id="3" name="Subtitle 2">
-            <a:extLst>
-              <a:ext uri="{FF2B5EF4-FFF2-40B4-BE49-F238E27FC236}">
-                <a16:creationId xmlns:a16="http://schemas.microsoft.com/office/drawing/2014/main" id="{5F3800DB-487B-4E23-AC0B-90C9ED4E1076}"/>
-              </a:ext>
-            </a:extLst>
-          </p:cNvPr>
+              <a:rPr lang="pt-BR"/>
+              <a:t>Clique para editar o título Mestre</a:t>
+            </a:r>
+            <a:endParaRPr lang="en-US" dirty="0"/>
+          </a:p>
+        </p:txBody>
+      </p:sp>
+      <p:sp>
+        <p:nvSpPr>
+          <p:cNvPr id="3" name="Subtitle 2"/>
           <p:cNvSpPr>
             <a:spLocks noGrp="1"/>
           </p:cNvSpPr>
@@ -245,21 +234,16 @@
           </a:lstStyle>
           <a:p>
             <a:r>
-              <a:rPr lang="en-US"/>
-              <a:t>Click to edit Master subtitle style</a:t>
-            </a:r>
-          </a:p>
-        </p:txBody>
-      </p:sp>
-      <p:sp>
-        <p:nvSpPr>
-          <p:cNvPr id="4" name="Date Placeholder 3">
-            <a:extLst>
-              <a:ext uri="{FF2B5EF4-FFF2-40B4-BE49-F238E27FC236}">
-                <a16:creationId xmlns:a16="http://schemas.microsoft.com/office/drawing/2014/main" id="{664DF5B1-3694-42A9-866E-9F1FF6CF0C01}"/>
-              </a:ext>
-            </a:extLst>
-          </p:cNvPr>
+              <a:rPr lang="pt-BR"/>
+              <a:t>Clique para editar o estilo do subtítulo Mestre</a:t>
+            </a:r>
+            <a:endParaRPr lang="en-US" dirty="0"/>
+          </a:p>
+        </p:txBody>
+      </p:sp>
+      <p:sp>
+        <p:nvSpPr>
+          <p:cNvPr id="4" name="Date Placeholder 3"/>
           <p:cNvSpPr>
             <a:spLocks noGrp="1"/>
           </p:cNvSpPr>
@@ -274,7 +258,7 @@
           <a:p>
             <a:fld id="{EED1C14C-A143-42F5-B247-D0E800131009}" type="datetimeFigureOut">
               <a:rPr lang="en-US" smtClean="0"/>
-              <a:t>8/15/2018</a:t>
+              <a:t>9/27/2024</a:t>
             </a:fld>
             <a:endParaRPr lang="en-US"/>
           </a:p>
@@ -282,13 +266,7 @@
       </p:sp>
       <p:sp>
         <p:nvSpPr>
-          <p:cNvPr id="5" name="Footer Placeholder 4">
-            <a:extLst>
-              <a:ext uri="{FF2B5EF4-FFF2-40B4-BE49-F238E27FC236}">
-                <a16:creationId xmlns:a16="http://schemas.microsoft.com/office/drawing/2014/main" id="{54718E67-8162-4BE0-9B01-22B89A120ADC}"/>
-              </a:ext>
-            </a:extLst>
-          </p:cNvPr>
+          <p:cNvPr id="5" name="Footer Placeholder 4"/>
           <p:cNvSpPr>
             <a:spLocks noGrp="1"/>
           </p:cNvSpPr>
@@ -307,13 +285,7 @@
       </p:sp>
       <p:sp>
         <p:nvSpPr>
-          <p:cNvPr id="6" name="Slide Number Placeholder 5">
-            <a:extLst>
-              <a:ext uri="{FF2B5EF4-FFF2-40B4-BE49-F238E27FC236}">
-                <a16:creationId xmlns:a16="http://schemas.microsoft.com/office/drawing/2014/main" id="{91568B9D-A8C9-40C5-85B0-14F435F39C81}"/>
-              </a:ext>
-            </a:extLst>
-          </p:cNvPr>
+          <p:cNvPr id="6" name="Slide Number Placeholder 5"/>
           <p:cNvSpPr>
             <a:spLocks noGrp="1"/>
           </p:cNvSpPr>
@@ -328,7 +300,7 @@
           <a:p>
             <a:fld id="{5B03D32D-F1BC-4E9C-97E1-36CFF5B22341}" type="slidenum">
               <a:rPr lang="en-US" smtClean="0"/>
-              <a:t>‹#›</a:t>
+              <a:t>‹nº›</a:t>
             </a:fld>
             <a:endParaRPr lang="en-US"/>
           </a:p>
@@ -337,7 +309,7 @@
     </p:spTree>
     <p:extLst>
       <p:ext uri="{BB962C8B-B14F-4D97-AF65-F5344CB8AC3E}">
-        <p14:creationId xmlns:p14="http://schemas.microsoft.com/office/powerpoint/2010/main" val="896738362"/>
+        <p14:creationId xmlns:p14="http://schemas.microsoft.com/office/powerpoint/2010/main" val="379130315"/>
       </p:ext>
     </p:extLst>
   </p:cSld>
@@ -349,7 +321,7 @@
 
 <file path=ppt/slideLayouts/slideLayout10.xml><?xml version="1.0" encoding="utf-8"?>
 <p:sldLayout xmlns:a="http://schemas.openxmlformats.org/drawingml/2006/main" xmlns:r="http://schemas.openxmlformats.org/officeDocument/2006/relationships" xmlns:p="http://schemas.openxmlformats.org/presentationml/2006/main" type="vertTx" preserve="1">
-  <p:cSld name="Title and Vertical Text">
+  <p:cSld name="Título e Texto Vertical">
     <p:spTree>
       <p:nvGrpSpPr>
         <p:cNvPr id="1" name=""/>
@@ -366,13 +338,7 @@
       </p:grpSpPr>
       <p:sp>
         <p:nvSpPr>
-          <p:cNvPr id="2" name="Title 1">
-            <a:extLst>
-              <a:ext uri="{FF2B5EF4-FFF2-40B4-BE49-F238E27FC236}">
-                <a16:creationId xmlns:a16="http://schemas.microsoft.com/office/drawing/2014/main" id="{AA6536FE-B6CA-4D45-A719-6B51F3FF6D96}"/>
-              </a:ext>
-            </a:extLst>
-          </p:cNvPr>
+          <p:cNvPr id="2" name="Title 1"/>
           <p:cNvSpPr>
             <a:spLocks noGrp="1"/>
           </p:cNvSpPr>
@@ -386,21 +352,16 @@
           <a:lstStyle/>
           <a:p>
             <a:r>
-              <a:rPr lang="en-US"/>
-              <a:t>Click to edit Master title style</a:t>
-            </a:r>
-          </a:p>
-        </p:txBody>
-      </p:sp>
-      <p:sp>
-        <p:nvSpPr>
-          <p:cNvPr id="3" name="Vertical Text Placeholder 2">
-            <a:extLst>
-              <a:ext uri="{FF2B5EF4-FFF2-40B4-BE49-F238E27FC236}">
-                <a16:creationId xmlns:a16="http://schemas.microsoft.com/office/drawing/2014/main" id="{DFB9388C-63B0-4DA8-97D0-BEEDCF401CA2}"/>
-              </a:ext>
-            </a:extLst>
-          </p:cNvPr>
+              <a:rPr lang="pt-BR"/>
+              <a:t>Clique para editar o título Mestre</a:t>
+            </a:r>
+            <a:endParaRPr lang="en-US" dirty="0"/>
+          </a:p>
+        </p:txBody>
+      </p:sp>
+      <p:sp>
+        <p:nvSpPr>
+          <p:cNvPr id="3" name="Vertical Text Placeholder 2"/>
           <p:cNvSpPr>
             <a:spLocks noGrp="1"/>
           </p:cNvSpPr>
@@ -415,49 +376,44 @@
           <a:p>
             <a:pPr lvl="0"/>
             <a:r>
-              <a:rPr lang="en-US"/>
-              <a:t>Edit Master text styles</a:t>
+              <a:rPr lang="pt-BR"/>
+              <a:t>Clique para editar os estilos de texto Mestres</a:t>
             </a:r>
           </a:p>
           <a:p>
             <a:pPr lvl="1"/>
             <a:r>
-              <a:rPr lang="en-US"/>
-              <a:t>Second level</a:t>
+              <a:rPr lang="pt-BR"/>
+              <a:t>Segundo nível</a:t>
             </a:r>
           </a:p>
           <a:p>
             <a:pPr lvl="2"/>
             <a:r>
-              <a:rPr lang="en-US"/>
-              <a:t>Third level</a:t>
+              <a:rPr lang="pt-BR"/>
+              <a:t>Terceiro nível</a:t>
             </a:r>
           </a:p>
           <a:p>
             <a:pPr lvl="3"/>
             <a:r>
-              <a:rPr lang="en-US"/>
-              <a:t>Fourth level</a:t>
+              <a:rPr lang="pt-BR"/>
+              <a:t>Quarto nível</a:t>
             </a:r>
           </a:p>
           <a:p>
             <a:pPr lvl="4"/>
             <a:r>
-              <a:rPr lang="en-US"/>
-              <a:t>Fifth level</a:t>
-            </a:r>
-          </a:p>
-        </p:txBody>
-      </p:sp>
-      <p:sp>
-        <p:nvSpPr>
-          <p:cNvPr id="4" name="Date Placeholder 3">
-            <a:extLst>
-              <a:ext uri="{FF2B5EF4-FFF2-40B4-BE49-F238E27FC236}">
-                <a16:creationId xmlns:a16="http://schemas.microsoft.com/office/drawing/2014/main" id="{3ED9BDB0-2A2B-43AC-965A-A9E7E7F741CD}"/>
-              </a:ext>
-            </a:extLst>
-          </p:cNvPr>
+              <a:rPr lang="pt-BR"/>
+              <a:t>Quinto nível</a:t>
+            </a:r>
+            <a:endParaRPr lang="en-US" dirty="0"/>
+          </a:p>
+        </p:txBody>
+      </p:sp>
+      <p:sp>
+        <p:nvSpPr>
+          <p:cNvPr id="4" name="Date Placeholder 3"/>
           <p:cNvSpPr>
             <a:spLocks noGrp="1"/>
           </p:cNvSpPr>
@@ -472,7 +428,7 @@
           <a:p>
             <a:fld id="{EED1C14C-A143-42F5-B247-D0E800131009}" type="datetimeFigureOut">
               <a:rPr lang="en-US" smtClean="0"/>
-              <a:t>8/15/2018</a:t>
+              <a:t>9/27/2024</a:t>
             </a:fld>
             <a:endParaRPr lang="en-US"/>
           </a:p>
@@ -480,13 +436,7 @@
       </p:sp>
       <p:sp>
         <p:nvSpPr>
-          <p:cNvPr id="5" name="Footer Placeholder 4">
-            <a:extLst>
-              <a:ext uri="{FF2B5EF4-FFF2-40B4-BE49-F238E27FC236}">
-                <a16:creationId xmlns:a16="http://schemas.microsoft.com/office/drawing/2014/main" id="{B67DA7C3-2A5B-4BED-A540-9136486CC5B6}"/>
-              </a:ext>
-            </a:extLst>
-          </p:cNvPr>
+          <p:cNvPr id="5" name="Footer Placeholder 4"/>
           <p:cNvSpPr>
             <a:spLocks noGrp="1"/>
           </p:cNvSpPr>
@@ -505,13 +455,7 @@
       </p:sp>
       <p:sp>
         <p:nvSpPr>
-          <p:cNvPr id="6" name="Slide Number Placeholder 5">
-            <a:extLst>
-              <a:ext uri="{FF2B5EF4-FFF2-40B4-BE49-F238E27FC236}">
-                <a16:creationId xmlns:a16="http://schemas.microsoft.com/office/drawing/2014/main" id="{835888E8-31D6-4E51-9228-0D6066FED555}"/>
-              </a:ext>
-            </a:extLst>
-          </p:cNvPr>
+          <p:cNvPr id="6" name="Slide Number Placeholder 5"/>
           <p:cNvSpPr>
             <a:spLocks noGrp="1"/>
           </p:cNvSpPr>
@@ -526,7 +470,7 @@
           <a:p>
             <a:fld id="{5B03D32D-F1BC-4E9C-97E1-36CFF5B22341}" type="slidenum">
               <a:rPr lang="en-US" smtClean="0"/>
-              <a:t>‹#›</a:t>
+              <a:t>‹nº›</a:t>
             </a:fld>
             <a:endParaRPr lang="en-US"/>
           </a:p>
@@ -535,7 +479,7 @@
     </p:spTree>
     <p:extLst>
       <p:ext uri="{BB962C8B-B14F-4D97-AF65-F5344CB8AC3E}">
-        <p14:creationId xmlns:p14="http://schemas.microsoft.com/office/powerpoint/2010/main" val="3471160673"/>
+        <p14:creationId xmlns:p14="http://schemas.microsoft.com/office/powerpoint/2010/main" val="2295989956"/>
       </p:ext>
     </p:extLst>
   </p:cSld>
@@ -547,7 +491,7 @@
 
 <file path=ppt/slideLayouts/slideLayout11.xml><?xml version="1.0" encoding="utf-8"?>
 <p:sldLayout xmlns:a="http://schemas.openxmlformats.org/drawingml/2006/main" xmlns:r="http://schemas.openxmlformats.org/officeDocument/2006/relationships" xmlns:p="http://schemas.openxmlformats.org/presentationml/2006/main" type="vertTitleAndTx" preserve="1">
-  <p:cSld name="Vertical Title and Text">
+  <p:cSld name="Texto e Título Vertical">
     <p:spTree>
       <p:nvGrpSpPr>
         <p:cNvPr id="1" name=""/>
@@ -564,13 +508,7 @@
       </p:grpSpPr>
       <p:sp>
         <p:nvSpPr>
-          <p:cNvPr id="2" name="Vertical Title 1">
-            <a:extLst>
-              <a:ext uri="{FF2B5EF4-FFF2-40B4-BE49-F238E27FC236}">
-                <a16:creationId xmlns:a16="http://schemas.microsoft.com/office/drawing/2014/main" id="{E3D010CA-6776-433E-8E25-97899E08288F}"/>
-              </a:ext>
-            </a:extLst>
-          </p:cNvPr>
+          <p:cNvPr id="2" name="Vertical Title 1"/>
           <p:cNvSpPr>
             <a:spLocks noGrp="1"/>
           </p:cNvSpPr>
@@ -589,21 +527,16 @@
           <a:lstStyle/>
           <a:p>
             <a:r>
-              <a:rPr lang="en-US"/>
-              <a:t>Click to edit Master title style</a:t>
-            </a:r>
-          </a:p>
-        </p:txBody>
-      </p:sp>
-      <p:sp>
-        <p:nvSpPr>
-          <p:cNvPr id="3" name="Vertical Text Placeholder 2">
-            <a:extLst>
-              <a:ext uri="{FF2B5EF4-FFF2-40B4-BE49-F238E27FC236}">
-                <a16:creationId xmlns:a16="http://schemas.microsoft.com/office/drawing/2014/main" id="{06391E6E-3CF5-4535-B37E-E30058EA2848}"/>
-              </a:ext>
-            </a:extLst>
-          </p:cNvPr>
+              <a:rPr lang="pt-BR"/>
+              <a:t>Clique para editar o título Mestre</a:t>
+            </a:r>
+            <a:endParaRPr lang="en-US" dirty="0"/>
+          </a:p>
+        </p:txBody>
+      </p:sp>
+      <p:sp>
+        <p:nvSpPr>
+          <p:cNvPr id="3" name="Vertical Text Placeholder 2"/>
           <p:cNvSpPr>
             <a:spLocks noGrp="1"/>
           </p:cNvSpPr>
@@ -623,49 +556,44 @@
           <a:p>
             <a:pPr lvl="0"/>
             <a:r>
-              <a:rPr lang="en-US"/>
-              <a:t>Edit Master text styles</a:t>
+              <a:rPr lang="pt-BR"/>
+              <a:t>Clique para editar os estilos de texto Mestres</a:t>
             </a:r>
           </a:p>
           <a:p>
             <a:pPr lvl="1"/>
             <a:r>
-              <a:rPr lang="en-US"/>
-              <a:t>Second level</a:t>
+              <a:rPr lang="pt-BR"/>
+              <a:t>Segundo nível</a:t>
             </a:r>
           </a:p>
           <a:p>
             <a:pPr lvl="2"/>
             <a:r>
-              <a:rPr lang="en-US"/>
-              <a:t>Third level</a:t>
+              <a:rPr lang="pt-BR"/>
+              <a:t>Terceiro nível</a:t>
             </a:r>
           </a:p>
           <a:p>
             <a:pPr lvl="3"/>
             <a:r>
-              <a:rPr lang="en-US"/>
-              <a:t>Fourth level</a:t>
+              <a:rPr lang="pt-BR"/>
+              <a:t>Quarto nível</a:t>
             </a:r>
           </a:p>
           <a:p>
             <a:pPr lvl="4"/>
             <a:r>
-              <a:rPr lang="en-US"/>
-              <a:t>Fifth level</a:t>
-            </a:r>
-          </a:p>
-        </p:txBody>
-      </p:sp>
-      <p:sp>
-        <p:nvSpPr>
-          <p:cNvPr id="4" name="Date Placeholder 3">
-            <a:extLst>
-              <a:ext uri="{FF2B5EF4-FFF2-40B4-BE49-F238E27FC236}">
-                <a16:creationId xmlns:a16="http://schemas.microsoft.com/office/drawing/2014/main" id="{9A6ADEE3-AAA7-4846-8EC6-84B1537C1D74}"/>
-              </a:ext>
-            </a:extLst>
-          </p:cNvPr>
+              <a:rPr lang="pt-BR"/>
+              <a:t>Quinto nível</a:t>
+            </a:r>
+            <a:endParaRPr lang="en-US" dirty="0"/>
+          </a:p>
+        </p:txBody>
+      </p:sp>
+      <p:sp>
+        <p:nvSpPr>
+          <p:cNvPr id="4" name="Date Placeholder 3"/>
           <p:cNvSpPr>
             <a:spLocks noGrp="1"/>
           </p:cNvSpPr>
@@ -680,7 +608,7 @@
           <a:p>
             <a:fld id="{EED1C14C-A143-42F5-B247-D0E800131009}" type="datetimeFigureOut">
               <a:rPr lang="en-US" smtClean="0"/>
-              <a:t>8/15/2018</a:t>
+              <a:t>9/27/2024</a:t>
             </a:fld>
             <a:endParaRPr lang="en-US"/>
           </a:p>
@@ -688,13 +616,7 @@
       </p:sp>
       <p:sp>
         <p:nvSpPr>
-          <p:cNvPr id="5" name="Footer Placeholder 4">
-            <a:extLst>
-              <a:ext uri="{FF2B5EF4-FFF2-40B4-BE49-F238E27FC236}">
-                <a16:creationId xmlns:a16="http://schemas.microsoft.com/office/drawing/2014/main" id="{001DABD6-6E60-4895-89B1-3604A484D2DD}"/>
-              </a:ext>
-            </a:extLst>
-          </p:cNvPr>
+          <p:cNvPr id="5" name="Footer Placeholder 4"/>
           <p:cNvSpPr>
             <a:spLocks noGrp="1"/>
           </p:cNvSpPr>
@@ -713,13 +635,7 @@
       </p:sp>
       <p:sp>
         <p:nvSpPr>
-          <p:cNvPr id="6" name="Slide Number Placeholder 5">
-            <a:extLst>
-              <a:ext uri="{FF2B5EF4-FFF2-40B4-BE49-F238E27FC236}">
-                <a16:creationId xmlns:a16="http://schemas.microsoft.com/office/drawing/2014/main" id="{59A4D314-6D1C-4A42-A445-B77646B2B295}"/>
-              </a:ext>
-            </a:extLst>
-          </p:cNvPr>
+          <p:cNvPr id="6" name="Slide Number Placeholder 5"/>
           <p:cNvSpPr>
             <a:spLocks noGrp="1"/>
           </p:cNvSpPr>
@@ -734,7 +650,7 @@
           <a:p>
             <a:fld id="{5B03D32D-F1BC-4E9C-97E1-36CFF5B22341}" type="slidenum">
               <a:rPr lang="en-US" smtClean="0"/>
-              <a:t>‹#›</a:t>
+              <a:t>‹nº›</a:t>
             </a:fld>
             <a:endParaRPr lang="en-US"/>
           </a:p>
@@ -743,7 +659,7 @@
     </p:spTree>
     <p:extLst>
       <p:ext uri="{BB962C8B-B14F-4D97-AF65-F5344CB8AC3E}">
-        <p14:creationId xmlns:p14="http://schemas.microsoft.com/office/powerpoint/2010/main" val="4195526759"/>
+        <p14:creationId xmlns:p14="http://schemas.microsoft.com/office/powerpoint/2010/main" val="4085105589"/>
       </p:ext>
     </p:extLst>
   </p:cSld>
@@ -755,7 +671,7 @@
 
 <file path=ppt/slideLayouts/slideLayout2.xml><?xml version="1.0" encoding="utf-8"?>
 <p:sldLayout xmlns:a="http://schemas.openxmlformats.org/drawingml/2006/main" xmlns:r="http://schemas.openxmlformats.org/officeDocument/2006/relationships" xmlns:p="http://schemas.openxmlformats.org/presentationml/2006/main" type="obj" preserve="1">
-  <p:cSld name="Title and Content">
+  <p:cSld name="Título e Conteúdo">
     <p:spTree>
       <p:nvGrpSpPr>
         <p:cNvPr id="1" name=""/>
@@ -772,13 +688,7 @@
       </p:grpSpPr>
       <p:sp>
         <p:nvSpPr>
-          <p:cNvPr id="2" name="Title 1">
-            <a:extLst>
-              <a:ext uri="{FF2B5EF4-FFF2-40B4-BE49-F238E27FC236}">
-                <a16:creationId xmlns:a16="http://schemas.microsoft.com/office/drawing/2014/main" id="{6B34D5D7-9AEB-44F2-8A04-0694BE1520D8}"/>
-              </a:ext>
-            </a:extLst>
-          </p:cNvPr>
+          <p:cNvPr id="2" name="Title 1"/>
           <p:cNvSpPr>
             <a:spLocks noGrp="1"/>
           </p:cNvSpPr>
@@ -792,21 +702,16 @@
           <a:lstStyle/>
           <a:p>
             <a:r>
-              <a:rPr lang="en-US"/>
-              <a:t>Click to edit Master title style</a:t>
-            </a:r>
-          </a:p>
-        </p:txBody>
-      </p:sp>
-      <p:sp>
-        <p:nvSpPr>
-          <p:cNvPr id="3" name="Content Placeholder 2">
-            <a:extLst>
-              <a:ext uri="{FF2B5EF4-FFF2-40B4-BE49-F238E27FC236}">
-                <a16:creationId xmlns:a16="http://schemas.microsoft.com/office/drawing/2014/main" id="{F3CE933F-693D-4770-8DC4-A5A086AC8ACE}"/>
-              </a:ext>
-            </a:extLst>
-          </p:cNvPr>
+              <a:rPr lang="pt-BR"/>
+              <a:t>Clique para editar o título Mestre</a:t>
+            </a:r>
+            <a:endParaRPr lang="en-US" dirty="0"/>
+          </a:p>
+        </p:txBody>
+      </p:sp>
+      <p:sp>
+        <p:nvSpPr>
+          <p:cNvPr id="3" name="Content Placeholder 2"/>
           <p:cNvSpPr>
             <a:spLocks noGrp="1"/>
           </p:cNvSpPr>
@@ -821,49 +726,44 @@
           <a:p>
             <a:pPr lvl="0"/>
             <a:r>
-              <a:rPr lang="en-US"/>
-              <a:t>Edit Master text styles</a:t>
+              <a:rPr lang="pt-BR"/>
+              <a:t>Clique para editar os estilos de texto Mestres</a:t>
             </a:r>
           </a:p>
           <a:p>
             <a:pPr lvl="1"/>
             <a:r>
-              <a:rPr lang="en-US"/>
-              <a:t>Second level</a:t>
+              <a:rPr lang="pt-BR"/>
+              <a:t>Segundo nível</a:t>
             </a:r>
           </a:p>
           <a:p>
             <a:pPr lvl="2"/>
             <a:r>
-              <a:rPr lang="en-US"/>
-              <a:t>Third level</a:t>
+              <a:rPr lang="pt-BR"/>
+              <a:t>Terceiro nível</a:t>
             </a:r>
           </a:p>
           <a:p>
             <a:pPr lvl="3"/>
             <a:r>
-              <a:rPr lang="en-US"/>
-              <a:t>Fourth level</a:t>
+              <a:rPr lang="pt-BR"/>
+              <a:t>Quarto nível</a:t>
             </a:r>
           </a:p>
           <a:p>
             <a:pPr lvl="4"/>
             <a:r>
-              <a:rPr lang="en-US"/>
-              <a:t>Fifth level</a:t>
-            </a:r>
-          </a:p>
-        </p:txBody>
-      </p:sp>
-      <p:sp>
-        <p:nvSpPr>
-          <p:cNvPr id="4" name="Date Placeholder 3">
-            <a:extLst>
-              <a:ext uri="{FF2B5EF4-FFF2-40B4-BE49-F238E27FC236}">
-                <a16:creationId xmlns:a16="http://schemas.microsoft.com/office/drawing/2014/main" id="{02A7849A-1CE6-4F5C-95D7-EA8DA5EE5551}"/>
-              </a:ext>
-            </a:extLst>
-          </p:cNvPr>
+              <a:rPr lang="pt-BR"/>
+              <a:t>Quinto nível</a:t>
+            </a:r>
+            <a:endParaRPr lang="en-US" dirty="0"/>
+          </a:p>
+        </p:txBody>
+      </p:sp>
+      <p:sp>
+        <p:nvSpPr>
+          <p:cNvPr id="4" name="Date Placeholder 3"/>
           <p:cNvSpPr>
             <a:spLocks noGrp="1"/>
           </p:cNvSpPr>
@@ -878,7 +778,7 @@
           <a:p>
             <a:fld id="{EED1C14C-A143-42F5-B247-D0E800131009}" type="datetimeFigureOut">
               <a:rPr lang="en-US" smtClean="0"/>
-              <a:t>8/15/2018</a:t>
+              <a:t>9/27/2024</a:t>
             </a:fld>
             <a:endParaRPr lang="en-US"/>
           </a:p>
@@ -886,13 +786,7 @@
       </p:sp>
       <p:sp>
         <p:nvSpPr>
-          <p:cNvPr id="5" name="Footer Placeholder 4">
-            <a:extLst>
-              <a:ext uri="{FF2B5EF4-FFF2-40B4-BE49-F238E27FC236}">
-                <a16:creationId xmlns:a16="http://schemas.microsoft.com/office/drawing/2014/main" id="{39FE1FD0-B95E-4CF6-9A27-0F91F96DAE00}"/>
-              </a:ext>
-            </a:extLst>
-          </p:cNvPr>
+          <p:cNvPr id="5" name="Footer Placeholder 4"/>
           <p:cNvSpPr>
             <a:spLocks noGrp="1"/>
           </p:cNvSpPr>
@@ -911,13 +805,7 @@
       </p:sp>
       <p:sp>
         <p:nvSpPr>
-          <p:cNvPr id="6" name="Slide Number Placeholder 5">
-            <a:extLst>
-              <a:ext uri="{FF2B5EF4-FFF2-40B4-BE49-F238E27FC236}">
-                <a16:creationId xmlns:a16="http://schemas.microsoft.com/office/drawing/2014/main" id="{596123BE-5891-49D6-A758-867A98F38D77}"/>
-              </a:ext>
-            </a:extLst>
-          </p:cNvPr>
+          <p:cNvPr id="6" name="Slide Number Placeholder 5"/>
           <p:cNvSpPr>
             <a:spLocks noGrp="1"/>
           </p:cNvSpPr>
@@ -932,7 +820,7 @@
           <a:p>
             <a:fld id="{5B03D32D-F1BC-4E9C-97E1-36CFF5B22341}" type="slidenum">
               <a:rPr lang="en-US" smtClean="0"/>
-              <a:t>‹#›</a:t>
+              <a:t>‹nº›</a:t>
             </a:fld>
             <a:endParaRPr lang="en-US"/>
           </a:p>
@@ -941,7 +829,7 @@
     </p:spTree>
     <p:extLst>
       <p:ext uri="{BB962C8B-B14F-4D97-AF65-F5344CB8AC3E}">
-        <p14:creationId xmlns:p14="http://schemas.microsoft.com/office/powerpoint/2010/main" val="2359722614"/>
+        <p14:creationId xmlns:p14="http://schemas.microsoft.com/office/powerpoint/2010/main" val="1319729063"/>
       </p:ext>
     </p:extLst>
   </p:cSld>
@@ -953,7 +841,7 @@
 
 <file path=ppt/slideLayouts/slideLayout3.xml><?xml version="1.0" encoding="utf-8"?>
 <p:sldLayout xmlns:a="http://schemas.openxmlformats.org/drawingml/2006/main" xmlns:r="http://schemas.openxmlformats.org/officeDocument/2006/relationships" xmlns:p="http://schemas.openxmlformats.org/presentationml/2006/main" type="secHead" preserve="1">
-  <p:cSld name="Section Header">
+  <p:cSld name="Cabeçalho da Seção">
     <p:spTree>
       <p:nvGrpSpPr>
         <p:cNvPr id="1" name=""/>
@@ -970,13 +858,7 @@
       </p:grpSpPr>
       <p:sp>
         <p:nvSpPr>
-          <p:cNvPr id="2" name="Title 1">
-            <a:extLst>
-              <a:ext uri="{FF2B5EF4-FFF2-40B4-BE49-F238E27FC236}">
-                <a16:creationId xmlns:a16="http://schemas.microsoft.com/office/drawing/2014/main" id="{4BA85FC7-1BEA-438E-A0A7-88FF55112279}"/>
-              </a:ext>
-            </a:extLst>
-          </p:cNvPr>
+          <p:cNvPr id="2" name="Title 1"/>
           <p:cNvSpPr>
             <a:spLocks noGrp="1"/>
           </p:cNvSpPr>
@@ -999,21 +881,16 @@
           </a:lstStyle>
           <a:p>
             <a:r>
-              <a:rPr lang="en-US"/>
-              <a:t>Click to edit Master title style</a:t>
-            </a:r>
-          </a:p>
-        </p:txBody>
-      </p:sp>
-      <p:sp>
-        <p:nvSpPr>
-          <p:cNvPr id="3" name="Text Placeholder 2">
-            <a:extLst>
-              <a:ext uri="{FF2B5EF4-FFF2-40B4-BE49-F238E27FC236}">
-                <a16:creationId xmlns:a16="http://schemas.microsoft.com/office/drawing/2014/main" id="{0BD5F5C0-417B-4A28-8AE9-A79AC74A6250}"/>
-              </a:ext>
-            </a:extLst>
-          </p:cNvPr>
+              <a:rPr lang="pt-BR"/>
+              <a:t>Clique para editar o título Mestre</a:t>
+            </a:r>
+            <a:endParaRPr lang="en-US" dirty="0"/>
+          </a:p>
+        </p:txBody>
+      </p:sp>
+      <p:sp>
+        <p:nvSpPr>
+          <p:cNvPr id="3" name="Text Placeholder 2"/>
           <p:cNvSpPr>
             <a:spLocks noGrp="1"/>
           </p:cNvSpPr>
@@ -1124,21 +1001,15 @@
           <a:p>
             <a:pPr lvl="0"/>
             <a:r>
-              <a:rPr lang="en-US"/>
-              <a:t>Edit Master text styles</a:t>
-            </a:r>
-          </a:p>
-        </p:txBody>
-      </p:sp>
-      <p:sp>
-        <p:nvSpPr>
-          <p:cNvPr id="4" name="Date Placeholder 3">
-            <a:extLst>
-              <a:ext uri="{FF2B5EF4-FFF2-40B4-BE49-F238E27FC236}">
-                <a16:creationId xmlns:a16="http://schemas.microsoft.com/office/drawing/2014/main" id="{34BC6257-C490-4059-9E97-16E46673C65A}"/>
-              </a:ext>
-            </a:extLst>
-          </p:cNvPr>
+              <a:rPr lang="pt-BR"/>
+              <a:t>Clique para editar os estilos de texto Mestres</a:t>
+            </a:r>
+          </a:p>
+        </p:txBody>
+      </p:sp>
+      <p:sp>
+        <p:nvSpPr>
+          <p:cNvPr id="4" name="Date Placeholder 3"/>
           <p:cNvSpPr>
             <a:spLocks noGrp="1"/>
           </p:cNvSpPr>
@@ -1153,7 +1024,7 @@
           <a:p>
             <a:fld id="{EED1C14C-A143-42F5-B247-D0E800131009}" type="datetimeFigureOut">
               <a:rPr lang="en-US" smtClean="0"/>
-              <a:t>8/15/2018</a:t>
+              <a:t>9/27/2024</a:t>
             </a:fld>
             <a:endParaRPr lang="en-US"/>
           </a:p>
@@ -1161,13 +1032,7 @@
       </p:sp>
       <p:sp>
         <p:nvSpPr>
-          <p:cNvPr id="5" name="Footer Placeholder 4">
-            <a:extLst>
-              <a:ext uri="{FF2B5EF4-FFF2-40B4-BE49-F238E27FC236}">
-                <a16:creationId xmlns:a16="http://schemas.microsoft.com/office/drawing/2014/main" id="{7A4051CD-74EC-43C1-9F21-D33BD297FC2D}"/>
-              </a:ext>
-            </a:extLst>
-          </p:cNvPr>
+          <p:cNvPr id="5" name="Footer Placeholder 4"/>
           <p:cNvSpPr>
             <a:spLocks noGrp="1"/>
           </p:cNvSpPr>
@@ -1186,13 +1051,7 @@
       </p:sp>
       <p:sp>
         <p:nvSpPr>
-          <p:cNvPr id="6" name="Slide Number Placeholder 5">
-            <a:extLst>
-              <a:ext uri="{FF2B5EF4-FFF2-40B4-BE49-F238E27FC236}">
-                <a16:creationId xmlns:a16="http://schemas.microsoft.com/office/drawing/2014/main" id="{8BC95141-29DC-41BA-BE25-E899055F3178}"/>
-              </a:ext>
-            </a:extLst>
-          </p:cNvPr>
+          <p:cNvPr id="6" name="Slide Number Placeholder 5"/>
           <p:cNvSpPr>
             <a:spLocks noGrp="1"/>
           </p:cNvSpPr>
@@ -1207,7 +1066,7 @@
           <a:p>
             <a:fld id="{5B03D32D-F1BC-4E9C-97E1-36CFF5B22341}" type="slidenum">
               <a:rPr lang="en-US" smtClean="0"/>
-              <a:t>‹#›</a:t>
+              <a:t>‹nº›</a:t>
             </a:fld>
             <a:endParaRPr lang="en-US"/>
           </a:p>
@@ -1216,7 +1075,7 @@
     </p:spTree>
     <p:extLst>
       <p:ext uri="{BB962C8B-B14F-4D97-AF65-F5344CB8AC3E}">
-        <p14:creationId xmlns:p14="http://schemas.microsoft.com/office/powerpoint/2010/main" val="694532379"/>
+        <p14:creationId xmlns:p14="http://schemas.microsoft.com/office/powerpoint/2010/main" val="4255980819"/>
       </p:ext>
     </p:extLst>
   </p:cSld>
@@ -1228,7 +1087,7 @@
 
 <file path=ppt/slideLayouts/slideLayout4.xml><?xml version="1.0" encoding="utf-8"?>
 <p:sldLayout xmlns:a="http://schemas.openxmlformats.org/drawingml/2006/main" xmlns:r="http://schemas.openxmlformats.org/officeDocument/2006/relationships" xmlns:p="http://schemas.openxmlformats.org/presentationml/2006/main" type="twoObj" preserve="1">
-  <p:cSld name="Two Content">
+  <p:cSld name="Duas Partes de Conteúdo">
     <p:spTree>
       <p:nvGrpSpPr>
         <p:cNvPr id="1" name=""/>
@@ -1245,13 +1104,7 @@
       </p:grpSpPr>
       <p:sp>
         <p:nvSpPr>
-          <p:cNvPr id="2" name="Title 1">
-            <a:extLst>
-              <a:ext uri="{FF2B5EF4-FFF2-40B4-BE49-F238E27FC236}">
-                <a16:creationId xmlns:a16="http://schemas.microsoft.com/office/drawing/2014/main" id="{2134FC21-AE04-4050-80E6-D9DCA4B50C9B}"/>
-              </a:ext>
-            </a:extLst>
-          </p:cNvPr>
+          <p:cNvPr id="2" name="Title 1"/>
           <p:cNvSpPr>
             <a:spLocks noGrp="1"/>
           </p:cNvSpPr>
@@ -1265,21 +1118,16 @@
           <a:lstStyle/>
           <a:p>
             <a:r>
-              <a:rPr lang="en-US"/>
-              <a:t>Click to edit Master title style</a:t>
-            </a:r>
-          </a:p>
-        </p:txBody>
-      </p:sp>
-      <p:sp>
-        <p:nvSpPr>
-          <p:cNvPr id="3" name="Content Placeholder 2">
-            <a:extLst>
-              <a:ext uri="{FF2B5EF4-FFF2-40B4-BE49-F238E27FC236}">
-                <a16:creationId xmlns:a16="http://schemas.microsoft.com/office/drawing/2014/main" id="{51885F7E-EF45-48F7-9E54-C6806D0E9638}"/>
-              </a:ext>
-            </a:extLst>
-          </p:cNvPr>
+              <a:rPr lang="pt-BR"/>
+              <a:t>Clique para editar o título Mestre</a:t>
+            </a:r>
+            <a:endParaRPr lang="en-US" dirty="0"/>
+          </a:p>
+        </p:txBody>
+      </p:sp>
+      <p:sp>
+        <p:nvSpPr>
+          <p:cNvPr id="3" name="Content Placeholder 2"/>
           <p:cNvSpPr>
             <a:spLocks noGrp="1"/>
           </p:cNvSpPr>
@@ -1299,49 +1147,44 @@
           <a:p>
             <a:pPr lvl="0"/>
             <a:r>
-              <a:rPr lang="en-US"/>
-              <a:t>Edit Master text styles</a:t>
+              <a:rPr lang="pt-BR"/>
+              <a:t>Clique para editar os estilos de texto Mestres</a:t>
             </a:r>
           </a:p>
           <a:p>
             <a:pPr lvl="1"/>
             <a:r>
-              <a:rPr lang="en-US"/>
-              <a:t>Second level</a:t>
+              <a:rPr lang="pt-BR"/>
+              <a:t>Segundo nível</a:t>
             </a:r>
           </a:p>
           <a:p>
             <a:pPr lvl="2"/>
             <a:r>
-              <a:rPr lang="en-US"/>
-              <a:t>Third level</a:t>
+              <a:rPr lang="pt-BR"/>
+              <a:t>Terceiro nível</a:t>
             </a:r>
           </a:p>
           <a:p>
             <a:pPr lvl="3"/>
             <a:r>
-              <a:rPr lang="en-US"/>
-              <a:t>Fourth level</a:t>
+              <a:rPr lang="pt-BR"/>
+              <a:t>Quarto nível</a:t>
             </a:r>
           </a:p>
           <a:p>
             <a:pPr lvl="4"/>
             <a:r>
-              <a:rPr lang="en-US"/>
-              <a:t>Fifth level</a:t>
-            </a:r>
-          </a:p>
-        </p:txBody>
-      </p:sp>
-      <p:sp>
-        <p:nvSpPr>
-          <p:cNvPr id="4" name="Content Placeholder 3">
-            <a:extLst>
-              <a:ext uri="{FF2B5EF4-FFF2-40B4-BE49-F238E27FC236}">
-                <a16:creationId xmlns:a16="http://schemas.microsoft.com/office/drawing/2014/main" id="{7724501F-6ED5-4112-B037-D3E9F8CF2C81}"/>
-              </a:ext>
-            </a:extLst>
-          </p:cNvPr>
+              <a:rPr lang="pt-BR"/>
+              <a:t>Quinto nível</a:t>
+            </a:r>
+            <a:endParaRPr lang="en-US" dirty="0"/>
+          </a:p>
+        </p:txBody>
+      </p:sp>
+      <p:sp>
+        <p:nvSpPr>
+          <p:cNvPr id="4" name="Content Placeholder 3"/>
           <p:cNvSpPr>
             <a:spLocks noGrp="1"/>
           </p:cNvSpPr>
@@ -1361,49 +1204,44 @@
           <a:p>
             <a:pPr lvl="0"/>
             <a:r>
-              <a:rPr lang="en-US"/>
-              <a:t>Edit Master text styles</a:t>
+              <a:rPr lang="pt-BR"/>
+              <a:t>Clique para editar os estilos de texto Mestres</a:t>
             </a:r>
           </a:p>
           <a:p>
             <a:pPr lvl="1"/>
             <a:r>
-              <a:rPr lang="en-US"/>
-              <a:t>Second level</a:t>
+              <a:rPr lang="pt-BR"/>
+              <a:t>Segundo nível</a:t>
             </a:r>
           </a:p>
           <a:p>
             <a:pPr lvl="2"/>
             <a:r>
-              <a:rPr lang="en-US"/>
-              <a:t>Third level</a:t>
+              <a:rPr lang="pt-BR"/>
+              <a:t>Terceiro nível</a:t>
             </a:r>
           </a:p>
           <a:p>
             <a:pPr lvl="3"/>
             <a:r>
-              <a:rPr lang="en-US"/>
-              <a:t>Fourth level</a:t>
+              <a:rPr lang="pt-BR"/>
+              <a:t>Quarto nível</a:t>
             </a:r>
           </a:p>
           <a:p>
             <a:pPr lvl="4"/>
             <a:r>
-              <a:rPr lang="en-US"/>
-              <a:t>Fifth level</a:t>
-            </a:r>
-          </a:p>
-        </p:txBody>
-      </p:sp>
-      <p:sp>
-        <p:nvSpPr>
-          <p:cNvPr id="5" name="Date Placeholder 4">
-            <a:extLst>
-              <a:ext uri="{FF2B5EF4-FFF2-40B4-BE49-F238E27FC236}">
-                <a16:creationId xmlns:a16="http://schemas.microsoft.com/office/drawing/2014/main" id="{E861E48C-176E-4E60-8CB3-5425169963CD}"/>
-              </a:ext>
-            </a:extLst>
-          </p:cNvPr>
+              <a:rPr lang="pt-BR"/>
+              <a:t>Quinto nível</a:t>
+            </a:r>
+            <a:endParaRPr lang="en-US" dirty="0"/>
+          </a:p>
+        </p:txBody>
+      </p:sp>
+      <p:sp>
+        <p:nvSpPr>
+          <p:cNvPr id="5" name="Date Placeholder 4"/>
           <p:cNvSpPr>
             <a:spLocks noGrp="1"/>
           </p:cNvSpPr>
@@ -1418,7 +1256,7 @@
           <a:p>
             <a:fld id="{EED1C14C-A143-42F5-B247-D0E800131009}" type="datetimeFigureOut">
               <a:rPr lang="en-US" smtClean="0"/>
-              <a:t>8/15/2018</a:t>
+              <a:t>9/27/2024</a:t>
             </a:fld>
             <a:endParaRPr lang="en-US"/>
           </a:p>
@@ -1426,13 +1264,7 @@
       </p:sp>
       <p:sp>
         <p:nvSpPr>
-          <p:cNvPr id="6" name="Footer Placeholder 5">
-            <a:extLst>
-              <a:ext uri="{FF2B5EF4-FFF2-40B4-BE49-F238E27FC236}">
-                <a16:creationId xmlns:a16="http://schemas.microsoft.com/office/drawing/2014/main" id="{5852202B-C929-4B39-AF47-D17C38F868E8}"/>
-              </a:ext>
-            </a:extLst>
-          </p:cNvPr>
+          <p:cNvPr id="6" name="Footer Placeholder 5"/>
           <p:cNvSpPr>
             <a:spLocks noGrp="1"/>
           </p:cNvSpPr>
@@ -1451,13 +1283,7 @@
       </p:sp>
       <p:sp>
         <p:nvSpPr>
-          <p:cNvPr id="7" name="Slide Number Placeholder 6">
-            <a:extLst>
-              <a:ext uri="{FF2B5EF4-FFF2-40B4-BE49-F238E27FC236}">
-                <a16:creationId xmlns:a16="http://schemas.microsoft.com/office/drawing/2014/main" id="{7DEEEBF3-930A-4A23-810D-C1880E7A6D29}"/>
-              </a:ext>
-            </a:extLst>
-          </p:cNvPr>
+          <p:cNvPr id="7" name="Slide Number Placeholder 6"/>
           <p:cNvSpPr>
             <a:spLocks noGrp="1"/>
           </p:cNvSpPr>
@@ -1472,7 +1298,7 @@
           <a:p>
             <a:fld id="{5B03D32D-F1BC-4E9C-97E1-36CFF5B22341}" type="slidenum">
               <a:rPr lang="en-US" smtClean="0"/>
-              <a:t>‹#›</a:t>
+              <a:t>‹nº›</a:t>
             </a:fld>
             <a:endParaRPr lang="en-US"/>
           </a:p>
@@ -1481,7 +1307,7 @@
     </p:spTree>
     <p:extLst>
       <p:ext uri="{BB962C8B-B14F-4D97-AF65-F5344CB8AC3E}">
-        <p14:creationId xmlns:p14="http://schemas.microsoft.com/office/powerpoint/2010/main" val="1723384594"/>
+        <p14:creationId xmlns:p14="http://schemas.microsoft.com/office/powerpoint/2010/main" val="286447481"/>
       </p:ext>
     </p:extLst>
   </p:cSld>
@@ -1493,7 +1319,7 @@
 
 <file path=ppt/slideLayouts/slideLayout5.xml><?xml version="1.0" encoding="utf-8"?>
 <p:sldLayout xmlns:a="http://schemas.openxmlformats.org/drawingml/2006/main" xmlns:r="http://schemas.openxmlformats.org/officeDocument/2006/relationships" xmlns:p="http://schemas.openxmlformats.org/presentationml/2006/main" type="twoTxTwoObj" preserve="1">
-  <p:cSld name="Comparison">
+  <p:cSld name="Comparação">
     <p:spTree>
       <p:nvGrpSpPr>
         <p:cNvPr id="1" name=""/>
@@ -1510,13 +1336,7 @@
       </p:grpSpPr>
       <p:sp>
         <p:nvSpPr>
-          <p:cNvPr id="2" name="Title 1">
-            <a:extLst>
-              <a:ext uri="{FF2B5EF4-FFF2-40B4-BE49-F238E27FC236}">
-                <a16:creationId xmlns:a16="http://schemas.microsoft.com/office/drawing/2014/main" id="{40448E08-A828-430D-B8A6-7302E570AD2B}"/>
-              </a:ext>
-            </a:extLst>
-          </p:cNvPr>
+          <p:cNvPr id="2" name="Title 1"/>
           <p:cNvSpPr>
             <a:spLocks noGrp="1"/>
           </p:cNvSpPr>
@@ -1535,21 +1355,16 @@
           <a:lstStyle/>
           <a:p>
             <a:r>
-              <a:rPr lang="en-US"/>
-              <a:t>Click to edit Master title style</a:t>
-            </a:r>
-          </a:p>
-        </p:txBody>
-      </p:sp>
-      <p:sp>
-        <p:nvSpPr>
-          <p:cNvPr id="3" name="Text Placeholder 2">
-            <a:extLst>
-              <a:ext uri="{FF2B5EF4-FFF2-40B4-BE49-F238E27FC236}">
-                <a16:creationId xmlns:a16="http://schemas.microsoft.com/office/drawing/2014/main" id="{71FF5402-465C-4E68-BF7E-BFE1177B55A2}"/>
-              </a:ext>
-            </a:extLst>
-          </p:cNvPr>
+              <a:rPr lang="pt-BR"/>
+              <a:t>Clique para editar o título Mestre</a:t>
+            </a:r>
+            <a:endParaRPr lang="en-US" dirty="0"/>
+          </a:p>
+        </p:txBody>
+      </p:sp>
+      <p:sp>
+        <p:nvSpPr>
+          <p:cNvPr id="3" name="Text Placeholder 2"/>
           <p:cNvSpPr>
             <a:spLocks noGrp="1"/>
           </p:cNvSpPr>
@@ -1606,21 +1421,15 @@
           <a:p>
             <a:pPr lvl="0"/>
             <a:r>
-              <a:rPr lang="en-US"/>
-              <a:t>Edit Master text styles</a:t>
-            </a:r>
-          </a:p>
-        </p:txBody>
-      </p:sp>
-      <p:sp>
-        <p:nvSpPr>
-          <p:cNvPr id="4" name="Content Placeholder 3">
-            <a:extLst>
-              <a:ext uri="{FF2B5EF4-FFF2-40B4-BE49-F238E27FC236}">
-                <a16:creationId xmlns:a16="http://schemas.microsoft.com/office/drawing/2014/main" id="{469B917D-5EC9-44FC-B8A7-9ADF4ADC4FAB}"/>
-              </a:ext>
-            </a:extLst>
-          </p:cNvPr>
+              <a:rPr lang="pt-BR"/>
+              <a:t>Clique para editar os estilos de texto Mestres</a:t>
+            </a:r>
+          </a:p>
+        </p:txBody>
+      </p:sp>
+      <p:sp>
+        <p:nvSpPr>
+          <p:cNvPr id="4" name="Content Placeholder 3"/>
           <p:cNvSpPr>
             <a:spLocks noGrp="1"/>
           </p:cNvSpPr>
@@ -1640,49 +1449,44 @@
           <a:p>
             <a:pPr lvl="0"/>
             <a:r>
-              <a:rPr lang="en-US"/>
-              <a:t>Edit Master text styles</a:t>
+              <a:rPr lang="pt-BR"/>
+              <a:t>Clique para editar os estilos de texto Mestres</a:t>
             </a:r>
           </a:p>
           <a:p>
             <a:pPr lvl="1"/>
             <a:r>
-              <a:rPr lang="en-US"/>
-              <a:t>Second level</a:t>
+              <a:rPr lang="pt-BR"/>
+              <a:t>Segundo nível</a:t>
             </a:r>
           </a:p>
           <a:p>
             <a:pPr lvl="2"/>
             <a:r>
-              <a:rPr lang="en-US"/>
-              <a:t>Third level</a:t>
+              <a:rPr lang="pt-BR"/>
+              <a:t>Terceiro nível</a:t>
             </a:r>
           </a:p>
           <a:p>
             <a:pPr lvl="3"/>
             <a:r>
-              <a:rPr lang="en-US"/>
-              <a:t>Fourth level</a:t>
+              <a:rPr lang="pt-BR"/>
+              <a:t>Quarto nível</a:t>
             </a:r>
           </a:p>
           <a:p>
             <a:pPr lvl="4"/>
             <a:r>
-              <a:rPr lang="en-US"/>
-              <a:t>Fifth level</a:t>
-            </a:r>
-          </a:p>
-        </p:txBody>
-      </p:sp>
-      <p:sp>
-        <p:nvSpPr>
-          <p:cNvPr id="5" name="Text Placeholder 4">
-            <a:extLst>
-              <a:ext uri="{FF2B5EF4-FFF2-40B4-BE49-F238E27FC236}">
-                <a16:creationId xmlns:a16="http://schemas.microsoft.com/office/drawing/2014/main" id="{43DCF5D4-E55C-42FF-A7E5-2466DE35B8C0}"/>
-              </a:ext>
-            </a:extLst>
-          </p:cNvPr>
+              <a:rPr lang="pt-BR"/>
+              <a:t>Quinto nível</a:t>
+            </a:r>
+            <a:endParaRPr lang="en-US" dirty="0"/>
+          </a:p>
+        </p:txBody>
+      </p:sp>
+      <p:sp>
+        <p:nvSpPr>
+          <p:cNvPr id="5" name="Text Placeholder 4"/>
           <p:cNvSpPr>
             <a:spLocks noGrp="1"/>
           </p:cNvSpPr>
@@ -1739,21 +1543,15 @@
           <a:p>
             <a:pPr lvl="0"/>
             <a:r>
-              <a:rPr lang="en-US"/>
-              <a:t>Edit Master text styles</a:t>
-            </a:r>
-          </a:p>
-        </p:txBody>
-      </p:sp>
-      <p:sp>
-        <p:nvSpPr>
-          <p:cNvPr id="6" name="Content Placeholder 5">
-            <a:extLst>
-              <a:ext uri="{FF2B5EF4-FFF2-40B4-BE49-F238E27FC236}">
-                <a16:creationId xmlns:a16="http://schemas.microsoft.com/office/drawing/2014/main" id="{B7579A7F-77F4-4169-8D51-212344199842}"/>
-              </a:ext>
-            </a:extLst>
-          </p:cNvPr>
+              <a:rPr lang="pt-BR"/>
+              <a:t>Clique para editar os estilos de texto Mestres</a:t>
+            </a:r>
+          </a:p>
+        </p:txBody>
+      </p:sp>
+      <p:sp>
+        <p:nvSpPr>
+          <p:cNvPr id="6" name="Content Placeholder 5"/>
           <p:cNvSpPr>
             <a:spLocks noGrp="1"/>
           </p:cNvSpPr>
@@ -1773,49 +1571,44 @@
           <a:p>
             <a:pPr lvl="0"/>
             <a:r>
-              <a:rPr lang="en-US"/>
-              <a:t>Edit Master text styles</a:t>
+              <a:rPr lang="pt-BR"/>
+              <a:t>Clique para editar os estilos de texto Mestres</a:t>
             </a:r>
           </a:p>
           <a:p>
             <a:pPr lvl="1"/>
             <a:r>
-              <a:rPr lang="en-US"/>
-              <a:t>Second level</a:t>
+              <a:rPr lang="pt-BR"/>
+              <a:t>Segundo nível</a:t>
             </a:r>
           </a:p>
           <a:p>
             <a:pPr lvl="2"/>
             <a:r>
-              <a:rPr lang="en-US"/>
-              <a:t>Third level</a:t>
+              <a:rPr lang="pt-BR"/>
+              <a:t>Terceiro nível</a:t>
             </a:r>
           </a:p>
           <a:p>
             <a:pPr lvl="3"/>
             <a:r>
-              <a:rPr lang="en-US"/>
-              <a:t>Fourth level</a:t>
+              <a:rPr lang="pt-BR"/>
+              <a:t>Quarto nível</a:t>
             </a:r>
           </a:p>
           <a:p>
             <a:pPr lvl="4"/>
             <a:r>
-              <a:rPr lang="en-US"/>
-              <a:t>Fifth level</a:t>
-            </a:r>
-          </a:p>
-        </p:txBody>
-      </p:sp>
-      <p:sp>
-        <p:nvSpPr>
-          <p:cNvPr id="7" name="Date Placeholder 6">
-            <a:extLst>
-              <a:ext uri="{FF2B5EF4-FFF2-40B4-BE49-F238E27FC236}">
-                <a16:creationId xmlns:a16="http://schemas.microsoft.com/office/drawing/2014/main" id="{2A735923-3BB5-4F33-8E76-56665E95B55A}"/>
-              </a:ext>
-            </a:extLst>
-          </p:cNvPr>
+              <a:rPr lang="pt-BR"/>
+              <a:t>Quinto nível</a:t>
+            </a:r>
+            <a:endParaRPr lang="en-US" dirty="0"/>
+          </a:p>
+        </p:txBody>
+      </p:sp>
+      <p:sp>
+        <p:nvSpPr>
+          <p:cNvPr id="7" name="Date Placeholder 6"/>
           <p:cNvSpPr>
             <a:spLocks noGrp="1"/>
           </p:cNvSpPr>
@@ -1830,7 +1623,7 @@
           <a:p>
             <a:fld id="{EED1C14C-A143-42F5-B247-D0E800131009}" type="datetimeFigureOut">
               <a:rPr lang="en-US" smtClean="0"/>
-              <a:t>8/15/2018</a:t>
+              <a:t>9/27/2024</a:t>
             </a:fld>
             <a:endParaRPr lang="en-US"/>
           </a:p>
@@ -1838,13 +1631,7 @@
       </p:sp>
       <p:sp>
         <p:nvSpPr>
-          <p:cNvPr id="8" name="Footer Placeholder 7">
-            <a:extLst>
-              <a:ext uri="{FF2B5EF4-FFF2-40B4-BE49-F238E27FC236}">
-                <a16:creationId xmlns:a16="http://schemas.microsoft.com/office/drawing/2014/main" id="{FA43FC79-7089-4373-88DC-12501E78201F}"/>
-              </a:ext>
-            </a:extLst>
-          </p:cNvPr>
+          <p:cNvPr id="8" name="Footer Placeholder 7"/>
           <p:cNvSpPr>
             <a:spLocks noGrp="1"/>
           </p:cNvSpPr>
@@ -1863,13 +1650,7 @@
       </p:sp>
       <p:sp>
         <p:nvSpPr>
-          <p:cNvPr id="9" name="Slide Number Placeholder 8">
-            <a:extLst>
-              <a:ext uri="{FF2B5EF4-FFF2-40B4-BE49-F238E27FC236}">
-                <a16:creationId xmlns:a16="http://schemas.microsoft.com/office/drawing/2014/main" id="{B4E0BEB1-B009-47B7-B159-DE05E615E710}"/>
-              </a:ext>
-            </a:extLst>
-          </p:cNvPr>
+          <p:cNvPr id="9" name="Slide Number Placeholder 8"/>
           <p:cNvSpPr>
             <a:spLocks noGrp="1"/>
           </p:cNvSpPr>
@@ -1884,7 +1665,7 @@
           <a:p>
             <a:fld id="{5B03D32D-F1BC-4E9C-97E1-36CFF5B22341}" type="slidenum">
               <a:rPr lang="en-US" smtClean="0"/>
-              <a:t>‹#›</a:t>
+              <a:t>‹nº›</a:t>
             </a:fld>
             <a:endParaRPr lang="en-US"/>
           </a:p>
@@ -1893,7 +1674,7 @@
     </p:spTree>
     <p:extLst>
       <p:ext uri="{BB962C8B-B14F-4D97-AF65-F5344CB8AC3E}">
-        <p14:creationId xmlns:p14="http://schemas.microsoft.com/office/powerpoint/2010/main" val="2419726589"/>
+        <p14:creationId xmlns:p14="http://schemas.microsoft.com/office/powerpoint/2010/main" val="2887249065"/>
       </p:ext>
     </p:extLst>
   </p:cSld>
@@ -1905,7 +1686,7 @@
 
 <file path=ppt/slideLayouts/slideLayout6.xml><?xml version="1.0" encoding="utf-8"?>
 <p:sldLayout xmlns:a="http://schemas.openxmlformats.org/drawingml/2006/main" xmlns:r="http://schemas.openxmlformats.org/officeDocument/2006/relationships" xmlns:p="http://schemas.openxmlformats.org/presentationml/2006/main" type="titleOnly" preserve="1">
-  <p:cSld name="Title Only">
+  <p:cSld name="Somente Título">
     <p:spTree>
       <p:nvGrpSpPr>
         <p:cNvPr id="1" name=""/>
@@ -1922,13 +1703,7 @@
       </p:grpSpPr>
       <p:sp>
         <p:nvSpPr>
-          <p:cNvPr id="2" name="Title 1">
-            <a:extLst>
-              <a:ext uri="{FF2B5EF4-FFF2-40B4-BE49-F238E27FC236}">
-                <a16:creationId xmlns:a16="http://schemas.microsoft.com/office/drawing/2014/main" id="{1165FFCC-78CC-4E9D-A277-8230F27334A9}"/>
-              </a:ext>
-            </a:extLst>
-          </p:cNvPr>
+          <p:cNvPr id="2" name="Title 1"/>
           <p:cNvSpPr>
             <a:spLocks noGrp="1"/>
           </p:cNvSpPr>
@@ -1942,21 +1717,16 @@
           <a:lstStyle/>
           <a:p>
             <a:r>
-              <a:rPr lang="en-US"/>
-              <a:t>Click to edit Master title style</a:t>
-            </a:r>
-          </a:p>
-        </p:txBody>
-      </p:sp>
-      <p:sp>
-        <p:nvSpPr>
-          <p:cNvPr id="3" name="Date Placeholder 2">
-            <a:extLst>
-              <a:ext uri="{FF2B5EF4-FFF2-40B4-BE49-F238E27FC236}">
-                <a16:creationId xmlns:a16="http://schemas.microsoft.com/office/drawing/2014/main" id="{744CEFE7-D923-48C1-B2FE-8110829C69E3}"/>
-              </a:ext>
-            </a:extLst>
-          </p:cNvPr>
+              <a:rPr lang="pt-BR"/>
+              <a:t>Clique para editar o título Mestre</a:t>
+            </a:r>
+            <a:endParaRPr lang="en-US" dirty="0"/>
+          </a:p>
+        </p:txBody>
+      </p:sp>
+      <p:sp>
+        <p:nvSpPr>
+          <p:cNvPr id="3" name="Date Placeholder 2"/>
           <p:cNvSpPr>
             <a:spLocks noGrp="1"/>
           </p:cNvSpPr>
@@ -1971,7 +1741,7 @@
           <a:p>
             <a:fld id="{EED1C14C-A143-42F5-B247-D0E800131009}" type="datetimeFigureOut">
               <a:rPr lang="en-US" smtClean="0"/>
-              <a:t>8/15/2018</a:t>
+              <a:t>9/27/2024</a:t>
             </a:fld>
             <a:endParaRPr lang="en-US"/>
           </a:p>
@@ -1979,13 +1749,7 @@
       </p:sp>
       <p:sp>
         <p:nvSpPr>
-          <p:cNvPr id="4" name="Footer Placeholder 3">
-            <a:extLst>
-              <a:ext uri="{FF2B5EF4-FFF2-40B4-BE49-F238E27FC236}">
-                <a16:creationId xmlns:a16="http://schemas.microsoft.com/office/drawing/2014/main" id="{A68F91C9-7841-4F7B-8F24-B5FF45B5B391}"/>
-              </a:ext>
-            </a:extLst>
-          </p:cNvPr>
+          <p:cNvPr id="4" name="Footer Placeholder 3"/>
           <p:cNvSpPr>
             <a:spLocks noGrp="1"/>
           </p:cNvSpPr>
@@ -2004,13 +1768,7 @@
       </p:sp>
       <p:sp>
         <p:nvSpPr>
-          <p:cNvPr id="5" name="Slide Number Placeholder 4">
-            <a:extLst>
-              <a:ext uri="{FF2B5EF4-FFF2-40B4-BE49-F238E27FC236}">
-                <a16:creationId xmlns:a16="http://schemas.microsoft.com/office/drawing/2014/main" id="{B8896739-CF17-4867-A5ED-317AD19F5A3B}"/>
-              </a:ext>
-            </a:extLst>
-          </p:cNvPr>
+          <p:cNvPr id="5" name="Slide Number Placeholder 4"/>
           <p:cNvSpPr>
             <a:spLocks noGrp="1"/>
           </p:cNvSpPr>
@@ -2025,7 +1783,7 @@
           <a:p>
             <a:fld id="{5B03D32D-F1BC-4E9C-97E1-36CFF5B22341}" type="slidenum">
               <a:rPr lang="en-US" smtClean="0"/>
-              <a:t>‹#›</a:t>
+              <a:t>‹nº›</a:t>
             </a:fld>
             <a:endParaRPr lang="en-US"/>
           </a:p>
@@ -2034,7 +1792,7 @@
     </p:spTree>
     <p:extLst>
       <p:ext uri="{BB962C8B-B14F-4D97-AF65-F5344CB8AC3E}">
-        <p14:creationId xmlns:p14="http://schemas.microsoft.com/office/powerpoint/2010/main" val="953114326"/>
+        <p14:creationId xmlns:p14="http://schemas.microsoft.com/office/powerpoint/2010/main" val="3789628705"/>
       </p:ext>
     </p:extLst>
   </p:cSld>
@@ -2046,7 +1804,7 @@
 
 <file path=ppt/slideLayouts/slideLayout7.xml><?xml version="1.0" encoding="utf-8"?>
 <p:sldLayout xmlns:a="http://schemas.openxmlformats.org/drawingml/2006/main" xmlns:r="http://schemas.openxmlformats.org/officeDocument/2006/relationships" xmlns:p="http://schemas.openxmlformats.org/presentationml/2006/main" type="blank" preserve="1">
-  <p:cSld name="Blank">
+  <p:cSld name="Em Branco">
     <p:spTree>
       <p:nvGrpSpPr>
         <p:cNvPr id="1" name=""/>
@@ -2063,13 +1821,7 @@
       </p:grpSpPr>
       <p:sp>
         <p:nvSpPr>
-          <p:cNvPr id="2" name="Date Placeholder 1">
-            <a:extLst>
-              <a:ext uri="{FF2B5EF4-FFF2-40B4-BE49-F238E27FC236}">
-                <a16:creationId xmlns:a16="http://schemas.microsoft.com/office/drawing/2014/main" id="{94E8942B-5ECF-4556-91C2-496E4C52EF8A}"/>
-              </a:ext>
-            </a:extLst>
-          </p:cNvPr>
+          <p:cNvPr id="2" name="Date Placeholder 1"/>
           <p:cNvSpPr>
             <a:spLocks noGrp="1"/>
           </p:cNvSpPr>
@@ -2084,7 +1836,7 @@
           <a:p>
             <a:fld id="{EED1C14C-A143-42F5-B247-D0E800131009}" type="datetimeFigureOut">
               <a:rPr lang="en-US" smtClean="0"/>
-              <a:t>8/15/2018</a:t>
+              <a:t>9/27/2024</a:t>
             </a:fld>
             <a:endParaRPr lang="en-US"/>
           </a:p>
@@ -2092,13 +1844,7 @@
       </p:sp>
       <p:sp>
         <p:nvSpPr>
-          <p:cNvPr id="3" name="Footer Placeholder 2">
-            <a:extLst>
-              <a:ext uri="{FF2B5EF4-FFF2-40B4-BE49-F238E27FC236}">
-                <a16:creationId xmlns:a16="http://schemas.microsoft.com/office/drawing/2014/main" id="{3E1589EF-E9AD-45F7-BFBE-6F8AD3570337}"/>
-              </a:ext>
-            </a:extLst>
-          </p:cNvPr>
+          <p:cNvPr id="3" name="Footer Placeholder 2"/>
           <p:cNvSpPr>
             <a:spLocks noGrp="1"/>
           </p:cNvSpPr>
@@ -2117,13 +1863,7 @@
       </p:sp>
       <p:sp>
         <p:nvSpPr>
-          <p:cNvPr id="4" name="Slide Number Placeholder 3">
-            <a:extLst>
-              <a:ext uri="{FF2B5EF4-FFF2-40B4-BE49-F238E27FC236}">
-                <a16:creationId xmlns:a16="http://schemas.microsoft.com/office/drawing/2014/main" id="{6E18E0FA-5424-403C-8462-1B7C301C65D8}"/>
-              </a:ext>
-            </a:extLst>
-          </p:cNvPr>
+          <p:cNvPr id="4" name="Slide Number Placeholder 3"/>
           <p:cNvSpPr>
             <a:spLocks noGrp="1"/>
           </p:cNvSpPr>
@@ -2138,7 +1878,7 @@
           <a:p>
             <a:fld id="{5B03D32D-F1BC-4E9C-97E1-36CFF5B22341}" type="slidenum">
               <a:rPr lang="en-US" smtClean="0"/>
-              <a:t>‹#›</a:t>
+              <a:t>‹nº›</a:t>
             </a:fld>
             <a:endParaRPr lang="en-US"/>
           </a:p>
@@ -2147,7 +1887,7 @@
     </p:spTree>
     <p:extLst>
       <p:ext uri="{BB962C8B-B14F-4D97-AF65-F5344CB8AC3E}">
-        <p14:creationId xmlns:p14="http://schemas.microsoft.com/office/powerpoint/2010/main" val="4246240454"/>
+        <p14:creationId xmlns:p14="http://schemas.microsoft.com/office/powerpoint/2010/main" val="2803280118"/>
       </p:ext>
     </p:extLst>
   </p:cSld>
@@ -2159,7 +1899,7 @@
 
 <file path=ppt/slideLayouts/slideLayout8.xml><?xml version="1.0" encoding="utf-8"?>
 <p:sldLayout xmlns:a="http://schemas.openxmlformats.org/drawingml/2006/main" xmlns:r="http://schemas.openxmlformats.org/officeDocument/2006/relationships" xmlns:p="http://schemas.openxmlformats.org/presentationml/2006/main" type="objTx" preserve="1">
-  <p:cSld name="Content with Caption">
+  <p:cSld name="Conteúdo com Legenda">
     <p:spTree>
       <p:nvGrpSpPr>
         <p:cNvPr id="1" name=""/>
@@ -2176,13 +1916,7 @@
       </p:grpSpPr>
       <p:sp>
         <p:nvSpPr>
-          <p:cNvPr id="2" name="Title 1">
-            <a:extLst>
-              <a:ext uri="{FF2B5EF4-FFF2-40B4-BE49-F238E27FC236}">
-                <a16:creationId xmlns:a16="http://schemas.microsoft.com/office/drawing/2014/main" id="{5AB27A56-C315-441C-9002-DFD599AED26C}"/>
-              </a:ext>
-            </a:extLst>
-          </p:cNvPr>
+          <p:cNvPr id="2" name="Title 1"/>
           <p:cNvSpPr>
             <a:spLocks noGrp="1"/>
           </p:cNvSpPr>
@@ -2205,21 +1939,16 @@
           </a:lstStyle>
           <a:p>
             <a:r>
-              <a:rPr lang="en-US"/>
-              <a:t>Click to edit Master title style</a:t>
-            </a:r>
-          </a:p>
-        </p:txBody>
-      </p:sp>
-      <p:sp>
-        <p:nvSpPr>
-          <p:cNvPr id="3" name="Content Placeholder 2">
-            <a:extLst>
-              <a:ext uri="{FF2B5EF4-FFF2-40B4-BE49-F238E27FC236}">
-                <a16:creationId xmlns:a16="http://schemas.microsoft.com/office/drawing/2014/main" id="{C9F57D9A-8037-4B31-951B-4675ADA69390}"/>
-              </a:ext>
-            </a:extLst>
-          </p:cNvPr>
+              <a:rPr lang="pt-BR"/>
+              <a:t>Clique para editar o título Mestre</a:t>
+            </a:r>
+            <a:endParaRPr lang="en-US" dirty="0"/>
+          </a:p>
+        </p:txBody>
+      </p:sp>
+      <p:sp>
+        <p:nvSpPr>
+          <p:cNvPr id="3" name="Content Placeholder 2"/>
           <p:cNvSpPr>
             <a:spLocks noGrp="1"/>
           </p:cNvSpPr>
@@ -2267,49 +1996,44 @@
           <a:p>
             <a:pPr lvl="0"/>
             <a:r>
-              <a:rPr lang="en-US"/>
-              <a:t>Edit Master text styles</a:t>
+              <a:rPr lang="pt-BR"/>
+              <a:t>Clique para editar os estilos de texto Mestres</a:t>
             </a:r>
           </a:p>
           <a:p>
             <a:pPr lvl="1"/>
             <a:r>
-              <a:rPr lang="en-US"/>
-              <a:t>Second level</a:t>
+              <a:rPr lang="pt-BR"/>
+              <a:t>Segundo nível</a:t>
             </a:r>
           </a:p>
           <a:p>
             <a:pPr lvl="2"/>
             <a:r>
-              <a:rPr lang="en-US"/>
-              <a:t>Third level</a:t>
+              <a:rPr lang="pt-BR"/>
+              <a:t>Terceiro nível</a:t>
             </a:r>
           </a:p>
           <a:p>
             <a:pPr lvl="3"/>
             <a:r>
-              <a:rPr lang="en-US"/>
-              <a:t>Fourth level</a:t>
+              <a:rPr lang="pt-BR"/>
+              <a:t>Quarto nível</a:t>
             </a:r>
           </a:p>
           <a:p>
             <a:pPr lvl="4"/>
             <a:r>
-              <a:rPr lang="en-US"/>
-              <a:t>Fifth level</a:t>
-            </a:r>
-          </a:p>
-        </p:txBody>
-      </p:sp>
-      <p:sp>
-        <p:nvSpPr>
-          <p:cNvPr id="4" name="Text Placeholder 3">
-            <a:extLst>
-              <a:ext uri="{FF2B5EF4-FFF2-40B4-BE49-F238E27FC236}">
-                <a16:creationId xmlns:a16="http://schemas.microsoft.com/office/drawing/2014/main" id="{2763141B-5121-4179-B3F6-529569122247}"/>
-              </a:ext>
-            </a:extLst>
-          </p:cNvPr>
+              <a:rPr lang="pt-BR"/>
+              <a:t>Quinto nível</a:t>
+            </a:r>
+            <a:endParaRPr lang="en-US" dirty="0"/>
+          </a:p>
+        </p:txBody>
+      </p:sp>
+      <p:sp>
+        <p:nvSpPr>
+          <p:cNvPr id="4" name="Text Placeholder 3"/>
           <p:cNvSpPr>
             <a:spLocks noGrp="1"/>
           </p:cNvSpPr>
@@ -2366,21 +2090,15 @@
           <a:p>
             <a:pPr lvl="0"/>
             <a:r>
-              <a:rPr lang="en-US"/>
-              <a:t>Edit Master text styles</a:t>
-            </a:r>
-          </a:p>
-        </p:txBody>
-      </p:sp>
-      <p:sp>
-        <p:nvSpPr>
-          <p:cNvPr id="5" name="Date Placeholder 4">
-            <a:extLst>
-              <a:ext uri="{FF2B5EF4-FFF2-40B4-BE49-F238E27FC236}">
-                <a16:creationId xmlns:a16="http://schemas.microsoft.com/office/drawing/2014/main" id="{AA60C32E-3427-4696-A55A-56886EA24AEB}"/>
-              </a:ext>
-            </a:extLst>
-          </p:cNvPr>
+              <a:rPr lang="pt-BR"/>
+              <a:t>Clique para editar os estilos de texto Mestres</a:t>
+            </a:r>
+          </a:p>
+        </p:txBody>
+      </p:sp>
+      <p:sp>
+        <p:nvSpPr>
+          <p:cNvPr id="5" name="Date Placeholder 4"/>
           <p:cNvSpPr>
             <a:spLocks noGrp="1"/>
           </p:cNvSpPr>
@@ -2395,7 +2113,7 @@
           <a:p>
             <a:fld id="{EED1C14C-A143-42F5-B247-D0E800131009}" type="datetimeFigureOut">
               <a:rPr lang="en-US" smtClean="0"/>
-              <a:t>8/15/2018</a:t>
+              <a:t>9/27/2024</a:t>
             </a:fld>
             <a:endParaRPr lang="en-US"/>
           </a:p>
@@ -2403,13 +2121,7 @@
       </p:sp>
       <p:sp>
         <p:nvSpPr>
-          <p:cNvPr id="6" name="Footer Placeholder 5">
-            <a:extLst>
-              <a:ext uri="{FF2B5EF4-FFF2-40B4-BE49-F238E27FC236}">
-                <a16:creationId xmlns:a16="http://schemas.microsoft.com/office/drawing/2014/main" id="{7DDFE526-7D20-4EC0-9624-E779812957B3}"/>
-              </a:ext>
-            </a:extLst>
-          </p:cNvPr>
+          <p:cNvPr id="6" name="Footer Placeholder 5"/>
           <p:cNvSpPr>
             <a:spLocks noGrp="1"/>
           </p:cNvSpPr>
@@ -2428,13 +2140,7 @@
       </p:sp>
       <p:sp>
         <p:nvSpPr>
-          <p:cNvPr id="7" name="Slide Number Placeholder 6">
-            <a:extLst>
-              <a:ext uri="{FF2B5EF4-FFF2-40B4-BE49-F238E27FC236}">
-                <a16:creationId xmlns:a16="http://schemas.microsoft.com/office/drawing/2014/main" id="{C7AA82D7-E462-4060-85D6-85CF55540155}"/>
-              </a:ext>
-            </a:extLst>
-          </p:cNvPr>
+          <p:cNvPr id="7" name="Slide Number Placeholder 6"/>
           <p:cNvSpPr>
             <a:spLocks noGrp="1"/>
           </p:cNvSpPr>
@@ -2449,7 +2155,7 @@
           <a:p>
             <a:fld id="{5B03D32D-F1BC-4E9C-97E1-36CFF5B22341}" type="slidenum">
               <a:rPr lang="en-US" smtClean="0"/>
-              <a:t>‹#›</a:t>
+              <a:t>‹nº›</a:t>
             </a:fld>
             <a:endParaRPr lang="en-US"/>
           </a:p>
@@ -2458,7 +2164,7 @@
     </p:spTree>
     <p:extLst>
       <p:ext uri="{BB962C8B-B14F-4D97-AF65-F5344CB8AC3E}">
-        <p14:creationId xmlns:p14="http://schemas.microsoft.com/office/powerpoint/2010/main" val="3830305192"/>
+        <p14:creationId xmlns:p14="http://schemas.microsoft.com/office/powerpoint/2010/main" val="3052690160"/>
       </p:ext>
     </p:extLst>
   </p:cSld>
@@ -2470,7 +2176,7 @@
 
 <file path=ppt/slideLayouts/slideLayout9.xml><?xml version="1.0" encoding="utf-8"?>
 <p:sldLayout xmlns:a="http://schemas.openxmlformats.org/drawingml/2006/main" xmlns:r="http://schemas.openxmlformats.org/officeDocument/2006/relationships" xmlns:p="http://schemas.openxmlformats.org/presentationml/2006/main" type="picTx" preserve="1">
-  <p:cSld name="Picture with Caption">
+  <p:cSld name="Imagem com Legenda">
     <p:spTree>
       <p:nvGrpSpPr>
         <p:cNvPr id="1" name=""/>
@@ -2487,13 +2193,7 @@
       </p:grpSpPr>
       <p:sp>
         <p:nvSpPr>
-          <p:cNvPr id="2" name="Title 1">
-            <a:extLst>
-              <a:ext uri="{FF2B5EF4-FFF2-40B4-BE49-F238E27FC236}">
-                <a16:creationId xmlns:a16="http://schemas.microsoft.com/office/drawing/2014/main" id="{AE5E919B-BF68-4590-8CA9-A51BAC0F750F}"/>
-              </a:ext>
-            </a:extLst>
-          </p:cNvPr>
+          <p:cNvPr id="2" name="Title 1"/>
           <p:cNvSpPr>
             <a:spLocks noGrp="1"/>
           </p:cNvSpPr>
@@ -2516,23 +2216,18 @@
           </a:lstStyle>
           <a:p>
             <a:r>
-              <a:rPr lang="en-US"/>
-              <a:t>Click to edit Master title style</a:t>
-            </a:r>
-          </a:p>
-        </p:txBody>
-      </p:sp>
-      <p:sp>
-        <p:nvSpPr>
-          <p:cNvPr id="3" name="Picture Placeholder 2">
-            <a:extLst>
-              <a:ext uri="{FF2B5EF4-FFF2-40B4-BE49-F238E27FC236}">
-                <a16:creationId xmlns:a16="http://schemas.microsoft.com/office/drawing/2014/main" id="{A04BC1AA-5C68-47DC-BBF0-1E309865E5AF}"/>
-              </a:ext>
-            </a:extLst>
-          </p:cNvPr>
+              <a:rPr lang="pt-BR"/>
+              <a:t>Clique para editar o título Mestre</a:t>
+            </a:r>
+            <a:endParaRPr lang="en-US" dirty="0"/>
+          </a:p>
+        </p:txBody>
+      </p:sp>
+      <p:sp>
+        <p:nvSpPr>
+          <p:cNvPr id="3" name="Picture Placeholder 2"/>
           <p:cNvSpPr>
-            <a:spLocks noGrp="1"/>
+            <a:spLocks noGrp="1" noChangeAspect="1"/>
           </p:cNvSpPr>
           <p:nvPr>
             <p:ph type="pic" idx="1"/>
@@ -2545,7 +2240,7 @@
           </a:xfrm>
         </p:spPr>
         <p:txBody>
-          <a:bodyPr/>
+          <a:bodyPr anchor="t"/>
           <a:lstStyle>
             <a:lvl1pPr marL="0" indent="0">
               <a:buNone/>
@@ -2585,19 +2280,17 @@
             </a:lvl9pPr>
           </a:lstStyle>
           <a:p>
-            <a:endParaRPr lang="en-US"/>
-          </a:p>
-        </p:txBody>
-      </p:sp>
-      <p:sp>
-        <p:nvSpPr>
-          <p:cNvPr id="4" name="Text Placeholder 3">
-            <a:extLst>
-              <a:ext uri="{FF2B5EF4-FFF2-40B4-BE49-F238E27FC236}">
-                <a16:creationId xmlns:a16="http://schemas.microsoft.com/office/drawing/2014/main" id="{0F81A636-7F9C-43EC-B2F2-6FB3323CB79E}"/>
-              </a:ext>
-            </a:extLst>
-          </p:cNvPr>
+            <a:r>
+              <a:rPr lang="pt-BR"/>
+              <a:t>Clique no ícone para adicionar uma imagem</a:t>
+            </a:r>
+            <a:endParaRPr lang="en-US" dirty="0"/>
+          </a:p>
+        </p:txBody>
+      </p:sp>
+      <p:sp>
+        <p:nvSpPr>
+          <p:cNvPr id="4" name="Text Placeholder 3"/>
           <p:cNvSpPr>
             <a:spLocks noGrp="1"/>
           </p:cNvSpPr>
@@ -2654,21 +2347,15 @@
           <a:p>
             <a:pPr lvl="0"/>
             <a:r>
-              <a:rPr lang="en-US"/>
-              <a:t>Edit Master text styles</a:t>
-            </a:r>
-          </a:p>
-        </p:txBody>
-      </p:sp>
-      <p:sp>
-        <p:nvSpPr>
-          <p:cNvPr id="5" name="Date Placeholder 4">
-            <a:extLst>
-              <a:ext uri="{FF2B5EF4-FFF2-40B4-BE49-F238E27FC236}">
-                <a16:creationId xmlns:a16="http://schemas.microsoft.com/office/drawing/2014/main" id="{7D19410E-A050-4AA2-BC89-EF52EB1C34F6}"/>
-              </a:ext>
-            </a:extLst>
-          </p:cNvPr>
+              <a:rPr lang="pt-BR"/>
+              <a:t>Clique para editar os estilos de texto Mestres</a:t>
+            </a:r>
+          </a:p>
+        </p:txBody>
+      </p:sp>
+      <p:sp>
+        <p:nvSpPr>
+          <p:cNvPr id="5" name="Date Placeholder 4"/>
           <p:cNvSpPr>
             <a:spLocks noGrp="1"/>
           </p:cNvSpPr>
@@ -2683,7 +2370,7 @@
           <a:p>
             <a:fld id="{EED1C14C-A143-42F5-B247-D0E800131009}" type="datetimeFigureOut">
               <a:rPr lang="en-US" smtClean="0"/>
-              <a:t>8/15/2018</a:t>
+              <a:t>9/27/2024</a:t>
             </a:fld>
             <a:endParaRPr lang="en-US"/>
           </a:p>
@@ -2691,13 +2378,7 @@
       </p:sp>
       <p:sp>
         <p:nvSpPr>
-          <p:cNvPr id="6" name="Footer Placeholder 5">
-            <a:extLst>
-              <a:ext uri="{FF2B5EF4-FFF2-40B4-BE49-F238E27FC236}">
-                <a16:creationId xmlns:a16="http://schemas.microsoft.com/office/drawing/2014/main" id="{B0C23AB0-18A5-4589-926D-C00F68CFEA43}"/>
-              </a:ext>
-            </a:extLst>
-          </p:cNvPr>
+          <p:cNvPr id="6" name="Footer Placeholder 5"/>
           <p:cNvSpPr>
             <a:spLocks noGrp="1"/>
           </p:cNvSpPr>
@@ -2716,13 +2397,7 @@
       </p:sp>
       <p:sp>
         <p:nvSpPr>
-          <p:cNvPr id="7" name="Slide Number Placeholder 6">
-            <a:extLst>
-              <a:ext uri="{FF2B5EF4-FFF2-40B4-BE49-F238E27FC236}">
-                <a16:creationId xmlns:a16="http://schemas.microsoft.com/office/drawing/2014/main" id="{8754EE52-EECA-4C6E-83E9-6382044D356C}"/>
-              </a:ext>
-            </a:extLst>
-          </p:cNvPr>
+          <p:cNvPr id="7" name="Slide Number Placeholder 6"/>
           <p:cNvSpPr>
             <a:spLocks noGrp="1"/>
           </p:cNvSpPr>
@@ -2737,7 +2412,7 @@
           <a:p>
             <a:fld id="{5B03D32D-F1BC-4E9C-97E1-36CFF5B22341}" type="slidenum">
               <a:rPr lang="en-US" smtClean="0"/>
-              <a:t>‹#›</a:t>
+              <a:t>‹nº›</a:t>
             </a:fld>
             <a:endParaRPr lang="en-US"/>
           </a:p>
@@ -2746,7 +2421,7 @@
     </p:spTree>
     <p:extLst>
       <p:ext uri="{BB962C8B-B14F-4D97-AF65-F5344CB8AC3E}">
-        <p14:creationId xmlns:p14="http://schemas.microsoft.com/office/powerpoint/2010/main" val="1609688846"/>
+        <p14:creationId xmlns:p14="http://schemas.microsoft.com/office/powerpoint/2010/main" val="3385540709"/>
       </p:ext>
     </p:extLst>
   </p:cSld>
@@ -2760,9 +2435,27 @@
 <p:sldMaster xmlns:a="http://schemas.openxmlformats.org/drawingml/2006/main" xmlns:r="http://schemas.openxmlformats.org/officeDocument/2006/relationships" xmlns:p="http://schemas.openxmlformats.org/presentationml/2006/main">
   <p:cSld>
     <p:bg>
-      <p:bgRef idx="1001">
-        <a:schemeClr val="bg1"/>
-      </p:bgRef>
+      <p:bgPr>
+        <a:gradFill flip="none" rotWithShape="1">
+          <a:gsLst>
+            <a:gs pos="0">
+              <a:schemeClr val="bg1"/>
+            </a:gs>
+            <a:gs pos="56000">
+              <a:schemeClr val="bg1"/>
+            </a:gs>
+            <a:gs pos="0">
+              <a:schemeClr val="bg1"/>
+            </a:gs>
+            <a:gs pos="24000">
+              <a:schemeClr val="bg1"/>
+            </a:gs>
+          </a:gsLst>
+          <a:lin ang="5400000" scaled="1"/>
+          <a:tileRect/>
+        </a:gradFill>
+        <a:effectLst/>
+      </p:bgPr>
     </p:bg>
     <p:spTree>
       <p:nvGrpSpPr>
@@ -2780,13 +2473,7 @@
       </p:grpSpPr>
       <p:sp>
         <p:nvSpPr>
-          <p:cNvPr id="2" name="Title Placeholder 1">
-            <a:extLst>
-              <a:ext uri="{FF2B5EF4-FFF2-40B4-BE49-F238E27FC236}">
-                <a16:creationId xmlns:a16="http://schemas.microsoft.com/office/drawing/2014/main" id="{BC3F6010-77C4-45FE-968C-712199A58514}"/>
-              </a:ext>
-            </a:extLst>
-          </p:cNvPr>
+          <p:cNvPr id="2" name="Title Placeholder 1"/>
           <p:cNvSpPr>
             <a:spLocks noGrp="1"/>
           </p:cNvSpPr>
@@ -2810,21 +2497,16 @@
           <a:lstStyle/>
           <a:p>
             <a:r>
-              <a:rPr lang="en-US"/>
-              <a:t>Click to edit Master title style</a:t>
-            </a:r>
-          </a:p>
-        </p:txBody>
-      </p:sp>
-      <p:sp>
-        <p:nvSpPr>
-          <p:cNvPr id="3" name="Text Placeholder 2">
-            <a:extLst>
-              <a:ext uri="{FF2B5EF4-FFF2-40B4-BE49-F238E27FC236}">
-                <a16:creationId xmlns:a16="http://schemas.microsoft.com/office/drawing/2014/main" id="{B19B1B2C-5D5F-46D9-92F5-ECDF2816A1FB}"/>
-              </a:ext>
-            </a:extLst>
-          </p:cNvPr>
+              <a:rPr lang="pt-BR"/>
+              <a:t>Clique para editar o título Mestre</a:t>
+            </a:r>
+            <a:endParaRPr lang="en-US" dirty="0"/>
+          </a:p>
+        </p:txBody>
+      </p:sp>
+      <p:sp>
+        <p:nvSpPr>
+          <p:cNvPr id="3" name="Text Placeholder 2"/>
           <p:cNvSpPr>
             <a:spLocks noGrp="1"/>
           </p:cNvSpPr>
@@ -2849,49 +2531,44 @@
           <a:p>
             <a:pPr lvl="0"/>
             <a:r>
-              <a:rPr lang="en-US"/>
-              <a:t>Edit Master text styles</a:t>
+              <a:rPr lang="pt-BR"/>
+              <a:t>Clique para editar os estilos de texto Mestres</a:t>
             </a:r>
           </a:p>
           <a:p>
             <a:pPr lvl="1"/>
             <a:r>
-              <a:rPr lang="en-US"/>
-              <a:t>Second level</a:t>
+              <a:rPr lang="pt-BR"/>
+              <a:t>Segundo nível</a:t>
             </a:r>
           </a:p>
           <a:p>
             <a:pPr lvl="2"/>
             <a:r>
-              <a:rPr lang="en-US"/>
-              <a:t>Third level</a:t>
+              <a:rPr lang="pt-BR"/>
+              <a:t>Terceiro nível</a:t>
             </a:r>
           </a:p>
           <a:p>
             <a:pPr lvl="3"/>
             <a:r>
-              <a:rPr lang="en-US"/>
-              <a:t>Fourth level</a:t>
+              <a:rPr lang="pt-BR"/>
+              <a:t>Quarto nível</a:t>
             </a:r>
           </a:p>
           <a:p>
             <a:pPr lvl="4"/>
             <a:r>
-              <a:rPr lang="en-US"/>
-              <a:t>Fifth level</a:t>
-            </a:r>
-          </a:p>
-        </p:txBody>
-      </p:sp>
-      <p:sp>
-        <p:nvSpPr>
-          <p:cNvPr id="4" name="Date Placeholder 3">
-            <a:extLst>
-              <a:ext uri="{FF2B5EF4-FFF2-40B4-BE49-F238E27FC236}">
-                <a16:creationId xmlns:a16="http://schemas.microsoft.com/office/drawing/2014/main" id="{60334894-C6F5-46F1-BAA2-AFEA88E68169}"/>
-              </a:ext>
-            </a:extLst>
-          </p:cNvPr>
+              <a:rPr lang="pt-BR"/>
+              <a:t>Quinto nível</a:t>
+            </a:r>
+            <a:endParaRPr lang="en-US" dirty="0"/>
+          </a:p>
+        </p:txBody>
+      </p:sp>
+      <p:sp>
+        <p:nvSpPr>
+          <p:cNvPr id="4" name="Date Placeholder 3"/>
           <p:cNvSpPr>
             <a:spLocks noGrp="1"/>
           </p:cNvSpPr>
@@ -2924,7 +2601,7 @@
           <a:p>
             <a:fld id="{EED1C14C-A143-42F5-B247-D0E800131009}" type="datetimeFigureOut">
               <a:rPr lang="en-US" smtClean="0"/>
-              <a:t>8/15/2018</a:t>
+              <a:t>9/27/2024</a:t>
             </a:fld>
             <a:endParaRPr lang="en-US"/>
           </a:p>
@@ -2932,13 +2609,7 @@
       </p:sp>
       <p:sp>
         <p:nvSpPr>
-          <p:cNvPr id="5" name="Footer Placeholder 4">
-            <a:extLst>
-              <a:ext uri="{FF2B5EF4-FFF2-40B4-BE49-F238E27FC236}">
-                <a16:creationId xmlns:a16="http://schemas.microsoft.com/office/drawing/2014/main" id="{975B1C84-4663-4022-BBEA-7667FEBCF3FB}"/>
-              </a:ext>
-            </a:extLst>
-          </p:cNvPr>
+          <p:cNvPr id="5" name="Footer Placeholder 4"/>
           <p:cNvSpPr>
             <a:spLocks noGrp="1"/>
           </p:cNvSpPr>
@@ -2975,13 +2646,7 @@
       </p:sp>
       <p:sp>
         <p:nvSpPr>
-          <p:cNvPr id="6" name="Slide Number Placeholder 5">
-            <a:extLst>
-              <a:ext uri="{FF2B5EF4-FFF2-40B4-BE49-F238E27FC236}">
-                <a16:creationId xmlns:a16="http://schemas.microsoft.com/office/drawing/2014/main" id="{E72820DA-1F3A-421F-A770-A6347089E365}"/>
-              </a:ext>
-            </a:extLst>
-          </p:cNvPr>
+          <p:cNvPr id="6" name="Slide Number Placeholder 5"/>
           <p:cNvSpPr>
             <a:spLocks noGrp="1"/>
           </p:cNvSpPr>
@@ -3014,7 +2679,7 @@
           <a:p>
             <a:fld id="{5B03D32D-F1BC-4E9C-97E1-36CFF5B22341}" type="slidenum">
               <a:rPr lang="en-US" smtClean="0"/>
-              <a:t>‹#›</a:t>
+              <a:t>‹nº›</a:t>
             </a:fld>
             <a:endParaRPr lang="en-US"/>
           </a:p>
@@ -3023,23 +2688,23 @@
     </p:spTree>
     <p:extLst>
       <p:ext uri="{BB962C8B-B14F-4D97-AF65-F5344CB8AC3E}">
-        <p14:creationId xmlns:p14="http://schemas.microsoft.com/office/powerpoint/2010/main" val="1904852015"/>
+        <p14:creationId xmlns:p14="http://schemas.microsoft.com/office/powerpoint/2010/main" val="3221793930"/>
       </p:ext>
     </p:extLst>
   </p:cSld>
   <p:clrMap bg1="lt1" tx1="dk1" bg2="lt2" tx2="dk2" accent1="accent1" accent2="accent2" accent3="accent3" accent4="accent4" accent5="accent5" accent6="accent6" hlink="hlink" folHlink="folHlink"/>
   <p:sldLayoutIdLst>
-    <p:sldLayoutId id="2147483649" r:id="rId1"/>
-    <p:sldLayoutId id="2147483650" r:id="rId2"/>
-    <p:sldLayoutId id="2147483651" r:id="rId3"/>
-    <p:sldLayoutId id="2147483652" r:id="rId4"/>
-    <p:sldLayoutId id="2147483653" r:id="rId5"/>
-    <p:sldLayoutId id="2147483654" r:id="rId6"/>
-    <p:sldLayoutId id="2147483655" r:id="rId7"/>
-    <p:sldLayoutId id="2147483656" r:id="rId8"/>
-    <p:sldLayoutId id="2147483657" r:id="rId9"/>
-    <p:sldLayoutId id="2147483658" r:id="rId10"/>
-    <p:sldLayoutId id="2147483659" r:id="rId11"/>
+    <p:sldLayoutId id="2147483685" r:id="rId1"/>
+    <p:sldLayoutId id="2147483686" r:id="rId2"/>
+    <p:sldLayoutId id="2147483687" r:id="rId3"/>
+    <p:sldLayoutId id="2147483688" r:id="rId4"/>
+    <p:sldLayoutId id="2147483689" r:id="rId5"/>
+    <p:sldLayoutId id="2147483690" r:id="rId6"/>
+    <p:sldLayoutId id="2147483691" r:id="rId7"/>
+    <p:sldLayoutId id="2147483692" r:id="rId8"/>
+    <p:sldLayoutId id="2147483693" r:id="rId9"/>
+    <p:sldLayoutId id="2147483694" r:id="rId10"/>
+    <p:sldLayoutId id="2147483695" r:id="rId11"/>
   </p:sldLayoutIdLst>
   <p:txStyles>
     <p:titleStyle>
@@ -3325,7 +2990,7 @@
 </file>
 
 <file path=ppt/slides/slide1.xml><?xml version="1.0" encoding="utf-8"?>
-<p:sld xmlns:a="http://schemas.openxmlformats.org/drawingml/2006/main" xmlns:p="http://schemas.openxmlformats.org/presentationml/2006/main" xmlns:r="http://schemas.openxmlformats.org/officeDocument/2006/relationships">
+<p:sld xmlns:a="http://schemas.openxmlformats.org/drawingml/2006/main" xmlns:r="http://schemas.openxmlformats.org/officeDocument/2006/relationships" xmlns:p="http://schemas.openxmlformats.org/presentationml/2006/main">
   <p:cSld>
     <p:spTree>
       <p:nvGrpSpPr>
@@ -3343,57 +3008,615 @@
       </p:grpSpPr>
       <p:sp>
         <p:nvSpPr>
-          <p:cNvPr id="0" name="slide1">
+          <p:cNvPr id="15" name="Retângulo 14">
             <a:extLst>
               <a:ext uri="{FF2B5EF4-FFF2-40B4-BE49-F238E27FC236}">
-                <a16:creationId xmlns:a16="http://schemas.microsoft.com/office/drawing/2014/main" id="{EFB40022-CD52-4EA6-9AE2-5BDC17C04F3B}"/>
+                <a16:creationId xmlns:a16="http://schemas.microsoft.com/office/drawing/2014/main" id="{90987E61-D847-C299-12F0-B762B300FDD3}"/>
               </a:ext>
             </a:extLst>
           </p:cNvPr>
-          <p:cNvSpPr>
-            <a:spLocks noGrp="1"/>
-          </p:cNvSpPr>
-          <p:nvPr>
-            <p:ph idx="0" type="ctrTitle"/>
-          </p:nvPr>
-        </p:nvSpPr>
-        <p:spPr/>
-        <p:txBody>
-          <a:bodyPr/>
-          <a:lstStyle/>
-          <a:p>
-            <a:r>
-              <a:rPr/>
-              <a:t>on33-python-s15-visualizacao-de-dados - Olist - para-casa</a:t>
-            </a:r>
-          </a:p>
-        </p:txBody>
-      </p:sp>
-      <p:sp>
-        <p:nvSpPr>
-          <p:cNvPr id="1" name="slide1">
+          <p:cNvSpPr/>
+          <p:nvPr/>
+        </p:nvSpPr>
+        <p:spPr>
+          <a:xfrm>
+            <a:off x="0" y="0"/>
+            <a:ext cx="2013557" cy="6858000"/>
+          </a:xfrm>
+          <a:prstGeom prst="rect">
+            <a:avLst/>
+          </a:prstGeom>
+          <a:solidFill>
+            <a:srgbClr val="C7EBE7"/>
+          </a:solidFill>
+          <a:effectLst>
+            <a:softEdge rad="31750"/>
+          </a:effectLst>
+        </p:spPr>
+        <p:style>
+          <a:lnRef idx="2">
+            <a:schemeClr val="accent1">
+              <a:shade val="15000"/>
+            </a:schemeClr>
+          </a:lnRef>
+          <a:fillRef idx="1">
+            <a:schemeClr val="accent1"/>
+          </a:fillRef>
+          <a:effectRef idx="0">
+            <a:schemeClr val="accent1"/>
+          </a:effectRef>
+          <a:fontRef idx="minor">
+            <a:schemeClr val="lt1"/>
+          </a:fontRef>
+        </p:style>
+        <p:txBody>
+          <a:bodyPr rtlCol="0" anchor="ctr"/>
+          <a:lstStyle/>
+          <a:p>
+            <a:pPr algn="ctr"/>
+            <a:endParaRPr lang="pt-BR">
+              <a:solidFill>
+                <a:schemeClr val="accent1">
+                  <a:lumMod val="60000"/>
+                  <a:lumOff val="40000"/>
+                </a:schemeClr>
+              </a:solidFill>
+            </a:endParaRPr>
+          </a:p>
+        </p:txBody>
+      </p:sp>
+      <p:sp>
+        <p:nvSpPr>
+          <p:cNvPr id="20" name="Elipse 19">
             <a:extLst>
               <a:ext uri="{FF2B5EF4-FFF2-40B4-BE49-F238E27FC236}">
-                <a16:creationId xmlns:a16="http://schemas.microsoft.com/office/drawing/2014/main" id="{0ABD5E76-9829-4363-8245-423166C308A3}"/>
+                <a16:creationId xmlns:a16="http://schemas.microsoft.com/office/drawing/2014/main" id="{EA31FA65-4B55-5620-663D-9531076611B8}"/>
               </a:ext>
             </a:extLst>
           </p:cNvPr>
-          <p:cNvSpPr>
-            <a:spLocks noGrp="1"/>
-          </p:cNvSpPr>
-          <p:nvPr>
-            <p:ph idx="1" type="subTitle"/>
-          </p:nvPr>
-        </p:nvSpPr>
-        <p:spPr/>
-        <p:txBody>
-          <a:bodyPr/>
-          <a:lstStyle/>
-          <a:p>
-            <a:r>
-              <a:rPr/>
-              <a:t>Arquivo criado em: 9/27/2024 10:28:26 PM</a:t>
-            </a:r>
+          <p:cNvSpPr/>
+          <p:nvPr/>
+        </p:nvSpPr>
+        <p:spPr>
+          <a:xfrm>
+            <a:off x="230945" y="2020801"/>
+            <a:ext cx="3565223" cy="2813008"/>
+          </a:xfrm>
+          <a:prstGeom prst="ellipse">
+            <a:avLst/>
+          </a:prstGeom>
+          <a:solidFill>
+            <a:srgbClr val="2AA3C0"/>
+          </a:solidFill>
+        </p:spPr>
+        <p:style>
+          <a:lnRef idx="0">
+            <a:schemeClr val="accent5"/>
+          </a:lnRef>
+          <a:fillRef idx="3">
+            <a:schemeClr val="accent5"/>
+          </a:fillRef>
+          <a:effectRef idx="3">
+            <a:schemeClr val="accent5"/>
+          </a:effectRef>
+          <a:fontRef idx="minor">
+            <a:schemeClr val="lt1"/>
+          </a:fontRef>
+        </p:style>
+        <p:txBody>
+          <a:bodyPr vert="horz" lIns="91440" tIns="45720" rIns="91440" bIns="45720" rtlCol="0" anchor="ctr">
+            <a:normAutofit/>
+          </a:bodyPr>
+          <a:lstStyle/>
+          <a:p>
+            <a:pPr algn="ctr">
+              <a:lnSpc>
+                <a:spcPct val="90000"/>
+              </a:lnSpc>
+              <a:spcBef>
+                <a:spcPct val="0"/>
+              </a:spcBef>
+              <a:spcAft>
+                <a:spcPts val="600"/>
+              </a:spcAft>
+            </a:pPr>
+            <a:r>
+              <a:rPr lang="en-US" sz="4000" b="1" kern="1200" dirty="0">
+                <a:solidFill>
+                  <a:schemeClr val="bg1"/>
+                </a:solidFill>
+                <a:latin typeface="Aptos Black" panose="020B0004020202020204" pitchFamily="34" charset="0"/>
+                <a:ea typeface="+mj-ea"/>
+                <a:cs typeface="+mj-cs"/>
+              </a:rPr>
+              <a:t>Analise de Dados</a:t>
+            </a:r>
+          </a:p>
+        </p:txBody>
+      </p:sp>
+      <p:sp>
+        <p:nvSpPr>
+          <p:cNvPr id="22" name="Retângulo 21">
+            <a:extLst>
+              <a:ext uri="{FF2B5EF4-FFF2-40B4-BE49-F238E27FC236}">
+                <a16:creationId xmlns:a16="http://schemas.microsoft.com/office/drawing/2014/main" id="{FD61D413-38BA-5401-0124-7677E3A14103}"/>
+              </a:ext>
+            </a:extLst>
+          </p:cNvPr>
+          <p:cNvSpPr/>
+          <p:nvPr/>
+        </p:nvSpPr>
+        <p:spPr>
+          <a:xfrm>
+            <a:off x="4253948" y="1608443"/>
+            <a:ext cx="7575383" cy="3848139"/>
+          </a:xfrm>
+          <a:prstGeom prst="rect">
+            <a:avLst/>
+          </a:prstGeom>
+          <a:solidFill>
+            <a:srgbClr val="3186B1"/>
+          </a:solidFill>
+          <a:ln>
+            <a:noFill/>
+          </a:ln>
+          <a:effectLst/>
+        </p:spPr>
+        <p:style>
+          <a:lnRef idx="2">
+            <a:schemeClr val="accent1">
+              <a:shade val="15000"/>
+            </a:schemeClr>
+          </a:lnRef>
+          <a:fillRef idx="1">
+            <a:schemeClr val="accent1"/>
+          </a:fillRef>
+          <a:effectRef idx="0">
+            <a:schemeClr val="accent1"/>
+          </a:effectRef>
+          <a:fontRef idx="minor">
+            <a:schemeClr val="lt1"/>
+          </a:fontRef>
+        </p:style>
+        <p:txBody>
+          <a:bodyPr rtlCol="0" anchor="ctr"/>
+          <a:lstStyle/>
+          <a:p>
+            <a:pPr algn="ctr"/>
+            <a:endParaRPr lang="pt-BR">
+              <a:solidFill>
+                <a:schemeClr val="bg1"/>
+              </a:solidFill>
+            </a:endParaRPr>
+          </a:p>
+        </p:txBody>
+      </p:sp>
+      <p:sp>
+        <p:nvSpPr>
+          <p:cNvPr id="27" name="CaixaDeTexto 26">
+            <a:extLst>
+              <a:ext uri="{FF2B5EF4-FFF2-40B4-BE49-F238E27FC236}">
+                <a16:creationId xmlns:a16="http://schemas.microsoft.com/office/drawing/2014/main" id="{FDB03695-98E9-01B1-98A4-F3DB1BF9C4C9}"/>
+              </a:ext>
+            </a:extLst>
+          </p:cNvPr>
+          <p:cNvSpPr txBox="1"/>
+          <p:nvPr/>
+        </p:nvSpPr>
+        <p:spPr>
+          <a:xfrm>
+            <a:off x="6096000" y="2919473"/>
+            <a:ext cx="4263887" cy="1015663"/>
+          </a:xfrm>
+          <a:prstGeom prst="rect">
+            <a:avLst/>
+          </a:prstGeom>
+          <a:noFill/>
+        </p:spPr>
+        <p:txBody>
+          <a:bodyPr wrap="square" rtlCol="0">
+            <a:spAutoFit/>
+          </a:bodyPr>
+          <a:lstStyle/>
+          <a:p>
+            <a:pPr algn="ctr"/>
+            <a:r>
+              <a:rPr lang="en-US" sz="3200" b="1" dirty="0" err="1">
+                <a:solidFill>
+                  <a:schemeClr val="bg1"/>
+                </a:solidFill>
+                <a:latin typeface="Aptos Black" panose="020B0004020202020204" pitchFamily="34" charset="0"/>
+              </a:rPr>
+              <a:t>Olist</a:t>
+            </a:r>
+            <a:endParaRPr lang="en-US" sz="3200" b="1" dirty="0">
+              <a:solidFill>
+                <a:schemeClr val="bg1"/>
+              </a:solidFill>
+              <a:latin typeface="Aptos Black" panose="020B0004020202020204" pitchFamily="34" charset="0"/>
+            </a:endParaRPr>
+          </a:p>
+          <a:p>
+            <a:pPr algn="ctr"/>
+            <a:r>
+              <a:rPr lang="en-US" sz="2800" dirty="0">
+                <a:solidFill>
+                  <a:schemeClr val="bg1"/>
+                </a:solidFill>
+                <a:latin typeface="Aptos Black" panose="020B0004020202020204" pitchFamily="34" charset="0"/>
+              </a:rPr>
+              <a:t>store</a:t>
+            </a:r>
+            <a:endParaRPr lang="pt-BR" sz="2800" dirty="0">
+              <a:solidFill>
+                <a:schemeClr val="bg1"/>
+              </a:solidFill>
+              <a:latin typeface="Aptos Black" panose="020B0004020202020204" pitchFamily="34" charset="0"/>
+            </a:endParaRPr>
+          </a:p>
+        </p:txBody>
+      </p:sp>
+      <p:sp>
+        <p:nvSpPr>
+          <p:cNvPr id="29" name="Retângulo 28">
+            <a:extLst>
+              <a:ext uri="{FF2B5EF4-FFF2-40B4-BE49-F238E27FC236}">
+                <a16:creationId xmlns:a16="http://schemas.microsoft.com/office/drawing/2014/main" id="{27F7080C-9AD6-A357-3A69-357BB7CC9A30}"/>
+              </a:ext>
+            </a:extLst>
+          </p:cNvPr>
+          <p:cNvSpPr/>
+          <p:nvPr/>
+        </p:nvSpPr>
+        <p:spPr>
+          <a:xfrm>
+            <a:off x="4740965" y="2256183"/>
+            <a:ext cx="1997765" cy="397565"/>
+          </a:xfrm>
+          <a:prstGeom prst="rect">
+            <a:avLst/>
+          </a:prstGeom>
+          <a:solidFill>
+            <a:srgbClr val="2FAFDD"/>
+          </a:solidFill>
+          <a:effectLst>
+            <a:softEdge rad="31750"/>
+          </a:effectLst>
+        </p:spPr>
+        <p:style>
+          <a:lnRef idx="2">
+            <a:schemeClr val="accent1">
+              <a:shade val="15000"/>
+            </a:schemeClr>
+          </a:lnRef>
+          <a:fillRef idx="1">
+            <a:schemeClr val="accent1"/>
+          </a:fillRef>
+          <a:effectRef idx="0">
+            <a:schemeClr val="accent1"/>
+          </a:effectRef>
+          <a:fontRef idx="minor">
+            <a:schemeClr val="lt1"/>
+          </a:fontRef>
+        </p:style>
+        <p:txBody>
+          <a:bodyPr rtlCol="0" anchor="ctr"/>
+          <a:lstStyle/>
+          <a:p>
+            <a:pPr algn="ctr"/>
+            <a:endParaRPr lang="pt-BR"/>
+          </a:p>
+        </p:txBody>
+      </p:sp>
+      <p:sp>
+        <p:nvSpPr>
+          <p:cNvPr id="34" name="Fluxograma: Conector 33">
+            <a:extLst>
+              <a:ext uri="{FF2B5EF4-FFF2-40B4-BE49-F238E27FC236}">
+                <a16:creationId xmlns:a16="http://schemas.microsoft.com/office/drawing/2014/main" id="{566E6527-1783-AEA0-F4BC-F480E4499B9E}"/>
+              </a:ext>
+            </a:extLst>
+          </p:cNvPr>
+          <p:cNvSpPr/>
+          <p:nvPr/>
+        </p:nvSpPr>
+        <p:spPr>
+          <a:xfrm>
+            <a:off x="6400800" y="4194314"/>
+            <a:ext cx="337930" cy="298174"/>
+          </a:xfrm>
+          <a:prstGeom prst="flowChartConnector">
+            <a:avLst/>
+          </a:prstGeom>
+          <a:solidFill>
+            <a:srgbClr val="2FAFDD"/>
+          </a:solidFill>
+          <a:effectLst>
+            <a:softEdge rad="31750"/>
+          </a:effectLst>
+        </p:spPr>
+        <p:style>
+          <a:lnRef idx="2">
+            <a:schemeClr val="accent1">
+              <a:shade val="15000"/>
+            </a:schemeClr>
+          </a:lnRef>
+          <a:fillRef idx="1">
+            <a:schemeClr val="accent1"/>
+          </a:fillRef>
+          <a:effectRef idx="0">
+            <a:schemeClr val="accent1"/>
+          </a:effectRef>
+          <a:fontRef idx="minor">
+            <a:schemeClr val="lt1"/>
+          </a:fontRef>
+        </p:style>
+        <p:txBody>
+          <a:bodyPr rtlCol="0" anchor="ctr"/>
+          <a:lstStyle/>
+          <a:p>
+            <a:pPr algn="ctr"/>
+            <a:endParaRPr lang="pt-BR"/>
+          </a:p>
+        </p:txBody>
+      </p:sp>
+      <p:sp>
+        <p:nvSpPr>
+          <p:cNvPr id="38" name="Fluxograma: Conector 37">
+            <a:extLst>
+              <a:ext uri="{FF2B5EF4-FFF2-40B4-BE49-F238E27FC236}">
+                <a16:creationId xmlns:a16="http://schemas.microsoft.com/office/drawing/2014/main" id="{5FCDFD3B-D11B-4FA7-2825-33A7A62EDF0C}"/>
+              </a:ext>
+            </a:extLst>
+          </p:cNvPr>
+          <p:cNvSpPr/>
+          <p:nvPr/>
+        </p:nvSpPr>
+        <p:spPr>
+          <a:xfrm>
+            <a:off x="10817088" y="4492488"/>
+            <a:ext cx="337930" cy="298174"/>
+          </a:xfrm>
+          <a:prstGeom prst="flowChartConnector">
+            <a:avLst/>
+          </a:prstGeom>
+          <a:solidFill>
+            <a:srgbClr val="2FAFDD"/>
+          </a:solidFill>
+          <a:effectLst>
+            <a:softEdge rad="31750"/>
+          </a:effectLst>
+        </p:spPr>
+        <p:style>
+          <a:lnRef idx="2">
+            <a:schemeClr val="accent1">
+              <a:shade val="15000"/>
+            </a:schemeClr>
+          </a:lnRef>
+          <a:fillRef idx="1">
+            <a:schemeClr val="accent1"/>
+          </a:fillRef>
+          <a:effectRef idx="0">
+            <a:schemeClr val="accent1"/>
+          </a:effectRef>
+          <a:fontRef idx="minor">
+            <a:schemeClr val="lt1"/>
+          </a:fontRef>
+        </p:style>
+        <p:txBody>
+          <a:bodyPr rtlCol="0" anchor="ctr"/>
+          <a:lstStyle/>
+          <a:p>
+            <a:pPr algn="ctr"/>
+            <a:endParaRPr lang="pt-BR"/>
+          </a:p>
+        </p:txBody>
+      </p:sp>
+      <p:sp>
+        <p:nvSpPr>
+          <p:cNvPr id="45" name="Retângulo 44">
+            <a:extLst>
+              <a:ext uri="{FF2B5EF4-FFF2-40B4-BE49-F238E27FC236}">
+                <a16:creationId xmlns:a16="http://schemas.microsoft.com/office/drawing/2014/main" id="{F40FBED2-C961-3BB8-B0E0-BFF0D4FF4F0C}"/>
+              </a:ext>
+            </a:extLst>
+          </p:cNvPr>
+          <p:cNvSpPr/>
+          <p:nvPr/>
+        </p:nvSpPr>
+        <p:spPr>
+          <a:xfrm>
+            <a:off x="8227943" y="4833809"/>
+            <a:ext cx="1997765" cy="397565"/>
+          </a:xfrm>
+          <a:prstGeom prst="rect">
+            <a:avLst/>
+          </a:prstGeom>
+          <a:solidFill>
+            <a:srgbClr val="2FAFDD"/>
+          </a:solidFill>
+          <a:effectLst>
+            <a:softEdge rad="31750"/>
+          </a:effectLst>
+        </p:spPr>
+        <p:style>
+          <a:lnRef idx="2">
+            <a:schemeClr val="accent1">
+              <a:shade val="15000"/>
+            </a:schemeClr>
+          </a:lnRef>
+          <a:fillRef idx="1">
+            <a:schemeClr val="accent1"/>
+          </a:fillRef>
+          <a:effectRef idx="0">
+            <a:schemeClr val="accent1"/>
+          </a:effectRef>
+          <a:fontRef idx="minor">
+            <a:schemeClr val="lt1"/>
+          </a:fontRef>
+        </p:style>
+        <p:txBody>
+          <a:bodyPr rtlCol="0" anchor="ctr"/>
+          <a:lstStyle/>
+          <a:p>
+            <a:pPr algn="ctr"/>
+            <a:endParaRPr lang="pt-BR"/>
+          </a:p>
+        </p:txBody>
+      </p:sp>
+      <p:sp>
+        <p:nvSpPr>
+          <p:cNvPr id="49" name="Retângulo 48">
+            <a:extLst>
+              <a:ext uri="{FF2B5EF4-FFF2-40B4-BE49-F238E27FC236}">
+                <a16:creationId xmlns:a16="http://schemas.microsoft.com/office/drawing/2014/main" id="{21E83CD4-DB1B-CF91-398C-FF9CCF2671DD}"/>
+              </a:ext>
+            </a:extLst>
+          </p:cNvPr>
+          <p:cNvSpPr/>
+          <p:nvPr/>
+        </p:nvSpPr>
+        <p:spPr>
+          <a:xfrm>
+            <a:off x="9198442" y="1689729"/>
+            <a:ext cx="2630889" cy="397565"/>
+          </a:xfrm>
+          <a:prstGeom prst="rect">
+            <a:avLst/>
+          </a:prstGeom>
+          <a:solidFill>
+            <a:srgbClr val="2FAFDD"/>
+          </a:solidFill>
+          <a:effectLst>
+            <a:softEdge rad="31750"/>
+          </a:effectLst>
+        </p:spPr>
+        <p:style>
+          <a:lnRef idx="2">
+            <a:schemeClr val="accent1">
+              <a:shade val="15000"/>
+            </a:schemeClr>
+          </a:lnRef>
+          <a:fillRef idx="1">
+            <a:schemeClr val="accent1"/>
+          </a:fillRef>
+          <a:effectRef idx="0">
+            <a:schemeClr val="accent1"/>
+          </a:effectRef>
+          <a:fontRef idx="minor">
+            <a:schemeClr val="lt1"/>
+          </a:fontRef>
+        </p:style>
+        <p:txBody>
+          <a:bodyPr rtlCol="0" anchor="ctr"/>
+          <a:lstStyle/>
+          <a:p>
+            <a:pPr algn="ctr"/>
+            <a:endParaRPr lang="pt-BR"/>
+          </a:p>
+        </p:txBody>
+      </p:sp>
+      <p:sp>
+        <p:nvSpPr>
+          <p:cNvPr id="50" name="Fluxograma: Conector 49">
+            <a:extLst>
+              <a:ext uri="{FF2B5EF4-FFF2-40B4-BE49-F238E27FC236}">
+                <a16:creationId xmlns:a16="http://schemas.microsoft.com/office/drawing/2014/main" id="{6E09ABB4-0F78-2724-D57D-CB7AB05E3637}"/>
+              </a:ext>
+            </a:extLst>
+          </p:cNvPr>
+          <p:cNvSpPr/>
+          <p:nvPr/>
+        </p:nvSpPr>
+        <p:spPr>
+          <a:xfrm>
+            <a:off x="4250635" y="3278216"/>
+            <a:ext cx="679174" cy="656919"/>
+          </a:xfrm>
+          <a:prstGeom prst="flowChartConnector">
+            <a:avLst/>
+          </a:prstGeom>
+          <a:solidFill>
+            <a:srgbClr val="2FAFDD"/>
+          </a:solidFill>
+          <a:effectLst>
+            <a:softEdge rad="31750"/>
+          </a:effectLst>
+        </p:spPr>
+        <p:style>
+          <a:lnRef idx="2">
+            <a:schemeClr val="accent1">
+              <a:shade val="15000"/>
+            </a:schemeClr>
+          </a:lnRef>
+          <a:fillRef idx="1">
+            <a:schemeClr val="accent1"/>
+          </a:fillRef>
+          <a:effectRef idx="0">
+            <a:schemeClr val="accent1"/>
+          </a:effectRef>
+          <a:fontRef idx="minor">
+            <a:schemeClr val="lt1"/>
+          </a:fontRef>
+        </p:style>
+        <p:txBody>
+          <a:bodyPr rtlCol="0" anchor="ctr"/>
+          <a:lstStyle/>
+          <a:p>
+            <a:pPr algn="ctr"/>
+            <a:endParaRPr lang="pt-BR"/>
+          </a:p>
+        </p:txBody>
+      </p:sp>
+      <p:sp>
+        <p:nvSpPr>
+          <p:cNvPr id="51" name="Fluxograma: Conector 50">
+            <a:extLst>
+              <a:ext uri="{FF2B5EF4-FFF2-40B4-BE49-F238E27FC236}">
+                <a16:creationId xmlns:a16="http://schemas.microsoft.com/office/drawing/2014/main" id="{C103FBE1-FA6C-94CA-AF8F-735DE2F884C3}"/>
+              </a:ext>
+            </a:extLst>
+          </p:cNvPr>
+          <p:cNvSpPr/>
+          <p:nvPr/>
+        </p:nvSpPr>
+        <p:spPr>
+          <a:xfrm>
+            <a:off x="9799983" y="2529956"/>
+            <a:ext cx="1055146" cy="899043"/>
+          </a:xfrm>
+          <a:prstGeom prst="flowChartConnector">
+            <a:avLst/>
+          </a:prstGeom>
+          <a:solidFill>
+            <a:srgbClr val="2FAFDD"/>
+          </a:solidFill>
+          <a:effectLst>
+            <a:softEdge rad="31750"/>
+          </a:effectLst>
+        </p:spPr>
+        <p:style>
+          <a:lnRef idx="2">
+            <a:schemeClr val="accent1">
+              <a:shade val="15000"/>
+            </a:schemeClr>
+          </a:lnRef>
+          <a:fillRef idx="1">
+            <a:schemeClr val="accent1"/>
+          </a:fillRef>
+          <a:effectRef idx="0">
+            <a:schemeClr val="accent1"/>
+          </a:effectRef>
+          <a:fontRef idx="minor">
+            <a:schemeClr val="lt1"/>
+          </a:fontRef>
+        </p:style>
+        <p:txBody>
+          <a:bodyPr rtlCol="0" anchor="ctr"/>
+          <a:lstStyle/>
+          <a:p>
+            <a:pPr algn="ctr"/>
+            <a:endParaRPr lang="pt-BR"/>
           </a:p>
         </p:txBody>
       </p:sp>
@@ -3411,7 +3634,7 @@
 </file>
 
 <file path=ppt/slides/slide10.xml><?xml version="1.0" encoding="utf-8"?>
-<p:sld xmlns:a="http://schemas.openxmlformats.org/drawingml/2006/main" xmlns:p="http://schemas.openxmlformats.org/presentationml/2006/main" xmlns:r="http://schemas.openxmlformats.org/officeDocument/2006/relationships">
+<p:sld xmlns:a="http://schemas.openxmlformats.org/drawingml/2006/main" xmlns:r="http://schemas.openxmlformats.org/officeDocument/2006/relationships" xmlns:p="http://schemas.openxmlformats.org/presentationml/2006/main">
   <p:cSld>
     <p:spTree>
       <p:nvGrpSpPr>
@@ -3429,10 +3652,10 @@
       </p:grpSpPr>
       <p:pic>
         <p:nvPicPr>
-          <p:cNvPr descr="História15" id="10" name="slide10">
+          <p:cNvPr id="23" name="slide23" descr="Qtd. Pedidos por Mes/Ano">
             <a:extLst>
               <a:ext uri="{FF2B5EF4-FFF2-40B4-BE49-F238E27FC236}">
-                <a16:creationId xmlns:a16="http://schemas.microsoft.com/office/drawing/2014/main" id="{093FCB43-D13C-4611-9D36-249D5EE177EE}"/>
+                <a16:creationId xmlns:a16="http://schemas.microsoft.com/office/drawing/2014/main" id="{6DAAAF20-173F-4642-A518-4A6180699167}"/>
               </a:ext>
             </a:extLst>
           </p:cNvPr>
@@ -3442,7 +3665,7 @@
           <p:nvPr/>
         </p:nvPicPr>
         <p:blipFill>
-          <a:blip r:embed="rId15">
+          <a:blip r:embed="rId2">
             <a:extLst>
               <a:ext uri="{28A0092B-C50C-407E-A947-70E740481C1C}">
                 <a14:useLocalDpi xmlns:a14="http://schemas.microsoft.com/office/drawing/2010/main" val="0"/>
@@ -3455,14 +3678,50 @@
         </p:blipFill>
         <p:spPr>
           <a:xfrm>
-            <a:off x="2481841" y="0"/>
-            <a:ext cx="7228318" cy="6858000"/>
+            <a:off x="198782" y="444232"/>
+            <a:ext cx="8488019" cy="5822085"/>
           </a:xfrm>
           <a:prstGeom prst="rect">
             <a:avLst/>
           </a:prstGeom>
         </p:spPr>
       </p:pic>
+      <p:sp>
+        <p:nvSpPr>
+          <p:cNvPr id="2" name="CaixaDeTexto 1">
+            <a:extLst>
+              <a:ext uri="{FF2B5EF4-FFF2-40B4-BE49-F238E27FC236}">
+                <a16:creationId xmlns:a16="http://schemas.microsoft.com/office/drawing/2014/main" id="{E2B31B17-0F9F-9A99-90FB-51CD49FD82A4}"/>
+              </a:ext>
+            </a:extLst>
+          </p:cNvPr>
+          <p:cNvSpPr txBox="1"/>
+          <p:nvPr/>
+        </p:nvSpPr>
+        <p:spPr>
+          <a:xfrm>
+            <a:off x="8468139" y="911005"/>
+            <a:ext cx="3525079" cy="5355312"/>
+          </a:xfrm>
+          <a:prstGeom prst="rect">
+            <a:avLst/>
+          </a:prstGeom>
+          <a:noFill/>
+        </p:spPr>
+        <p:txBody>
+          <a:bodyPr wrap="square" rtlCol="0">
+            <a:spAutoFit/>
+          </a:bodyPr>
+          <a:lstStyle/>
+          <a:p>
+            <a:pPr algn="just"/>
+            <a:r>
+              <a:rPr lang="pt-BR" dirty="0"/>
+              <a:t>Ao analisarmos a base de dados de forma diferente, utilizando o gráfico de linha "Quantidade de Pedidos por Mês/Ano", podemos observar que faltam informações completas para realizar uma comparação precisa das vendas anuais. Tanto 2016 quanto 2018 não possuem dados para todos os meses, o que pode resultar em análises imprecisas. No entanto, ao compararmos os meses disponíveis de 2017 e 2018, é possível identificar um forte aumento nas vendas em 2018, especialmente nos meses de janeiro a agosto. Isso sugere um crescimento significativo no desempenho de vendas nesse período específico.</a:t>
+            </a:r>
+          </a:p>
+        </p:txBody>
+      </p:sp>
     </p:spTree>
     <p:extLst>
       <p:ext uri="{BB962C8B-B14F-4D97-AF65-F5344CB8AC3E}">
@@ -3477,7 +3736,7 @@
 </file>
 
 <file path=ppt/slides/slide11.xml><?xml version="1.0" encoding="utf-8"?>
-<p:sld xmlns:a="http://schemas.openxmlformats.org/drawingml/2006/main" xmlns:p="http://schemas.openxmlformats.org/presentationml/2006/main" xmlns:r="http://schemas.openxmlformats.org/officeDocument/2006/relationships">
+<p:sld xmlns:a="http://schemas.openxmlformats.org/drawingml/2006/main" xmlns:r="http://schemas.openxmlformats.org/officeDocument/2006/relationships" xmlns:p="http://schemas.openxmlformats.org/presentationml/2006/main">
   <p:cSld>
     <p:spTree>
       <p:nvGrpSpPr>
@@ -3495,10 +3754,10 @@
       </p:grpSpPr>
       <p:pic>
         <p:nvPicPr>
-          <p:cNvPr descr="História16" id="11" name="slide11">
+          <p:cNvPr id="24" name="slide24" descr="Venda por Mês/Ano">
             <a:extLst>
               <a:ext uri="{FF2B5EF4-FFF2-40B4-BE49-F238E27FC236}">
-                <a16:creationId xmlns:a16="http://schemas.microsoft.com/office/drawing/2014/main" id="{8A2C5E5E-FC1F-4A77-B91F-75EE001D6ABD}"/>
+                <a16:creationId xmlns:a16="http://schemas.microsoft.com/office/drawing/2014/main" id="{31034A5F-F475-46D3-BF00-571BFDF7AE76}"/>
               </a:ext>
             </a:extLst>
           </p:cNvPr>
@@ -3508,7 +3767,7 @@
           <p:nvPr/>
         </p:nvPicPr>
         <p:blipFill>
-          <a:blip r:embed="rId16">
+          <a:blip r:embed="rId2">
             <a:extLst>
               <a:ext uri="{28A0092B-C50C-407E-A947-70E740481C1C}">
                 <a14:useLocalDpi xmlns:a14="http://schemas.microsoft.com/office/drawing/2010/main" val="0"/>
@@ -3521,14 +3780,50 @@
         </p:blipFill>
         <p:spPr>
           <a:xfrm>
-            <a:off x="2481841" y="0"/>
-            <a:ext cx="7228318" cy="6858000"/>
+            <a:off x="4403035" y="144869"/>
+            <a:ext cx="7638028" cy="6635122"/>
           </a:xfrm>
           <a:prstGeom prst="rect">
             <a:avLst/>
           </a:prstGeom>
         </p:spPr>
       </p:pic>
+      <p:sp>
+        <p:nvSpPr>
+          <p:cNvPr id="2" name="CaixaDeTexto 1">
+            <a:extLst>
+              <a:ext uri="{FF2B5EF4-FFF2-40B4-BE49-F238E27FC236}">
+                <a16:creationId xmlns:a16="http://schemas.microsoft.com/office/drawing/2014/main" id="{B21758EC-9107-A7DB-3848-C7C9542173FA}"/>
+              </a:ext>
+            </a:extLst>
+          </p:cNvPr>
+          <p:cNvSpPr txBox="1"/>
+          <p:nvPr/>
+        </p:nvSpPr>
+        <p:spPr>
+          <a:xfrm>
+            <a:off x="387627" y="1975777"/>
+            <a:ext cx="3886200" cy="2585323"/>
+          </a:xfrm>
+          <a:prstGeom prst="rect">
+            <a:avLst/>
+          </a:prstGeom>
+          <a:noFill/>
+        </p:spPr>
+        <p:txBody>
+          <a:bodyPr wrap="square" rtlCol="0">
+            <a:spAutoFit/>
+          </a:bodyPr>
+          <a:lstStyle/>
+          <a:p>
+            <a:pPr algn="just"/>
+            <a:r>
+              <a:rPr lang="pt-BR" dirty="0"/>
+              <a:t>No gráfico "Vendas por Mês/Ano", é possível realizar uma análise detalhada mês a mês. Com base nos dados, verificamos que novembro de 2017 foi o mês de maior volume de vendas, registrando um total de 7.289 pedidos. Esse destaque reflete um pico significativo nas vendas durante esse período.</a:t>
+            </a:r>
+          </a:p>
+        </p:txBody>
+      </p:sp>
     </p:spTree>
     <p:extLst>
       <p:ext uri="{BB962C8B-B14F-4D97-AF65-F5344CB8AC3E}">
@@ -3543,7 +3838,7 @@
 </file>
 
 <file path=ppt/slides/slide12.xml><?xml version="1.0" encoding="utf-8"?>
-<p:sld xmlns:a="http://schemas.openxmlformats.org/drawingml/2006/main" xmlns:p="http://schemas.openxmlformats.org/presentationml/2006/main" xmlns:r="http://schemas.openxmlformats.org/officeDocument/2006/relationships">
+<p:sld xmlns:a="http://schemas.openxmlformats.org/drawingml/2006/main" xmlns:r="http://schemas.openxmlformats.org/officeDocument/2006/relationships" xmlns:p="http://schemas.openxmlformats.org/presentationml/2006/main">
   <p:cSld>
     <p:spTree>
       <p:nvGrpSpPr>
@@ -3561,10 +3856,10 @@
       </p:grpSpPr>
       <p:pic>
         <p:nvPicPr>
-          <p:cNvPr descr="Qtd. Produtos por Categoria" id="12" name="slide12">
+          <p:cNvPr id="25" name="slide25" descr="Dispersao FreteXPreco">
             <a:extLst>
               <a:ext uri="{FF2B5EF4-FFF2-40B4-BE49-F238E27FC236}">
-                <a16:creationId xmlns:a16="http://schemas.microsoft.com/office/drawing/2014/main" id="{D2892B00-11A7-40CB-B1D5-CA192C86F9CB}"/>
+                <a16:creationId xmlns:a16="http://schemas.microsoft.com/office/drawing/2014/main" id="{84A6ABA0-7E55-4002-9975-85E72B8F28C8}"/>
               </a:ext>
             </a:extLst>
           </p:cNvPr>
@@ -3574,7 +3869,7 @@
           <p:nvPr/>
         </p:nvPicPr>
         <p:blipFill>
-          <a:blip r:embed="rId17">
+          <a:blip r:embed="rId2">
             <a:extLst>
               <a:ext uri="{28A0092B-C50C-407E-A947-70E740481C1C}">
                 <a14:useLocalDpi xmlns:a14="http://schemas.microsoft.com/office/drawing/2010/main" val="0"/>
@@ -3587,14 +3882,50 @@
         </p:blipFill>
         <p:spPr>
           <a:xfrm>
-            <a:off x="4070747" y="0"/>
-            <a:ext cx="4050506" cy="6858000"/>
+            <a:off x="407505" y="297008"/>
+            <a:ext cx="6013174" cy="6263984"/>
           </a:xfrm>
           <a:prstGeom prst="rect">
             <a:avLst/>
           </a:prstGeom>
         </p:spPr>
       </p:pic>
+      <p:sp>
+        <p:nvSpPr>
+          <p:cNvPr id="2" name="CaixaDeTexto 1">
+            <a:extLst>
+              <a:ext uri="{FF2B5EF4-FFF2-40B4-BE49-F238E27FC236}">
+                <a16:creationId xmlns:a16="http://schemas.microsoft.com/office/drawing/2014/main" id="{1ABA52F9-AF3A-8973-9374-E034FA7A261A}"/>
+              </a:ext>
+            </a:extLst>
+          </p:cNvPr>
+          <p:cNvSpPr txBox="1"/>
+          <p:nvPr/>
+        </p:nvSpPr>
+        <p:spPr>
+          <a:xfrm>
+            <a:off x="6748670" y="2335696"/>
+            <a:ext cx="4880113" cy="2031325"/>
+          </a:xfrm>
+          <a:prstGeom prst="rect">
+            <a:avLst/>
+          </a:prstGeom>
+          <a:noFill/>
+        </p:spPr>
+        <p:txBody>
+          <a:bodyPr wrap="square" rtlCol="0">
+            <a:spAutoFit/>
+          </a:bodyPr>
+          <a:lstStyle/>
+          <a:p>
+            <a:pPr algn="just"/>
+            <a:r>
+              <a:rPr lang="pt-BR" dirty="0"/>
+              <a:t>No gráfico de dispersão, a análise revela que não há correlação significativa entre o preço dos produtos e o valor do frete. Isso indica que o valor do frete não está diretamente relacionado ao preço dos itens vendidos, sugerindo que outros fatores, como localização ou peso do produto, podem influenciar os custos de envio.</a:t>
+            </a:r>
+          </a:p>
+        </p:txBody>
+      </p:sp>
     </p:spTree>
     <p:extLst>
       <p:ext uri="{BB962C8B-B14F-4D97-AF65-F5344CB8AC3E}">
@@ -3609,7 +3940,7 @@
 </file>
 
 <file path=ppt/slides/slide13.xml><?xml version="1.0" encoding="utf-8"?>
-<p:sld xmlns:a="http://schemas.openxmlformats.org/drawingml/2006/main" xmlns:p="http://schemas.openxmlformats.org/presentationml/2006/main" xmlns:r="http://schemas.openxmlformats.org/officeDocument/2006/relationships">
+<p:sld xmlns:a="http://schemas.openxmlformats.org/drawingml/2006/main" xmlns:r="http://schemas.openxmlformats.org/officeDocument/2006/relationships" xmlns:p="http://schemas.openxmlformats.org/presentationml/2006/main">
   <p:cSld>
     <p:spTree>
       <p:nvGrpSpPr>
@@ -3627,10 +3958,10 @@
       </p:grpSpPr>
       <p:pic>
         <p:nvPicPr>
-          <p:cNvPr descr="Categ. Mais Vendida" id="13" name="slide13">
+          <p:cNvPr id="26" name="slide26" descr="Histograma Frete">
             <a:extLst>
               <a:ext uri="{FF2B5EF4-FFF2-40B4-BE49-F238E27FC236}">
-                <a16:creationId xmlns:a16="http://schemas.microsoft.com/office/drawing/2014/main" id="{68F04366-0F12-4CA6-996C-9107426E4513}"/>
+                <a16:creationId xmlns:a16="http://schemas.microsoft.com/office/drawing/2014/main" id="{64DB7349-5F8F-41A6-8B50-0743B3A8837B}"/>
               </a:ext>
             </a:extLst>
           </p:cNvPr>
@@ -3640,7 +3971,7 @@
           <p:nvPr/>
         </p:nvPicPr>
         <p:blipFill>
-          <a:blip r:embed="rId18">
+          <a:blip r:embed="rId2">
             <a:extLst>
               <a:ext uri="{28A0092B-C50C-407E-A947-70E740481C1C}">
                 <a14:useLocalDpi xmlns:a14="http://schemas.microsoft.com/office/drawing/2010/main" val="0"/>
@@ -3653,14 +3984,50 @@
         </p:blipFill>
         <p:spPr>
           <a:xfrm>
-            <a:off x="800100" y="395287"/>
-            <a:ext cx="10591800" cy="6067425"/>
+            <a:off x="2842592" y="379460"/>
+            <a:ext cx="9097438" cy="6071036"/>
           </a:xfrm>
           <a:prstGeom prst="rect">
             <a:avLst/>
           </a:prstGeom>
         </p:spPr>
       </p:pic>
+      <p:sp>
+        <p:nvSpPr>
+          <p:cNvPr id="2" name="CaixaDeTexto 1">
+            <a:extLst>
+              <a:ext uri="{FF2B5EF4-FFF2-40B4-BE49-F238E27FC236}">
+                <a16:creationId xmlns:a16="http://schemas.microsoft.com/office/drawing/2014/main" id="{DBA957E8-7197-1271-36C4-ECF0D3C9D4CD}"/>
+              </a:ext>
+            </a:extLst>
+          </p:cNvPr>
+          <p:cNvSpPr txBox="1"/>
+          <p:nvPr/>
+        </p:nvSpPr>
+        <p:spPr>
+          <a:xfrm>
+            <a:off x="251971" y="1335158"/>
+            <a:ext cx="2425147" cy="3693319"/>
+          </a:xfrm>
+          <a:prstGeom prst="rect">
+            <a:avLst/>
+          </a:prstGeom>
+          <a:noFill/>
+        </p:spPr>
+        <p:txBody>
+          <a:bodyPr wrap="square" rtlCol="0">
+            <a:spAutoFit/>
+          </a:bodyPr>
+          <a:lstStyle/>
+          <a:p>
+            <a:pPr algn="just"/>
+            <a:r>
+              <a:rPr lang="pt-BR" dirty="0"/>
+              <a:t>No histograma abaixo, observamos a distribuição dos valores de frete. Após análise, constatamos que a maioria dos produtos apresenta um custo de frete entre R$7 e R$20, indicando uma faixa predominante de preço para o envio de mercadorias na base de dados.</a:t>
+            </a:r>
+          </a:p>
+        </p:txBody>
+      </p:sp>
     </p:spTree>
     <p:extLst>
       <p:ext uri="{BB962C8B-B14F-4D97-AF65-F5344CB8AC3E}">
@@ -3675,7 +4042,7 @@
 </file>
 
 <file path=ppt/slides/slide14.xml><?xml version="1.0" encoding="utf-8"?>
-<p:sld xmlns:a="http://schemas.openxmlformats.org/drawingml/2006/main" xmlns:p="http://schemas.openxmlformats.org/presentationml/2006/main" xmlns:r="http://schemas.openxmlformats.org/officeDocument/2006/relationships">
+<p:sld xmlns:a="http://schemas.openxmlformats.org/drawingml/2006/main" xmlns:r="http://schemas.openxmlformats.org/officeDocument/2006/relationships" xmlns:p="http://schemas.openxmlformats.org/presentationml/2006/main">
   <p:cSld>
     <p:spTree>
       <p:nvGrpSpPr>
@@ -3693,10 +4060,10 @@
       </p:grpSpPr>
       <p:pic>
         <p:nvPicPr>
-          <p:cNvPr descr="Qtd. Pedidos por Estado" id="14" name="slide14">
+          <p:cNvPr id="27" name="slide27" descr="Qtd. Produto por Pedido">
             <a:extLst>
               <a:ext uri="{FF2B5EF4-FFF2-40B4-BE49-F238E27FC236}">
-                <a16:creationId xmlns:a16="http://schemas.microsoft.com/office/drawing/2014/main" id="{5BCD4827-99D7-473A-862E-6346F0DC5538}"/>
+                <a16:creationId xmlns:a16="http://schemas.microsoft.com/office/drawing/2014/main" id="{777F55A5-0566-402F-8610-C048EE4A98AE}"/>
               </a:ext>
             </a:extLst>
           </p:cNvPr>
@@ -3706,7 +4073,7 @@
           <p:nvPr/>
         </p:nvPicPr>
         <p:blipFill>
-          <a:blip r:embed="rId19">
+          <a:blip r:embed="rId2">
             <a:extLst>
               <a:ext uri="{28A0092B-C50C-407E-A947-70E740481C1C}">
                 <a14:useLocalDpi xmlns:a14="http://schemas.microsoft.com/office/drawing/2010/main" val="0"/>
@@ -3719,14 +4086,50 @@
         </p:blipFill>
         <p:spPr>
           <a:xfrm>
-            <a:off x="4814887" y="323850"/>
-            <a:ext cx="2562225" cy="6210300"/>
+            <a:off x="318889" y="0"/>
+            <a:ext cx="3761946" cy="6858000"/>
           </a:xfrm>
           <a:prstGeom prst="rect">
             <a:avLst/>
           </a:prstGeom>
         </p:spPr>
       </p:pic>
+      <p:sp>
+        <p:nvSpPr>
+          <p:cNvPr id="3" name="CaixaDeTexto 2">
+            <a:extLst>
+              <a:ext uri="{FF2B5EF4-FFF2-40B4-BE49-F238E27FC236}">
+                <a16:creationId xmlns:a16="http://schemas.microsoft.com/office/drawing/2014/main" id="{5774116F-C1F8-D9D9-FB94-ED109234C10E}"/>
+              </a:ext>
+            </a:extLst>
+          </p:cNvPr>
+          <p:cNvSpPr txBox="1"/>
+          <p:nvPr/>
+        </p:nvSpPr>
+        <p:spPr>
+          <a:xfrm>
+            <a:off x="5675242" y="1719470"/>
+            <a:ext cx="4432853" cy="2308324"/>
+          </a:xfrm>
+          <a:prstGeom prst="rect">
+            <a:avLst/>
+          </a:prstGeom>
+          <a:noFill/>
+        </p:spPr>
+        <p:txBody>
+          <a:bodyPr wrap="square" rtlCol="0">
+            <a:spAutoFit/>
+          </a:bodyPr>
+          <a:lstStyle/>
+          <a:p>
+            <a:pPr algn="just"/>
+            <a:r>
+              <a:rPr lang="pt-BR" dirty="0"/>
+              <a:t>No gráfico de barras abaixo, podemos observar a quantidade de produtos por pedido. A análise revela que, na maioria dos casos, os pedidos contêm apenas um único produto. Essa tendência sugere que os clientes tendem a realizar compras mais específicas em vez de adquirir múltiplos itens por vez.</a:t>
+            </a:r>
+          </a:p>
+        </p:txBody>
+      </p:sp>
     </p:spTree>
     <p:extLst>
       <p:ext uri="{BB962C8B-B14F-4D97-AF65-F5344CB8AC3E}">
@@ -3741,7 +4144,374 @@
 </file>
 
 <file path=ppt/slides/slide15.xml><?xml version="1.0" encoding="utf-8"?>
-<p:sld xmlns:a="http://schemas.openxmlformats.org/drawingml/2006/main" xmlns:p="http://schemas.openxmlformats.org/presentationml/2006/main" xmlns:r="http://schemas.openxmlformats.org/officeDocument/2006/relationships">
+<p:sld xmlns:a="http://schemas.openxmlformats.org/drawingml/2006/main" xmlns:r="http://schemas.openxmlformats.org/officeDocument/2006/relationships" xmlns:p="http://schemas.openxmlformats.org/presentationml/2006/main">
+  <p:cSld>
+    <p:spTree>
+      <p:nvGrpSpPr>
+        <p:cNvPr id="1" name=""/>
+        <p:cNvGrpSpPr/>
+        <p:nvPr/>
+      </p:nvGrpSpPr>
+      <p:grpSpPr>
+        <a:xfrm>
+          <a:off x="0" y="0"/>
+          <a:ext cx="0" cy="0"/>
+          <a:chOff x="0" y="0"/>
+          <a:chExt cx="0" cy="0"/>
+        </a:xfrm>
+      </p:grpSpPr>
+      <p:sp>
+        <p:nvSpPr>
+          <p:cNvPr id="2" name="Título 1">
+            <a:extLst>
+              <a:ext uri="{FF2B5EF4-FFF2-40B4-BE49-F238E27FC236}">
+                <a16:creationId xmlns:a16="http://schemas.microsoft.com/office/drawing/2014/main" id="{A8FB27B1-278E-8ABE-FBEE-2E51D78E713F}"/>
+              </a:ext>
+            </a:extLst>
+          </p:cNvPr>
+          <p:cNvSpPr>
+            <a:spLocks noGrp="1"/>
+          </p:cNvSpPr>
+          <p:nvPr>
+            <p:ph type="title"/>
+          </p:nvPr>
+        </p:nvSpPr>
+        <p:spPr/>
+        <p:txBody>
+          <a:bodyPr/>
+          <a:lstStyle/>
+          <a:p>
+            <a:pPr algn="ctr"/>
+            <a:r>
+              <a:rPr lang="en-US" b="1" dirty="0">
+                <a:solidFill>
+                  <a:schemeClr val="accent1">
+                    <a:lumMod val="75000"/>
+                  </a:schemeClr>
+                </a:solidFill>
+              </a:rPr>
+              <a:t>CONCLUSAO </a:t>
+            </a:r>
+            <a:endParaRPr lang="pt-BR" b="1" dirty="0">
+              <a:solidFill>
+                <a:schemeClr val="accent1">
+                  <a:lumMod val="75000"/>
+                </a:schemeClr>
+              </a:solidFill>
+            </a:endParaRPr>
+          </a:p>
+        </p:txBody>
+      </p:sp>
+      <p:sp>
+        <p:nvSpPr>
+          <p:cNvPr id="3" name="Espaço Reservado para Conteúdo 2">
+            <a:extLst>
+              <a:ext uri="{FF2B5EF4-FFF2-40B4-BE49-F238E27FC236}">
+                <a16:creationId xmlns:a16="http://schemas.microsoft.com/office/drawing/2014/main" id="{E4F4BFD5-4164-9008-CA70-F63FF0869B87}"/>
+              </a:ext>
+            </a:extLst>
+          </p:cNvPr>
+          <p:cNvSpPr>
+            <a:spLocks noGrp="1"/>
+          </p:cNvSpPr>
+          <p:nvPr>
+            <p:ph idx="1"/>
+          </p:nvPr>
+        </p:nvSpPr>
+        <p:spPr>
+          <a:xfrm>
+            <a:off x="556592" y="1881118"/>
+            <a:ext cx="10926417" cy="4611757"/>
+          </a:xfrm>
+        </p:spPr>
+        <p:txBody>
+          <a:bodyPr>
+            <a:normAutofit fontScale="32500" lnSpcReduction="20000"/>
+          </a:bodyPr>
+          <a:lstStyle/>
+          <a:p>
+            <a:pPr marL="0" indent="0" algn="just">
+              <a:buNone/>
+            </a:pPr>
+            <a:r>
+              <a:rPr lang="pt-BR" sz="4900" b="0" i="0" dirty="0">
+                <a:effectLst/>
+              </a:rPr>
+              <a:t>	Com base nos insights apresentados acima, podemos concluir que a análise das vendas da Olist revela padrões interessantes sobre o comportamento dos produtos, estados e o impacto de fatores como quantidade de vendedores e frete.</a:t>
+            </a:r>
+          </a:p>
+          <a:p>
+            <a:pPr marL="0" indent="0" algn="just">
+              <a:buNone/>
+            </a:pPr>
+            <a:r>
+              <a:rPr lang="pt-BR" sz="4900" b="0" i="0" dirty="0">
+                <a:effectLst/>
+              </a:rPr>
+              <a:t>	A primeira análise demonstra que, de maneira geral, as categorias com maior quantidade de produtos disponíveis são também as que mais vendem. No entanto, a exceção "informática e acessórios" nos mostra que uma alta disponibilidade de produtos não necessariamente garante estar entre as categorias mais volumosas de vendas, sugerindo que fatores como popularidade ou sazonalidade podem influenciar.</a:t>
+            </a:r>
+          </a:p>
+          <a:p>
+            <a:pPr marL="0" indent="0" algn="just">
+              <a:buNone/>
+            </a:pPr>
+            <a:r>
+              <a:rPr lang="pt-BR" sz="4900" b="0" i="0" dirty="0">
+                <a:effectLst/>
+              </a:rPr>
+              <a:t>	Ao olhar para a distribuição dos pedidos por estado, fica claro que São Paulo (SP) lidera tanto em número de pedidos quanto em vendedores. Entretanto, outros estados, como Paraná (PR), têm uma alta concentração de vendedores sem refletir necessariamente em um volume de vendas proporcional. Isso indica que ter muitos vendedores ativos em uma região não garante, por si só, a maior quantidade de vendas, o que pode ser influenciado por outros fatores regionais ou logísticos.</a:t>
+            </a:r>
+          </a:p>
+          <a:p>
+            <a:pPr marL="0" indent="0" algn="just">
+              <a:buNone/>
+            </a:pPr>
+            <a:r>
+              <a:rPr lang="pt-BR" sz="4900" b="0" i="0" dirty="0">
+                <a:effectLst/>
+              </a:rPr>
+              <a:t>	Em relação ao desempenho de vendas ao longo do tempo, 2018 foi o ano com o maior volume total de pedidos, mesmo com dados incompletos para todos os meses. A comparação mensal entre 2017 e 2018 reforça a tendência de aumento nas vendas em 2018, especialmente no primeiro semestre, destacando novembro de 2017 como o mês de melhor performance.</a:t>
+            </a:r>
+          </a:p>
+          <a:p>
+            <a:pPr marL="0" indent="0" algn="just">
+              <a:buNone/>
+            </a:pPr>
+            <a:r>
+              <a:rPr lang="pt-BR" sz="4900" b="0" i="0" dirty="0">
+                <a:effectLst/>
+              </a:rPr>
+              <a:t>	A análise de preços e frete mostra que não há uma correlação significativa entre esses dois fatores, e a maioria dos fretes para os produtos vendidos está na faixa de R$7 a R$20, o que pode refletir uma estratégia padrão da empresa ou limitações logísticas. Por fim, a maioria dos pedidos contém apenas um produto, o que sugere que a base de clientes da Olist tende a realizar compras mais específicas, em vez de aquisições em grande volume.</a:t>
+            </a:r>
+          </a:p>
+          <a:p>
+            <a:pPr marL="0" indent="0" algn="just">
+              <a:buNone/>
+            </a:pPr>
+            <a:r>
+              <a:rPr lang="pt-BR" sz="4900" b="0" i="0" dirty="0">
+                <a:effectLst/>
+              </a:rPr>
+              <a:t>	Em síntese, a análise revela que a Olist possui um desempenho sólido em determinadas categorias e regiões, mas existem oportunidades de otimização, especialmente ao considerar as variações regionais em termos de vendedores e pedidos, além da necessidade de uma visão mais completa de dados temporais para evitar conclusões errôneas.</a:t>
+            </a:r>
+          </a:p>
+        </p:txBody>
+      </p:sp>
+      <p:sp>
+        <p:nvSpPr>
+          <p:cNvPr id="4" name="slide1">
+            <a:extLst>
+              <a:ext uri="{FF2B5EF4-FFF2-40B4-BE49-F238E27FC236}">
+                <a16:creationId xmlns:a16="http://schemas.microsoft.com/office/drawing/2014/main" id="{907E760E-FE3B-4222-B77B-DF3B7133EDD8}"/>
+              </a:ext>
+            </a:extLst>
+          </p:cNvPr>
+          <p:cNvSpPr txBox="1">
+            <a:spLocks/>
+          </p:cNvSpPr>
+          <p:nvPr/>
+        </p:nvSpPr>
+        <p:spPr>
+          <a:xfrm>
+            <a:off x="8908775" y="6492875"/>
+            <a:ext cx="2272748" cy="184771"/>
+          </a:xfrm>
+          <a:prstGeom prst="rect">
+            <a:avLst/>
+          </a:prstGeom>
+        </p:spPr>
+        <p:txBody>
+          <a:bodyPr vert="horz" lIns="91440" tIns="45720" rIns="91440" bIns="45720" rtlCol="0">
+            <a:normAutofit fontScale="25000" lnSpcReduction="20000"/>
+          </a:bodyPr>
+          <a:lstStyle>
+            <a:lvl1pPr marL="228600" indent="-228600" algn="l" defTabSz="914400" rtl="0" eaLnBrk="1" latinLnBrk="0" hangingPunct="1">
+              <a:lnSpc>
+                <a:spcPct val="90000"/>
+              </a:lnSpc>
+              <a:spcBef>
+                <a:spcPts val="1000"/>
+              </a:spcBef>
+              <a:buFont typeface="Arial" panose="020B0604020202020204" pitchFamily="34" charset="0"/>
+              <a:buChar char="•"/>
+              <a:defRPr sz="2800" kern="1200">
+                <a:solidFill>
+                  <a:schemeClr val="tx1"/>
+                </a:solidFill>
+                <a:latin typeface="+mn-lt"/>
+                <a:ea typeface="+mn-ea"/>
+                <a:cs typeface="+mn-cs"/>
+              </a:defRPr>
+            </a:lvl1pPr>
+            <a:lvl2pPr marL="685800" indent="-228600" algn="l" defTabSz="914400" rtl="0" eaLnBrk="1" latinLnBrk="0" hangingPunct="1">
+              <a:lnSpc>
+                <a:spcPct val="90000"/>
+              </a:lnSpc>
+              <a:spcBef>
+                <a:spcPts val="500"/>
+              </a:spcBef>
+              <a:buFont typeface="Arial" panose="020B0604020202020204" pitchFamily="34" charset="0"/>
+              <a:buChar char="•"/>
+              <a:defRPr sz="2400" kern="1200">
+                <a:solidFill>
+                  <a:schemeClr val="tx1"/>
+                </a:solidFill>
+                <a:latin typeface="+mn-lt"/>
+                <a:ea typeface="+mn-ea"/>
+                <a:cs typeface="+mn-cs"/>
+              </a:defRPr>
+            </a:lvl2pPr>
+            <a:lvl3pPr marL="1143000" indent="-228600" algn="l" defTabSz="914400" rtl="0" eaLnBrk="1" latinLnBrk="0" hangingPunct="1">
+              <a:lnSpc>
+                <a:spcPct val="90000"/>
+              </a:lnSpc>
+              <a:spcBef>
+                <a:spcPts val="500"/>
+              </a:spcBef>
+              <a:buFont typeface="Arial" panose="020B0604020202020204" pitchFamily="34" charset="0"/>
+              <a:buChar char="•"/>
+              <a:defRPr sz="2000" kern="1200">
+                <a:solidFill>
+                  <a:schemeClr val="tx1"/>
+                </a:solidFill>
+                <a:latin typeface="+mn-lt"/>
+                <a:ea typeface="+mn-ea"/>
+                <a:cs typeface="+mn-cs"/>
+              </a:defRPr>
+            </a:lvl3pPr>
+            <a:lvl4pPr marL="1600200" indent="-228600" algn="l" defTabSz="914400" rtl="0" eaLnBrk="1" latinLnBrk="0" hangingPunct="1">
+              <a:lnSpc>
+                <a:spcPct val="90000"/>
+              </a:lnSpc>
+              <a:spcBef>
+                <a:spcPts val="500"/>
+              </a:spcBef>
+              <a:buFont typeface="Arial" panose="020B0604020202020204" pitchFamily="34" charset="0"/>
+              <a:buChar char="•"/>
+              <a:defRPr sz="1800" kern="1200">
+                <a:solidFill>
+                  <a:schemeClr val="tx1"/>
+                </a:solidFill>
+                <a:latin typeface="+mn-lt"/>
+                <a:ea typeface="+mn-ea"/>
+                <a:cs typeface="+mn-cs"/>
+              </a:defRPr>
+            </a:lvl4pPr>
+            <a:lvl5pPr marL="2057400" indent="-228600" algn="l" defTabSz="914400" rtl="0" eaLnBrk="1" latinLnBrk="0" hangingPunct="1">
+              <a:lnSpc>
+                <a:spcPct val="90000"/>
+              </a:lnSpc>
+              <a:spcBef>
+                <a:spcPts val="500"/>
+              </a:spcBef>
+              <a:buFont typeface="Arial" panose="020B0604020202020204" pitchFamily="34" charset="0"/>
+              <a:buChar char="•"/>
+              <a:defRPr sz="1800" kern="1200">
+                <a:solidFill>
+                  <a:schemeClr val="tx1"/>
+                </a:solidFill>
+                <a:latin typeface="+mn-lt"/>
+                <a:ea typeface="+mn-ea"/>
+                <a:cs typeface="+mn-cs"/>
+              </a:defRPr>
+            </a:lvl5pPr>
+            <a:lvl6pPr marL="2514600" indent="-228600" algn="l" defTabSz="914400" rtl="0" eaLnBrk="1" latinLnBrk="0" hangingPunct="1">
+              <a:lnSpc>
+                <a:spcPct val="90000"/>
+              </a:lnSpc>
+              <a:spcBef>
+                <a:spcPts val="500"/>
+              </a:spcBef>
+              <a:buFont typeface="Arial" panose="020B0604020202020204" pitchFamily="34" charset="0"/>
+              <a:buChar char="•"/>
+              <a:defRPr sz="1800" kern="1200">
+                <a:solidFill>
+                  <a:schemeClr val="tx1"/>
+                </a:solidFill>
+                <a:latin typeface="+mn-lt"/>
+                <a:ea typeface="+mn-ea"/>
+                <a:cs typeface="+mn-cs"/>
+              </a:defRPr>
+            </a:lvl6pPr>
+            <a:lvl7pPr marL="2971800" indent="-228600" algn="l" defTabSz="914400" rtl="0" eaLnBrk="1" latinLnBrk="0" hangingPunct="1">
+              <a:lnSpc>
+                <a:spcPct val="90000"/>
+              </a:lnSpc>
+              <a:spcBef>
+                <a:spcPts val="500"/>
+              </a:spcBef>
+              <a:buFont typeface="Arial" panose="020B0604020202020204" pitchFamily="34" charset="0"/>
+              <a:buChar char="•"/>
+              <a:defRPr sz="1800" kern="1200">
+                <a:solidFill>
+                  <a:schemeClr val="tx1"/>
+                </a:solidFill>
+                <a:latin typeface="+mn-lt"/>
+                <a:ea typeface="+mn-ea"/>
+                <a:cs typeface="+mn-cs"/>
+              </a:defRPr>
+            </a:lvl7pPr>
+            <a:lvl8pPr marL="3429000" indent="-228600" algn="l" defTabSz="914400" rtl="0" eaLnBrk="1" latinLnBrk="0" hangingPunct="1">
+              <a:lnSpc>
+                <a:spcPct val="90000"/>
+              </a:lnSpc>
+              <a:spcBef>
+                <a:spcPts val="500"/>
+              </a:spcBef>
+              <a:buFont typeface="Arial" panose="020B0604020202020204" pitchFamily="34" charset="0"/>
+              <a:buChar char="•"/>
+              <a:defRPr sz="1800" kern="1200">
+                <a:solidFill>
+                  <a:schemeClr val="tx1"/>
+                </a:solidFill>
+                <a:latin typeface="+mn-lt"/>
+                <a:ea typeface="+mn-ea"/>
+                <a:cs typeface="+mn-cs"/>
+              </a:defRPr>
+            </a:lvl8pPr>
+            <a:lvl9pPr marL="3886200" indent="-228600" algn="l" defTabSz="914400" rtl="0" eaLnBrk="1" latinLnBrk="0" hangingPunct="1">
+              <a:lnSpc>
+                <a:spcPct val="90000"/>
+              </a:lnSpc>
+              <a:spcBef>
+                <a:spcPts val="500"/>
+              </a:spcBef>
+              <a:buFont typeface="Arial" panose="020B0604020202020204" pitchFamily="34" charset="0"/>
+              <a:buChar char="•"/>
+              <a:defRPr sz="1800" kern="1200">
+                <a:solidFill>
+                  <a:schemeClr val="tx1"/>
+                </a:solidFill>
+                <a:latin typeface="+mn-lt"/>
+                <a:ea typeface="+mn-ea"/>
+                <a:cs typeface="+mn-cs"/>
+              </a:defRPr>
+            </a:lvl9pPr>
+          </a:lstStyle>
+          <a:p>
+            <a:r>
+              <a:rPr lang="pt-BR"/>
+              <a:t>Arquivo criado em: 9/27/2024 11:50:55 PM</a:t>
+            </a:r>
+            <a:endParaRPr lang="pt-BR" dirty="0"/>
+          </a:p>
+        </p:txBody>
+      </p:sp>
+    </p:spTree>
+    <p:extLst>
+      <p:ext uri="{BB962C8B-B14F-4D97-AF65-F5344CB8AC3E}">
+        <p14:creationId xmlns:p14="http://schemas.microsoft.com/office/powerpoint/2010/main" val="621459852"/>
+      </p:ext>
+    </p:extLst>
+  </p:cSld>
+  <p:clrMapOvr>
+    <a:masterClrMapping/>
+  </p:clrMapOvr>
+</p:sld>
+</file>
+
+<file path=ppt/slides/slide16.xml><?xml version="1.0" encoding="utf-8"?>
+<p:sld xmlns:a="http://schemas.openxmlformats.org/drawingml/2006/main" xmlns:r="http://schemas.openxmlformats.org/officeDocument/2006/relationships" xmlns:p="http://schemas.openxmlformats.org/presentationml/2006/main">
   <p:cSld>
     <p:spTree>
       <p:nvGrpSpPr>
@@ -3759,10 +4529,648 @@
       </p:grpSpPr>
       <p:pic>
         <p:nvPicPr>
-          <p:cNvPr descr="Qtd. Vendedor por Estado" id="15" name="slide15">
+          <p:cNvPr id="1026" name="Picture 2">
             <a:extLst>
               <a:ext uri="{FF2B5EF4-FFF2-40B4-BE49-F238E27FC236}">
-                <a16:creationId xmlns:a16="http://schemas.microsoft.com/office/drawing/2014/main" id="{CE66A61E-D93E-4674-B6B8-04A050CE1F17}"/>
+                <a16:creationId xmlns:a16="http://schemas.microsoft.com/office/drawing/2014/main" id="{18723B9A-BC4D-5FEF-A071-BC80E14E9D3C}"/>
+              </a:ext>
+            </a:extLst>
+          </p:cNvPr>
+          <p:cNvPicPr>
+            <a:picLocks noChangeAspect="1" noChangeArrowheads="1"/>
+          </p:cNvPicPr>
+          <p:nvPr/>
+        </p:nvPicPr>
+        <p:blipFill>
+          <a:blip r:embed="rId2">
+            <a:extLst>
+              <a:ext uri="{28A0092B-C50C-407E-A947-70E740481C1C}">
+                <a14:useLocalDpi xmlns:a14="http://schemas.microsoft.com/office/drawing/2010/main" val="0"/>
+              </a:ext>
+            </a:extLst>
+          </a:blip>
+          <a:srcRect/>
+          <a:stretch>
+            <a:fillRect/>
+          </a:stretch>
+        </p:blipFill>
+        <p:spPr bwMode="auto">
+          <a:xfrm>
+            <a:off x="1647039" y="1978094"/>
+            <a:ext cx="711200" cy="711200"/>
+          </a:xfrm>
+          <a:prstGeom prst="rect">
+            <a:avLst/>
+          </a:prstGeom>
+          <a:noFill/>
+          <a:extLst>
+            <a:ext uri="{909E8E84-426E-40DD-AFC4-6F175D3DCCD1}">
+              <a14:hiddenFill xmlns:a14="http://schemas.microsoft.com/office/drawing/2010/main">
+                <a:solidFill>
+                  <a:srgbClr val="FFFFFF"/>
+                </a:solidFill>
+              </a14:hiddenFill>
+            </a:ext>
+          </a:extLst>
+        </p:spPr>
+      </p:pic>
+      <p:pic>
+        <p:nvPicPr>
+          <p:cNvPr id="1027" name="Picture 3">
+            <a:extLst>
+              <a:ext uri="{FF2B5EF4-FFF2-40B4-BE49-F238E27FC236}">
+                <a16:creationId xmlns:a16="http://schemas.microsoft.com/office/drawing/2014/main" id="{64AA132E-62F4-900B-B41C-1FF063CEEA63}"/>
+              </a:ext>
+            </a:extLst>
+          </p:cNvPr>
+          <p:cNvPicPr>
+            <a:picLocks noChangeAspect="1" noChangeArrowheads="1"/>
+          </p:cNvPicPr>
+          <p:nvPr/>
+        </p:nvPicPr>
+        <p:blipFill>
+          <a:blip r:embed="rId3">
+            <a:extLst>
+              <a:ext uri="{28A0092B-C50C-407E-A947-70E740481C1C}">
+                <a14:useLocalDpi xmlns:a14="http://schemas.microsoft.com/office/drawing/2010/main" val="0"/>
+              </a:ext>
+            </a:extLst>
+          </a:blip>
+          <a:srcRect/>
+          <a:stretch>
+            <a:fillRect/>
+          </a:stretch>
+        </p:blipFill>
+        <p:spPr bwMode="auto">
+          <a:xfrm>
+            <a:off x="1647039" y="3293763"/>
+            <a:ext cx="644821" cy="606890"/>
+          </a:xfrm>
+          <a:prstGeom prst="rect">
+            <a:avLst/>
+          </a:prstGeom>
+          <a:noFill/>
+          <a:extLst>
+            <a:ext uri="{909E8E84-426E-40DD-AFC4-6F175D3DCCD1}">
+              <a14:hiddenFill xmlns:a14="http://schemas.microsoft.com/office/drawing/2010/main">
+                <a:solidFill>
+                  <a:srgbClr val="FFFFFF"/>
+                </a:solidFill>
+              </a14:hiddenFill>
+            </a:ext>
+          </a:extLst>
+        </p:spPr>
+      </p:pic>
+      <p:pic>
+        <p:nvPicPr>
+          <p:cNvPr id="1028" name="Picture 4">
+            <a:extLst>
+              <a:ext uri="{FF2B5EF4-FFF2-40B4-BE49-F238E27FC236}">
+                <a16:creationId xmlns:a16="http://schemas.microsoft.com/office/drawing/2014/main" id="{54EEC593-024C-CB41-3ABD-ED96B8A7C4A5}"/>
+              </a:ext>
+            </a:extLst>
+          </p:cNvPr>
+          <p:cNvPicPr>
+            <a:picLocks noChangeAspect="1" noChangeArrowheads="1"/>
+          </p:cNvPicPr>
+          <p:nvPr/>
+        </p:nvPicPr>
+        <p:blipFill>
+          <a:blip r:embed="rId4">
+            <a:extLst>
+              <a:ext uri="{28A0092B-C50C-407E-A947-70E740481C1C}">
+                <a14:useLocalDpi xmlns:a14="http://schemas.microsoft.com/office/drawing/2010/main" val="0"/>
+              </a:ext>
+            </a:extLst>
+          </a:blip>
+          <a:srcRect/>
+          <a:stretch>
+            <a:fillRect/>
+          </a:stretch>
+        </p:blipFill>
+        <p:spPr bwMode="auto">
+          <a:xfrm>
+            <a:off x="1613849" y="4383157"/>
+            <a:ext cx="711200" cy="711200"/>
+          </a:xfrm>
+          <a:prstGeom prst="rect">
+            <a:avLst/>
+          </a:prstGeom>
+          <a:noFill/>
+          <a:extLst>
+            <a:ext uri="{909E8E84-426E-40DD-AFC4-6F175D3DCCD1}">
+              <a14:hiddenFill xmlns:a14="http://schemas.microsoft.com/office/drawing/2010/main">
+                <a:solidFill>
+                  <a:srgbClr val="FFFFFF"/>
+                </a:solidFill>
+              </a14:hiddenFill>
+            </a:ext>
+          </a:extLst>
+        </p:spPr>
+      </p:pic>
+      <p:sp>
+        <p:nvSpPr>
+          <p:cNvPr id="7" name="CaixaDeTexto 6">
+            <a:extLst>
+              <a:ext uri="{FF2B5EF4-FFF2-40B4-BE49-F238E27FC236}">
+                <a16:creationId xmlns:a16="http://schemas.microsoft.com/office/drawing/2014/main" id="{476AAE46-671A-44DF-A26C-2ED590545B50}"/>
+              </a:ext>
+            </a:extLst>
+          </p:cNvPr>
+          <p:cNvSpPr txBox="1"/>
+          <p:nvPr/>
+        </p:nvSpPr>
+        <p:spPr>
+          <a:xfrm>
+            <a:off x="2146851" y="795128"/>
+            <a:ext cx="4949688" cy="369332"/>
+          </a:xfrm>
+          <a:prstGeom prst="rect">
+            <a:avLst/>
+          </a:prstGeom>
+          <a:noFill/>
+        </p:spPr>
+        <p:txBody>
+          <a:bodyPr wrap="square" rtlCol="0">
+            <a:spAutoFit/>
+          </a:bodyPr>
+          <a:lstStyle/>
+          <a:p>
+            <a:r>
+              <a:rPr lang="en-US" b="1" dirty="0" err="1"/>
+              <a:t>Analista</a:t>
+            </a:r>
+            <a:r>
+              <a:rPr lang="en-US" dirty="0"/>
+              <a:t>: Carolyne Santos de Oliveira</a:t>
+            </a:r>
+            <a:endParaRPr lang="pt-BR" dirty="0"/>
+          </a:p>
+        </p:txBody>
+      </p:sp>
+      <p:sp>
+        <p:nvSpPr>
+          <p:cNvPr id="8" name="CaixaDeTexto 7">
+            <a:extLst>
+              <a:ext uri="{FF2B5EF4-FFF2-40B4-BE49-F238E27FC236}">
+                <a16:creationId xmlns:a16="http://schemas.microsoft.com/office/drawing/2014/main" id="{DD0C29C9-0F59-6EB0-CC18-968C805E07B0}"/>
+              </a:ext>
+            </a:extLst>
+          </p:cNvPr>
+          <p:cNvSpPr txBox="1"/>
+          <p:nvPr/>
+        </p:nvSpPr>
+        <p:spPr>
+          <a:xfrm>
+            <a:off x="2584174" y="2216426"/>
+            <a:ext cx="2574235" cy="338554"/>
+          </a:xfrm>
+          <a:prstGeom prst="rect">
+            <a:avLst/>
+          </a:prstGeom>
+          <a:noFill/>
+        </p:spPr>
+        <p:txBody>
+          <a:bodyPr wrap="square" rtlCol="0">
+            <a:spAutoFit/>
+          </a:bodyPr>
+          <a:lstStyle/>
+          <a:p>
+            <a:r>
+              <a:rPr lang="en-US" sz="1600" dirty="0"/>
+              <a:t>dados.carolyne@gmail.com</a:t>
+            </a:r>
+            <a:endParaRPr lang="pt-BR" sz="1600" dirty="0"/>
+          </a:p>
+        </p:txBody>
+      </p:sp>
+      <p:sp>
+        <p:nvSpPr>
+          <p:cNvPr id="10" name="CaixaDeTexto 9">
+            <a:extLst>
+              <a:ext uri="{FF2B5EF4-FFF2-40B4-BE49-F238E27FC236}">
+                <a16:creationId xmlns:a16="http://schemas.microsoft.com/office/drawing/2014/main" id="{190FFA56-0010-5378-4E21-9A95AD94B7D2}"/>
+              </a:ext>
+            </a:extLst>
+          </p:cNvPr>
+          <p:cNvSpPr txBox="1"/>
+          <p:nvPr/>
+        </p:nvSpPr>
+        <p:spPr>
+          <a:xfrm>
+            <a:off x="2584173" y="3462130"/>
+            <a:ext cx="2743201" cy="338554"/>
+          </a:xfrm>
+          <a:prstGeom prst="rect">
+            <a:avLst/>
+          </a:prstGeom>
+          <a:noFill/>
+        </p:spPr>
+        <p:txBody>
+          <a:bodyPr wrap="square" rtlCol="0">
+            <a:spAutoFit/>
+          </a:bodyPr>
+          <a:lstStyle/>
+          <a:p>
+            <a:r>
+              <a:rPr lang="pt-BR" sz="1600" b="0" i="0" u="none" strike="noStrike" dirty="0">
+                <a:solidFill>
+                  <a:srgbClr val="233A44"/>
+                </a:solidFill>
+                <a:effectLst/>
+              </a:rPr>
+              <a:t>linkedin.com/in/CarolyneS14</a:t>
+            </a:r>
+            <a:endParaRPr lang="pt-BR" sz="1600" dirty="0"/>
+          </a:p>
+        </p:txBody>
+      </p:sp>
+      <p:sp>
+        <p:nvSpPr>
+          <p:cNvPr id="11" name="CaixaDeTexto 10">
+            <a:extLst>
+              <a:ext uri="{FF2B5EF4-FFF2-40B4-BE49-F238E27FC236}">
+                <a16:creationId xmlns:a16="http://schemas.microsoft.com/office/drawing/2014/main" id="{8EE0B4B6-F389-F4AB-E750-AF706F9FB2B9}"/>
+              </a:ext>
+            </a:extLst>
+          </p:cNvPr>
+          <p:cNvSpPr txBox="1"/>
+          <p:nvPr/>
+        </p:nvSpPr>
+        <p:spPr>
+          <a:xfrm>
+            <a:off x="2668654" y="4707834"/>
+            <a:ext cx="2574237" cy="338554"/>
+          </a:xfrm>
+          <a:prstGeom prst="rect">
+            <a:avLst/>
+          </a:prstGeom>
+          <a:noFill/>
+        </p:spPr>
+        <p:txBody>
+          <a:bodyPr wrap="square" rtlCol="0">
+            <a:spAutoFit/>
+          </a:bodyPr>
+          <a:lstStyle/>
+          <a:p>
+            <a:r>
+              <a:rPr lang="en-US" sz="1600" dirty="0"/>
+              <a:t>github.com/CarolyneS14</a:t>
+            </a:r>
+            <a:endParaRPr lang="pt-BR" sz="1600" dirty="0"/>
+          </a:p>
+        </p:txBody>
+      </p:sp>
+      <p:sp>
+        <p:nvSpPr>
+          <p:cNvPr id="12" name="Retângulo 11">
+            <a:extLst>
+              <a:ext uri="{FF2B5EF4-FFF2-40B4-BE49-F238E27FC236}">
+                <a16:creationId xmlns:a16="http://schemas.microsoft.com/office/drawing/2014/main" id="{4E46F338-B09D-0C6F-C776-AA31D50A9708}"/>
+              </a:ext>
+            </a:extLst>
+          </p:cNvPr>
+          <p:cNvSpPr/>
+          <p:nvPr/>
+        </p:nvSpPr>
+        <p:spPr>
+          <a:xfrm>
+            <a:off x="9523347" y="0"/>
+            <a:ext cx="2668654" cy="6858000"/>
+          </a:xfrm>
+          <a:prstGeom prst="rect">
+            <a:avLst/>
+          </a:prstGeom>
+          <a:solidFill>
+            <a:srgbClr val="C7EBE7"/>
+          </a:solidFill>
+          <a:effectLst>
+            <a:softEdge rad="31750"/>
+          </a:effectLst>
+        </p:spPr>
+        <p:style>
+          <a:lnRef idx="2">
+            <a:schemeClr val="accent1">
+              <a:shade val="15000"/>
+            </a:schemeClr>
+          </a:lnRef>
+          <a:fillRef idx="1">
+            <a:schemeClr val="accent1"/>
+          </a:fillRef>
+          <a:effectRef idx="0">
+            <a:schemeClr val="accent1"/>
+          </a:effectRef>
+          <a:fontRef idx="minor">
+            <a:schemeClr val="lt1"/>
+          </a:fontRef>
+        </p:style>
+        <p:txBody>
+          <a:bodyPr rtlCol="0" anchor="ctr"/>
+          <a:lstStyle/>
+          <a:p>
+            <a:pPr algn="ctr"/>
+            <a:endParaRPr lang="pt-BR">
+              <a:solidFill>
+                <a:schemeClr val="accent1">
+                  <a:lumMod val="60000"/>
+                  <a:lumOff val="40000"/>
+                </a:schemeClr>
+              </a:solidFill>
+            </a:endParaRPr>
+          </a:p>
+        </p:txBody>
+      </p:sp>
+    </p:spTree>
+    <p:extLst>
+      <p:ext uri="{BB962C8B-B14F-4D97-AF65-F5344CB8AC3E}">
+        <p14:creationId xmlns:p14="http://schemas.microsoft.com/office/powerpoint/2010/main" val="3334876686"/>
+      </p:ext>
+    </p:extLst>
+  </p:cSld>
+  <p:clrMapOvr>
+    <a:masterClrMapping/>
+  </p:clrMapOvr>
+</p:sld>
+</file>
+
+<file path=ppt/slides/slide2.xml><?xml version="1.0" encoding="utf-8"?>
+<p:sld xmlns:a="http://schemas.openxmlformats.org/drawingml/2006/main" xmlns:r="http://schemas.openxmlformats.org/officeDocument/2006/relationships" xmlns:p="http://schemas.openxmlformats.org/presentationml/2006/main">
+  <p:cSld>
+    <p:spTree>
+      <p:nvGrpSpPr>
+        <p:cNvPr id="1" name=""/>
+        <p:cNvGrpSpPr/>
+        <p:nvPr/>
+      </p:nvGrpSpPr>
+      <p:grpSpPr>
+        <a:xfrm>
+          <a:off x="0" y="0"/>
+          <a:ext cx="0" cy="0"/>
+          <a:chOff x="0" y="0"/>
+          <a:chExt cx="0" cy="0"/>
+        </a:xfrm>
+      </p:grpSpPr>
+      <p:sp>
+        <p:nvSpPr>
+          <p:cNvPr id="3" name="Elipse 2">
+            <a:extLst>
+              <a:ext uri="{FF2B5EF4-FFF2-40B4-BE49-F238E27FC236}">
+                <a16:creationId xmlns:a16="http://schemas.microsoft.com/office/drawing/2014/main" id="{D4FA86C3-53A2-F2EA-EFA7-F31BE8F7167C}"/>
+              </a:ext>
+            </a:extLst>
+          </p:cNvPr>
+          <p:cNvSpPr/>
+          <p:nvPr/>
+        </p:nvSpPr>
+        <p:spPr>
+          <a:xfrm>
+            <a:off x="664919" y="761902"/>
+            <a:ext cx="4080362" cy="1708242"/>
+          </a:xfrm>
+          <a:prstGeom prst="ellipse">
+            <a:avLst/>
+          </a:prstGeom>
+          <a:solidFill>
+            <a:srgbClr val="86C0D4"/>
+          </a:solidFill>
+        </p:spPr>
+        <p:style>
+          <a:lnRef idx="0">
+            <a:schemeClr val="accent5"/>
+          </a:lnRef>
+          <a:fillRef idx="3">
+            <a:schemeClr val="accent5"/>
+          </a:fillRef>
+          <a:effectRef idx="3">
+            <a:schemeClr val="accent5"/>
+          </a:effectRef>
+          <a:fontRef idx="minor">
+            <a:schemeClr val="lt1"/>
+          </a:fontRef>
+        </p:style>
+        <p:txBody>
+          <a:bodyPr vert="horz" lIns="91440" tIns="45720" rIns="91440" bIns="45720" rtlCol="0" anchor="ctr">
+            <a:normAutofit/>
+          </a:bodyPr>
+          <a:lstStyle/>
+          <a:p>
+            <a:pPr algn="ctr">
+              <a:lnSpc>
+                <a:spcPct val="90000"/>
+              </a:lnSpc>
+              <a:spcBef>
+                <a:spcPct val="0"/>
+              </a:spcBef>
+              <a:spcAft>
+                <a:spcPts val="600"/>
+              </a:spcAft>
+            </a:pPr>
+            <a:r>
+              <a:rPr lang="en-US" sz="4000" b="1" kern="1200" dirty="0" err="1">
+                <a:solidFill>
+                  <a:schemeClr val="bg1"/>
+                </a:solidFill>
+                <a:latin typeface="Aptos Black" panose="020B0004020202020204" pitchFamily="34" charset="0"/>
+                <a:ea typeface="+mj-ea"/>
+                <a:cs typeface="+mj-cs"/>
+              </a:rPr>
+              <a:t>olist</a:t>
+            </a:r>
+            <a:endParaRPr lang="en-US" sz="4000" b="1" kern="1200" dirty="0">
+              <a:solidFill>
+                <a:schemeClr val="bg1"/>
+              </a:solidFill>
+              <a:latin typeface="Aptos Black" panose="020B0004020202020204" pitchFamily="34" charset="0"/>
+              <a:ea typeface="+mj-ea"/>
+              <a:cs typeface="+mj-cs"/>
+            </a:endParaRPr>
+          </a:p>
+        </p:txBody>
+      </p:sp>
+      <p:sp>
+        <p:nvSpPr>
+          <p:cNvPr id="2" name="CaixaDeTexto 1">
+            <a:extLst>
+              <a:ext uri="{FF2B5EF4-FFF2-40B4-BE49-F238E27FC236}">
+                <a16:creationId xmlns:a16="http://schemas.microsoft.com/office/drawing/2014/main" id="{73F97889-7D5A-147B-2222-2E49B58FA240}"/>
+              </a:ext>
+            </a:extLst>
+          </p:cNvPr>
+          <p:cNvSpPr txBox="1"/>
+          <p:nvPr/>
+        </p:nvSpPr>
+        <p:spPr>
+          <a:xfrm>
+            <a:off x="761803" y="2470244"/>
+            <a:ext cx="4080361" cy="3769834"/>
+          </a:xfrm>
+          <a:prstGeom prst="rect">
+            <a:avLst/>
+          </a:prstGeom>
+        </p:spPr>
+        <p:txBody>
+          <a:bodyPr vert="horz" lIns="91440" tIns="45720" rIns="91440" bIns="45720" rtlCol="0" anchor="ctr">
+            <a:normAutofit/>
+          </a:bodyPr>
+          <a:lstStyle/>
+          <a:p>
+            <a:pPr algn="just">
+              <a:lnSpc>
+                <a:spcPct val="90000"/>
+              </a:lnSpc>
+              <a:spcAft>
+                <a:spcPts val="600"/>
+              </a:spcAft>
+            </a:pPr>
+            <a:r>
+              <a:rPr lang="en-US" sz="2000" dirty="0"/>
+              <a:t>Nesta base de dados, </a:t>
+            </a:r>
+            <a:r>
+              <a:rPr lang="en-US" sz="2000" dirty="0" err="1"/>
+              <a:t>estão</a:t>
+            </a:r>
+            <a:r>
+              <a:rPr lang="en-US" sz="2000" dirty="0"/>
+              <a:t> </a:t>
+            </a:r>
+            <a:r>
+              <a:rPr lang="en-US" sz="2000" dirty="0" err="1"/>
+              <a:t>disponíveis</a:t>
+            </a:r>
+            <a:r>
+              <a:rPr lang="en-US" sz="2000" dirty="0"/>
+              <a:t> </a:t>
+            </a:r>
+            <a:r>
+              <a:rPr lang="en-US" sz="2000" dirty="0" err="1"/>
+              <a:t>informações</a:t>
+            </a:r>
+            <a:r>
+              <a:rPr lang="en-US" sz="2000" dirty="0"/>
+              <a:t> </a:t>
+            </a:r>
+            <a:r>
+              <a:rPr lang="en-US" sz="2000" dirty="0" err="1"/>
+              <a:t>sobre</a:t>
+            </a:r>
+            <a:r>
+              <a:rPr lang="en-US" sz="2000" dirty="0"/>
+              <a:t> as </a:t>
+            </a:r>
+            <a:r>
+              <a:rPr lang="en-US" sz="2000" dirty="0" err="1"/>
+              <a:t>vendas</a:t>
+            </a:r>
+            <a:r>
+              <a:rPr lang="en-US" sz="2000" dirty="0"/>
+              <a:t> da </a:t>
+            </a:r>
+            <a:r>
+              <a:rPr lang="en-US" sz="2000" dirty="0" err="1"/>
+              <a:t>Olist</a:t>
+            </a:r>
+            <a:r>
+              <a:rPr lang="en-US" sz="2000" dirty="0"/>
+              <a:t>, </a:t>
+            </a:r>
+            <a:r>
+              <a:rPr lang="en-US" sz="2000" dirty="0" err="1"/>
+              <a:t>coletadas</a:t>
+            </a:r>
+            <a:r>
+              <a:rPr lang="en-US" sz="2000" dirty="0"/>
+              <a:t> entre </a:t>
+            </a:r>
+            <a:r>
+              <a:rPr lang="en-US" sz="2000" dirty="0" err="1"/>
+              <a:t>setembro</a:t>
+            </a:r>
+            <a:r>
+              <a:rPr lang="en-US" sz="2000" dirty="0"/>
+              <a:t> de 2016 à </a:t>
+            </a:r>
+            <a:r>
+              <a:rPr lang="en-US" sz="2000" dirty="0" err="1"/>
+              <a:t>agosto</a:t>
+            </a:r>
+            <a:r>
+              <a:rPr lang="en-US" sz="2000" dirty="0"/>
+              <a:t> de 2018, </a:t>
+            </a:r>
+            <a:r>
+              <a:rPr lang="en-US" sz="2000" dirty="0" err="1"/>
+              <a:t>abrangendo</a:t>
+            </a:r>
+            <a:r>
+              <a:rPr lang="en-US" sz="2000" dirty="0"/>
+              <a:t> </a:t>
+            </a:r>
+            <a:r>
+              <a:rPr lang="en-US" sz="2000" dirty="0" err="1"/>
+              <a:t>diversas</a:t>
+            </a:r>
+            <a:r>
+              <a:rPr lang="en-US" sz="2000" dirty="0"/>
+              <a:t> </a:t>
+            </a:r>
+            <a:r>
+              <a:rPr lang="en-US" sz="2000" dirty="0" err="1"/>
+              <a:t>categorias</a:t>
+            </a:r>
+            <a:r>
+              <a:rPr lang="en-US" sz="2000" dirty="0"/>
+              <a:t> de </a:t>
+            </a:r>
+            <a:r>
+              <a:rPr lang="en-US" sz="2000" dirty="0" err="1"/>
+              <a:t>produtos</a:t>
+            </a:r>
+            <a:r>
+              <a:rPr lang="en-US" sz="2000" dirty="0"/>
+              <a:t> </a:t>
+            </a:r>
+            <a:r>
+              <a:rPr lang="en-US" sz="2000" dirty="0" err="1"/>
+              <a:t>em</a:t>
+            </a:r>
+            <a:r>
+              <a:rPr lang="en-US" sz="2000" dirty="0"/>
+              <a:t> </a:t>
+            </a:r>
+            <a:r>
+              <a:rPr lang="en-US" sz="2000" dirty="0" err="1"/>
+              <a:t>todo</a:t>
+            </a:r>
+            <a:r>
+              <a:rPr lang="en-US" sz="2000" dirty="0"/>
+              <a:t> o </a:t>
+            </a:r>
+            <a:r>
+              <a:rPr lang="en-US" sz="2000" dirty="0" err="1"/>
+              <a:t>território</a:t>
+            </a:r>
+            <a:r>
+              <a:rPr lang="en-US" sz="2000" dirty="0"/>
+              <a:t> </a:t>
+            </a:r>
+            <a:r>
+              <a:rPr lang="en-US" sz="2000" dirty="0" err="1"/>
+              <a:t>brasileiro</a:t>
+            </a:r>
+            <a:r>
+              <a:rPr lang="en-US" sz="2000" dirty="0"/>
+              <a:t>. </a:t>
+            </a:r>
+          </a:p>
+        </p:txBody>
+      </p:sp>
+      <p:pic>
+        <p:nvPicPr>
+          <p:cNvPr id="15" name="slide15" descr="Total Pedidos">
+            <a:extLst>
+              <a:ext uri="{FF2B5EF4-FFF2-40B4-BE49-F238E27FC236}">
+                <a16:creationId xmlns:a16="http://schemas.microsoft.com/office/drawing/2014/main" id="{AC38E2E1-A9BD-4F9F-AFB6-FCCDB4E6D43A}"/>
               </a:ext>
             </a:extLst>
           </p:cNvPr>
@@ -3772,7 +5180,7 @@
           <p:nvPr/>
         </p:nvPicPr>
         <p:blipFill>
-          <a:blip r:embed="rId20">
+          <a:blip r:embed="rId2">
             <a:extLst>
               <a:ext uri="{28A0092B-C50C-407E-A947-70E740481C1C}">
                 <a14:useLocalDpi xmlns:a14="http://schemas.microsoft.com/office/drawing/2010/main" val="0"/>
@@ -3785,8 +5193,8 @@
         </p:blipFill>
         <p:spPr>
           <a:xfrm>
-            <a:off x="1743100" y="0"/>
-            <a:ext cx="8705799" cy="6858000"/>
+            <a:off x="6096000" y="761902"/>
+            <a:ext cx="5334197" cy="5334197"/>
           </a:xfrm>
           <a:prstGeom prst="rect">
             <a:avLst/>
@@ -3806,8 +5214,8 @@
 </p:sld>
 </file>
 
-<file path=ppt/slides/slide16.xml><?xml version="1.0" encoding="utf-8"?>
-<p:sld xmlns:a="http://schemas.openxmlformats.org/drawingml/2006/main" xmlns:p="http://schemas.openxmlformats.org/presentationml/2006/main" xmlns:r="http://schemas.openxmlformats.org/officeDocument/2006/relationships">
+<file path=ppt/slides/slide3.xml><?xml version="1.0" encoding="utf-8"?>
+<p:sld xmlns:a="http://schemas.openxmlformats.org/drawingml/2006/main" xmlns:r="http://schemas.openxmlformats.org/officeDocument/2006/relationships" xmlns:p="http://schemas.openxmlformats.org/presentationml/2006/main">
   <p:cSld>
     <p:spTree>
       <p:nvGrpSpPr>
@@ -3825,10 +5233,10 @@
       </p:grpSpPr>
       <p:pic>
         <p:nvPicPr>
-          <p:cNvPr descr="Qtd. Total Pedidos por Ano" id="16" name="slide16">
+          <p:cNvPr id="16" name="slide16" descr="Total Vendedores">
             <a:extLst>
               <a:ext uri="{FF2B5EF4-FFF2-40B4-BE49-F238E27FC236}">
-                <a16:creationId xmlns:a16="http://schemas.microsoft.com/office/drawing/2014/main" id="{F5A73FA7-1341-4B47-BE0D-267716D6FFB0}"/>
+                <a16:creationId xmlns:a16="http://schemas.microsoft.com/office/drawing/2014/main" id="{D5C253C7-3417-4F7F-81D0-3716DFBB6952}"/>
               </a:ext>
             </a:extLst>
           </p:cNvPr>
@@ -3838,7 +5246,7 @@
           <p:nvPr/>
         </p:nvPicPr>
         <p:blipFill>
-          <a:blip r:embed="rId21">
+          <a:blip r:embed="rId2">
             <a:extLst>
               <a:ext uri="{28A0092B-C50C-407E-A947-70E740481C1C}">
                 <a14:useLocalDpi xmlns:a14="http://schemas.microsoft.com/office/drawing/2010/main" val="0"/>
@@ -3851,12 +5259,515 @@
         </p:blipFill>
         <p:spPr>
           <a:xfrm>
-            <a:off x="901938" y="0"/>
-            <a:ext cx="10388123" cy="6858000"/>
+            <a:off x="7479053" y="653615"/>
+            <a:ext cx="3379401" cy="5540004"/>
           </a:xfrm>
           <a:prstGeom prst="rect">
             <a:avLst/>
           </a:prstGeom>
+        </p:spPr>
+      </p:pic>
+      <p:sp>
+        <p:nvSpPr>
+          <p:cNvPr id="3" name="Elipse 2">
+            <a:extLst>
+              <a:ext uri="{FF2B5EF4-FFF2-40B4-BE49-F238E27FC236}">
+                <a16:creationId xmlns:a16="http://schemas.microsoft.com/office/drawing/2014/main" id="{800D19DD-BE29-AACA-6B0A-0F6A115D7DE9}"/>
+              </a:ext>
+            </a:extLst>
+          </p:cNvPr>
+          <p:cNvSpPr/>
+          <p:nvPr/>
+        </p:nvSpPr>
+        <p:spPr>
+          <a:xfrm>
+            <a:off x="1012644" y="841664"/>
+            <a:ext cx="4791256" cy="2171823"/>
+          </a:xfrm>
+          <a:prstGeom prst="ellipse">
+            <a:avLst/>
+          </a:prstGeom>
+          <a:solidFill>
+            <a:srgbClr val="86C0D4"/>
+          </a:solidFill>
+        </p:spPr>
+        <p:style>
+          <a:lnRef idx="0">
+            <a:schemeClr val="accent5"/>
+          </a:lnRef>
+          <a:fillRef idx="3">
+            <a:schemeClr val="accent5"/>
+          </a:fillRef>
+          <a:effectRef idx="3">
+            <a:schemeClr val="accent5"/>
+          </a:effectRef>
+          <a:fontRef idx="minor">
+            <a:schemeClr val="lt1"/>
+          </a:fontRef>
+        </p:style>
+        <p:txBody>
+          <a:bodyPr vert="horz" lIns="91440" tIns="45720" rIns="91440" bIns="45720" rtlCol="0" anchor="b">
+            <a:normAutofit/>
+          </a:bodyPr>
+          <a:lstStyle/>
+          <a:p>
+            <a:pPr>
+              <a:lnSpc>
+                <a:spcPct val="90000"/>
+              </a:lnSpc>
+              <a:spcBef>
+                <a:spcPct val="0"/>
+              </a:spcBef>
+              <a:spcAft>
+                <a:spcPts val="600"/>
+              </a:spcAft>
+            </a:pPr>
+            <a:r>
+              <a:rPr lang="en-US" sz="4800" b="1" kern="1200" dirty="0" err="1">
+                <a:solidFill>
+                  <a:schemeClr val="bg1"/>
+                </a:solidFill>
+                <a:latin typeface="Aptos Black" panose="020B0004020202020204" pitchFamily="34" charset="0"/>
+                <a:ea typeface="+mj-ea"/>
+                <a:cs typeface="+mj-cs"/>
+              </a:rPr>
+              <a:t>olist</a:t>
+            </a:r>
+            <a:endParaRPr lang="en-US" sz="4800" b="1" kern="1200" dirty="0">
+              <a:solidFill>
+                <a:schemeClr val="bg1"/>
+              </a:solidFill>
+              <a:latin typeface="Aptos Black" panose="020B0004020202020204" pitchFamily="34" charset="0"/>
+              <a:ea typeface="+mj-ea"/>
+              <a:cs typeface="+mj-cs"/>
+            </a:endParaRPr>
+          </a:p>
+        </p:txBody>
+      </p:sp>
+      <p:sp>
+        <p:nvSpPr>
+          <p:cNvPr id="2" name="CaixaDeTexto 1">
+            <a:extLst>
+              <a:ext uri="{FF2B5EF4-FFF2-40B4-BE49-F238E27FC236}">
+                <a16:creationId xmlns:a16="http://schemas.microsoft.com/office/drawing/2014/main" id="{30A96D48-A069-FCE9-9D04-1B385389A039}"/>
+              </a:ext>
+            </a:extLst>
+          </p:cNvPr>
+          <p:cNvSpPr txBox="1"/>
+          <p:nvPr/>
+        </p:nvSpPr>
+        <p:spPr>
+          <a:xfrm>
+            <a:off x="1012644" y="3764655"/>
+            <a:ext cx="5203990" cy="2374078"/>
+          </a:xfrm>
+          <a:prstGeom prst="rect">
+            <a:avLst/>
+          </a:prstGeom>
+        </p:spPr>
+        <p:txBody>
+          <a:bodyPr vert="horz" lIns="91440" tIns="45720" rIns="91440" bIns="45720" rtlCol="0" anchor="t">
+            <a:normAutofit/>
+          </a:bodyPr>
+          <a:lstStyle/>
+          <a:p>
+            <a:pPr>
+              <a:lnSpc>
+                <a:spcPct val="90000"/>
+              </a:lnSpc>
+              <a:spcBef>
+                <a:spcPts val="1000"/>
+              </a:spcBef>
+            </a:pPr>
+            <a:r>
+              <a:rPr lang="en-US" sz="2400" kern="1200" dirty="0">
+                <a:latin typeface="+mn-lt"/>
+                <a:ea typeface="+mn-ea"/>
+                <a:cs typeface="+mn-cs"/>
+              </a:rPr>
+              <a:t>Na </a:t>
+            </a:r>
+            <a:r>
+              <a:rPr lang="en-US" sz="2400" kern="1200" dirty="0" err="1">
+                <a:latin typeface="+mn-lt"/>
+                <a:ea typeface="+mn-ea"/>
+                <a:cs typeface="+mn-cs"/>
+              </a:rPr>
+              <a:t>tabela</a:t>
+            </a:r>
+            <a:r>
+              <a:rPr lang="en-US" sz="2400" kern="1200" dirty="0">
+                <a:latin typeface="+mn-lt"/>
+                <a:ea typeface="+mn-ea"/>
+                <a:cs typeface="+mn-cs"/>
+              </a:rPr>
+              <a:t> </a:t>
+            </a:r>
+            <a:r>
+              <a:rPr lang="en-US" sz="2400" kern="1200" dirty="0" err="1">
+                <a:latin typeface="+mn-lt"/>
+                <a:ea typeface="+mn-ea"/>
+                <a:cs typeface="+mn-cs"/>
+              </a:rPr>
+              <a:t>ao</a:t>
+            </a:r>
+            <a:r>
+              <a:rPr lang="en-US" sz="2400" kern="1200" dirty="0">
+                <a:latin typeface="+mn-lt"/>
+                <a:ea typeface="+mn-ea"/>
+                <a:cs typeface="+mn-cs"/>
+              </a:rPr>
+              <a:t> </a:t>
+            </a:r>
+            <a:r>
+              <a:rPr lang="en-US" sz="2400" kern="1200" dirty="0" err="1">
+                <a:latin typeface="+mn-lt"/>
+                <a:ea typeface="+mn-ea"/>
+                <a:cs typeface="+mn-cs"/>
+              </a:rPr>
+              <a:t>lado</a:t>
+            </a:r>
+            <a:r>
+              <a:rPr lang="en-US" sz="2400" kern="1200" dirty="0">
+                <a:latin typeface="+mn-lt"/>
+                <a:ea typeface="+mn-ea"/>
+                <a:cs typeface="+mn-cs"/>
+              </a:rPr>
+              <a:t> </a:t>
+            </a:r>
+            <a:r>
+              <a:rPr lang="en-US" sz="2400" kern="1200" dirty="0" err="1">
+                <a:latin typeface="+mn-lt"/>
+                <a:ea typeface="+mn-ea"/>
+                <a:cs typeface="+mn-cs"/>
+              </a:rPr>
+              <a:t>temos</a:t>
+            </a:r>
+            <a:r>
+              <a:rPr lang="en-US" sz="2400" kern="1200" dirty="0">
+                <a:latin typeface="+mn-lt"/>
+                <a:ea typeface="+mn-ea"/>
+                <a:cs typeface="+mn-cs"/>
+              </a:rPr>
+              <a:t> o </a:t>
+            </a:r>
+            <a:r>
+              <a:rPr lang="en-US" sz="2400" kern="1200" dirty="0" err="1">
+                <a:latin typeface="+mn-lt"/>
+                <a:ea typeface="+mn-ea"/>
+                <a:cs typeface="+mn-cs"/>
+              </a:rPr>
+              <a:t>número</a:t>
+            </a:r>
+            <a:r>
+              <a:rPr lang="en-US" sz="2400" kern="1200" dirty="0">
+                <a:latin typeface="+mn-lt"/>
+                <a:ea typeface="+mn-ea"/>
+                <a:cs typeface="+mn-cs"/>
+              </a:rPr>
+              <a:t> Total de </a:t>
+            </a:r>
+            <a:r>
+              <a:rPr lang="en-US" sz="2400" kern="1200" dirty="0" err="1">
+                <a:latin typeface="+mn-lt"/>
+                <a:ea typeface="+mn-ea"/>
+                <a:cs typeface="+mn-cs"/>
+              </a:rPr>
+              <a:t>Vendedores</a:t>
+            </a:r>
+            <a:r>
+              <a:rPr lang="en-US" sz="2400" kern="1200" dirty="0">
+                <a:latin typeface="+mn-lt"/>
+                <a:ea typeface="+mn-ea"/>
+                <a:cs typeface="+mn-cs"/>
+              </a:rPr>
+              <a:t> </a:t>
+            </a:r>
+            <a:r>
+              <a:rPr lang="en-US" sz="2400" kern="1200" dirty="0" err="1">
+                <a:latin typeface="+mn-lt"/>
+                <a:ea typeface="+mn-ea"/>
+                <a:cs typeface="+mn-cs"/>
+              </a:rPr>
+              <a:t>por</a:t>
+            </a:r>
+            <a:r>
+              <a:rPr lang="en-US" sz="2400" kern="1200" dirty="0">
+                <a:latin typeface="+mn-lt"/>
+                <a:ea typeface="+mn-ea"/>
+                <a:cs typeface="+mn-cs"/>
+              </a:rPr>
+              <a:t> Estado, </a:t>
+            </a:r>
+            <a:r>
+              <a:rPr lang="en-US" sz="2400" kern="1200" dirty="0" err="1">
+                <a:latin typeface="+mn-lt"/>
+                <a:ea typeface="+mn-ea"/>
+                <a:cs typeface="+mn-cs"/>
+              </a:rPr>
+              <a:t>presente</a:t>
+            </a:r>
+            <a:r>
+              <a:rPr lang="en-US" sz="2400" kern="1200" dirty="0">
+                <a:latin typeface="+mn-lt"/>
+                <a:ea typeface="+mn-ea"/>
+                <a:cs typeface="+mn-cs"/>
+              </a:rPr>
+              <a:t> </a:t>
+            </a:r>
+            <a:r>
+              <a:rPr lang="en-US" sz="2400" kern="1200" dirty="0" err="1">
+                <a:latin typeface="+mn-lt"/>
+                <a:ea typeface="+mn-ea"/>
+                <a:cs typeface="+mn-cs"/>
+              </a:rPr>
+              <a:t>na</a:t>
+            </a:r>
+            <a:r>
+              <a:rPr lang="en-US" sz="2400" kern="1200" dirty="0">
+                <a:latin typeface="+mn-lt"/>
+                <a:ea typeface="+mn-ea"/>
+                <a:cs typeface="+mn-cs"/>
+              </a:rPr>
+              <a:t> base de dados.</a:t>
+            </a:r>
+          </a:p>
+        </p:txBody>
+      </p:sp>
+    </p:spTree>
+    <p:extLst>
+      <p:ext uri="{BB962C8B-B14F-4D97-AF65-F5344CB8AC3E}">
+        <p14:creationId xmlns:p14="http://schemas.microsoft.com/office/powerpoint/2010/main" val="95992585"/>
+      </p:ext>
+    </p:extLst>
+  </p:cSld>
+  <p:clrMapOvr>
+    <a:masterClrMapping/>
+  </p:clrMapOvr>
+</p:sld>
+</file>
+
+<file path=ppt/slides/slide4.xml><?xml version="1.0" encoding="utf-8"?>
+<p:sld xmlns:a="http://schemas.openxmlformats.org/drawingml/2006/main" xmlns:r="http://schemas.openxmlformats.org/officeDocument/2006/relationships" xmlns:p="http://schemas.openxmlformats.org/presentationml/2006/main">
+  <p:cSld>
+    <p:spTree>
+      <p:nvGrpSpPr>
+        <p:cNvPr id="1" name=""/>
+        <p:cNvGrpSpPr/>
+        <p:nvPr/>
+      </p:nvGrpSpPr>
+      <p:grpSpPr>
+        <a:xfrm>
+          <a:off x="0" y="0"/>
+          <a:ext cx="0" cy="0"/>
+          <a:chOff x="0" y="0"/>
+          <a:chExt cx="0" cy="0"/>
+        </a:xfrm>
+      </p:grpSpPr>
+      <p:sp>
+        <p:nvSpPr>
+          <p:cNvPr id="3" name="Elipse 2">
+            <a:extLst>
+              <a:ext uri="{FF2B5EF4-FFF2-40B4-BE49-F238E27FC236}">
+                <a16:creationId xmlns:a16="http://schemas.microsoft.com/office/drawing/2014/main" id="{3FA44907-7ADA-4116-7107-72497DAAF87F}"/>
+              </a:ext>
+            </a:extLst>
+          </p:cNvPr>
+          <p:cNvSpPr/>
+          <p:nvPr/>
+        </p:nvSpPr>
+        <p:spPr>
+          <a:xfrm>
+            <a:off x="705850" y="2055462"/>
+            <a:ext cx="5491090" cy="2387600"/>
+          </a:xfrm>
+          <a:prstGeom prst="ellipse">
+            <a:avLst/>
+          </a:prstGeom>
+          <a:solidFill>
+            <a:srgbClr val="86C0D4"/>
+          </a:solidFill>
+        </p:spPr>
+        <p:style>
+          <a:lnRef idx="0">
+            <a:schemeClr val="accent5"/>
+          </a:lnRef>
+          <a:fillRef idx="3">
+            <a:schemeClr val="accent5"/>
+          </a:fillRef>
+          <a:effectRef idx="3">
+            <a:schemeClr val="accent5"/>
+          </a:effectRef>
+          <a:fontRef idx="minor">
+            <a:schemeClr val="lt1"/>
+          </a:fontRef>
+        </p:style>
+        <p:txBody>
+          <a:bodyPr vert="horz" lIns="91440" tIns="45720" rIns="91440" bIns="45720" rtlCol="0" anchor="b">
+            <a:normAutofit/>
+          </a:bodyPr>
+          <a:lstStyle/>
+          <a:p>
+            <a:pPr algn="r">
+              <a:lnSpc>
+                <a:spcPct val="90000"/>
+              </a:lnSpc>
+              <a:spcBef>
+                <a:spcPct val="0"/>
+              </a:spcBef>
+              <a:spcAft>
+                <a:spcPts val="600"/>
+              </a:spcAft>
+            </a:pPr>
+            <a:r>
+              <a:rPr lang="en-US" sz="6000" b="1" kern="1200" dirty="0" err="1">
+                <a:solidFill>
+                  <a:schemeClr val="bg1"/>
+                </a:solidFill>
+                <a:latin typeface="Aptos Black" panose="020B0004020202020204" pitchFamily="34" charset="0"/>
+                <a:ea typeface="+mj-ea"/>
+                <a:cs typeface="+mj-cs"/>
+              </a:rPr>
+              <a:t>olist</a:t>
+            </a:r>
+            <a:endParaRPr lang="en-US" sz="6000" b="1" kern="1200" dirty="0">
+              <a:solidFill>
+                <a:schemeClr val="bg1"/>
+              </a:solidFill>
+              <a:latin typeface="Aptos Black" panose="020B0004020202020204" pitchFamily="34" charset="0"/>
+              <a:ea typeface="+mj-ea"/>
+              <a:cs typeface="+mj-cs"/>
+            </a:endParaRPr>
+          </a:p>
+        </p:txBody>
+      </p:sp>
+      <p:sp>
+        <p:nvSpPr>
+          <p:cNvPr id="2" name="CaixaDeTexto 1">
+            <a:extLst>
+              <a:ext uri="{FF2B5EF4-FFF2-40B4-BE49-F238E27FC236}">
+                <a16:creationId xmlns:a16="http://schemas.microsoft.com/office/drawing/2014/main" id="{AEDDED00-421A-B9DB-3360-267A7E1661C4}"/>
+              </a:ext>
+            </a:extLst>
+          </p:cNvPr>
+          <p:cNvSpPr txBox="1"/>
+          <p:nvPr/>
+        </p:nvSpPr>
+        <p:spPr>
+          <a:xfrm>
+            <a:off x="870148" y="4802538"/>
+            <a:ext cx="5491090" cy="1411993"/>
+          </a:xfrm>
+          <a:prstGeom prst="rect">
+            <a:avLst/>
+          </a:prstGeom>
+        </p:spPr>
+        <p:txBody>
+          <a:bodyPr vert="horz" lIns="91440" tIns="45720" rIns="91440" bIns="45720" rtlCol="0" anchor="t">
+            <a:normAutofit/>
+          </a:bodyPr>
+          <a:lstStyle/>
+          <a:p>
+            <a:pPr>
+              <a:lnSpc>
+                <a:spcPct val="90000"/>
+              </a:lnSpc>
+              <a:spcBef>
+                <a:spcPts val="1000"/>
+              </a:spcBef>
+            </a:pPr>
+            <a:r>
+              <a:rPr lang="en-US" sz="2400" kern="1200">
+                <a:solidFill>
+                  <a:schemeClr val="tx1"/>
+                </a:solidFill>
+                <a:latin typeface="+mn-lt"/>
+                <a:ea typeface="+mn-ea"/>
+                <a:cs typeface="+mn-cs"/>
+              </a:rPr>
+              <a:t>Na representação ao lado temos a quantidade total de produtos presentes na base de dados.</a:t>
+            </a:r>
+          </a:p>
+        </p:txBody>
+      </p:sp>
+      <p:pic>
+        <p:nvPicPr>
+          <p:cNvPr id="17" name="slide17" descr="Total Produto">
+            <a:extLst>
+              <a:ext uri="{FF2B5EF4-FFF2-40B4-BE49-F238E27FC236}">
+                <a16:creationId xmlns:a16="http://schemas.microsoft.com/office/drawing/2014/main" id="{2DF836AE-61BC-4149-8EAB-D2D6060FEF48}"/>
+              </a:ext>
+            </a:extLst>
+          </p:cNvPr>
+          <p:cNvPicPr>
+            <a:picLocks noChangeAspect="1"/>
+          </p:cNvPicPr>
+          <p:nvPr/>
+        </p:nvPicPr>
+        <p:blipFill>
+          <a:blip r:embed="rId2">
+            <a:extLst>
+              <a:ext uri="{28A0092B-C50C-407E-A947-70E740481C1C}">
+                <a14:useLocalDpi xmlns:a14="http://schemas.microsoft.com/office/drawing/2010/main" val="0"/>
+              </a:ext>
+            </a:extLst>
+          </a:blip>
+          <a:stretch>
+            <a:fillRect/>
+          </a:stretch>
+        </p:blipFill>
+        <p:spPr>
+          <a:xfrm>
+            <a:off x="6417733" y="654567"/>
+            <a:ext cx="5169282" cy="5341591"/>
+          </a:xfrm>
+          <a:custGeom>
+            <a:avLst/>
+            <a:gdLst/>
+            <a:ahLst/>
+            <a:cxnLst/>
+            <a:rect l="l" t="t" r="r" b="b"/>
+            <a:pathLst>
+              <a:path w="4579832" h="5347063">
+                <a:moveTo>
+                  <a:pt x="106985" y="0"/>
+                </a:moveTo>
+                <a:lnTo>
+                  <a:pt x="4472847" y="0"/>
+                </a:lnTo>
+                <a:cubicBezTo>
+                  <a:pt x="4531933" y="0"/>
+                  <a:pt x="4579832" y="47899"/>
+                  <a:pt x="4579832" y="106985"/>
+                </a:cubicBezTo>
+                <a:lnTo>
+                  <a:pt x="4579832" y="5240078"/>
+                </a:lnTo>
+                <a:cubicBezTo>
+                  <a:pt x="4579832" y="5299164"/>
+                  <a:pt x="4531933" y="5347063"/>
+                  <a:pt x="4472847" y="5347063"/>
+                </a:cubicBezTo>
+                <a:lnTo>
+                  <a:pt x="106985" y="5347063"/>
+                </a:lnTo>
+                <a:cubicBezTo>
+                  <a:pt x="47899" y="5347063"/>
+                  <a:pt x="0" y="5299164"/>
+                  <a:pt x="0" y="5240078"/>
+                </a:cubicBezTo>
+                <a:lnTo>
+                  <a:pt x="0" y="106985"/>
+                </a:lnTo>
+                <a:cubicBezTo>
+                  <a:pt x="0" y="47899"/>
+                  <a:pt x="47899" y="0"/>
+                  <a:pt x="106985" y="0"/>
+                </a:cubicBezTo>
+                <a:close/>
+              </a:path>
+            </a:pathLst>
+          </a:custGeom>
         </p:spPr>
       </p:pic>
     </p:spTree>
@@ -3872,8 +5783,8 @@
 </p:sld>
 </file>
 
-<file path=ppt/slides/slide17.xml><?xml version="1.0" encoding="utf-8"?>
-<p:sld xmlns:a="http://schemas.openxmlformats.org/drawingml/2006/main" xmlns:p="http://schemas.openxmlformats.org/presentationml/2006/main" xmlns:r="http://schemas.openxmlformats.org/officeDocument/2006/relationships">
+<file path=ppt/slides/slide5.xml><?xml version="1.0" encoding="utf-8"?>
+<p:sld xmlns:a="http://schemas.openxmlformats.org/drawingml/2006/main" xmlns:r="http://schemas.openxmlformats.org/officeDocument/2006/relationships" xmlns:p="http://schemas.openxmlformats.org/presentationml/2006/main">
   <p:cSld>
     <p:spTree>
       <p:nvGrpSpPr>
@@ -3891,10 +5802,10 @@
       </p:grpSpPr>
       <p:pic>
         <p:nvPicPr>
-          <p:cNvPr descr="Qtd. Pedidos por Mes/Ano" id="17" name="slide17">
+          <p:cNvPr id="18" name="slide18" descr="Qtd. Produtos por Categoria">
             <a:extLst>
               <a:ext uri="{FF2B5EF4-FFF2-40B4-BE49-F238E27FC236}">
-                <a16:creationId xmlns:a16="http://schemas.microsoft.com/office/drawing/2014/main" id="{5A41BCAF-D683-4721-BF65-17E8E2E0A165}"/>
+                <a16:creationId xmlns:a16="http://schemas.microsoft.com/office/drawing/2014/main" id="{410680FB-3554-4818-8D0C-B28A65C7E75D}"/>
               </a:ext>
             </a:extLst>
           </p:cNvPr>
@@ -3904,27 +5815,62 @@
           <p:nvPr/>
         </p:nvPicPr>
         <p:blipFill>
-          <a:blip r:embed="rId22">
+          <a:blip r:embed="rId2">
             <a:extLst>
               <a:ext uri="{28A0092B-C50C-407E-A947-70E740481C1C}">
                 <a14:useLocalDpi xmlns:a14="http://schemas.microsoft.com/office/drawing/2010/main" val="0"/>
               </a:ext>
             </a:extLst>
           </a:blip>
-          <a:stretch>
-            <a:fillRect/>
-          </a:stretch>
+          <a:srcRect b="70000"/>
+          <a:stretch/>
         </p:blipFill>
         <p:spPr>
           <a:xfrm>
-            <a:off x="1756890" y="0"/>
-            <a:ext cx="8678220" cy="6858000"/>
+            <a:off x="296206" y="1848678"/>
+            <a:ext cx="11599587" cy="4234070"/>
           </a:xfrm>
           <a:prstGeom prst="rect">
             <a:avLst/>
           </a:prstGeom>
         </p:spPr>
       </p:pic>
+      <p:sp>
+        <p:nvSpPr>
+          <p:cNvPr id="2" name="CaixaDeTexto 1">
+            <a:extLst>
+              <a:ext uri="{FF2B5EF4-FFF2-40B4-BE49-F238E27FC236}">
+                <a16:creationId xmlns:a16="http://schemas.microsoft.com/office/drawing/2014/main" id="{AC7EB813-1F96-6866-50B1-F041BB73546E}"/>
+              </a:ext>
+            </a:extLst>
+          </p:cNvPr>
+          <p:cNvSpPr txBox="1"/>
+          <p:nvPr/>
+        </p:nvSpPr>
+        <p:spPr>
+          <a:xfrm>
+            <a:off x="447261" y="357809"/>
+            <a:ext cx="11479696" cy="646331"/>
+          </a:xfrm>
+          <a:prstGeom prst="rect">
+            <a:avLst/>
+          </a:prstGeom>
+          <a:noFill/>
+        </p:spPr>
+        <p:txBody>
+          <a:bodyPr wrap="square" rtlCol="0">
+            <a:spAutoFit/>
+          </a:bodyPr>
+          <a:lstStyle/>
+          <a:p>
+            <a:pPr algn="just"/>
+            <a:r>
+              <a:rPr lang="pt-BR" dirty="0"/>
+              <a:t>No gráfico "Quantidade de Produtos por Categoria", podemos observar a distribuição de produtos em cada categoria, permitindo uma análise detalhada da variedade ofertada pela empresa.</a:t>
+            </a:r>
+          </a:p>
+        </p:txBody>
+      </p:sp>
     </p:spTree>
     <p:extLst>
       <p:ext uri="{BB962C8B-B14F-4D97-AF65-F5344CB8AC3E}">
@@ -3938,8 +5884,8 @@
 </p:sld>
 </file>
 
-<file path=ppt/slides/slide18.xml><?xml version="1.0" encoding="utf-8"?>
-<p:sld xmlns:a="http://schemas.openxmlformats.org/drawingml/2006/main" xmlns:p="http://schemas.openxmlformats.org/presentationml/2006/main" xmlns:r="http://schemas.openxmlformats.org/officeDocument/2006/relationships">
+<file path=ppt/slides/slide6.xml><?xml version="1.0" encoding="utf-8"?>
+<p:sld xmlns:a="http://schemas.openxmlformats.org/drawingml/2006/main" xmlns:r="http://schemas.openxmlformats.org/officeDocument/2006/relationships" xmlns:p="http://schemas.openxmlformats.org/presentationml/2006/main">
   <p:cSld>
     <p:spTree>
       <p:nvGrpSpPr>
@@ -3957,10 +5903,10 @@
       </p:grpSpPr>
       <p:pic>
         <p:nvPicPr>
-          <p:cNvPr descr="Venda por Mês/Ano" id="18" name="slide18">
+          <p:cNvPr id="19" name="slide19" descr="Categ. Mais Vendida">
             <a:extLst>
               <a:ext uri="{FF2B5EF4-FFF2-40B4-BE49-F238E27FC236}">
-                <a16:creationId xmlns:a16="http://schemas.microsoft.com/office/drawing/2014/main" id="{5470C437-177F-4F4F-8930-6DA20B8EBFF8}"/>
+                <a16:creationId xmlns:a16="http://schemas.microsoft.com/office/drawing/2014/main" id="{3D623217-4E1F-43B4-BDD7-50305C75D355}"/>
               </a:ext>
             </a:extLst>
           </p:cNvPr>
@@ -3970,7 +5916,7 @@
           <p:nvPr/>
         </p:nvPicPr>
         <p:blipFill>
-          <a:blip r:embed="rId23">
+          <a:blip r:embed="rId2">
             <a:extLst>
               <a:ext uri="{28A0092B-C50C-407E-A947-70E740481C1C}">
                 <a14:useLocalDpi xmlns:a14="http://schemas.microsoft.com/office/drawing/2010/main" val="0"/>
@@ -3983,14 +5929,50 @@
         </p:blipFill>
         <p:spPr>
           <a:xfrm>
-            <a:off x="2924405" y="0"/>
-            <a:ext cx="6343190" cy="6858000"/>
+            <a:off x="775565" y="1133011"/>
+            <a:ext cx="10704968" cy="5546085"/>
           </a:xfrm>
           <a:prstGeom prst="rect">
             <a:avLst/>
           </a:prstGeom>
         </p:spPr>
       </p:pic>
+      <p:sp>
+        <p:nvSpPr>
+          <p:cNvPr id="2" name="CaixaDeTexto 1">
+            <a:extLst>
+              <a:ext uri="{FF2B5EF4-FFF2-40B4-BE49-F238E27FC236}">
+                <a16:creationId xmlns:a16="http://schemas.microsoft.com/office/drawing/2014/main" id="{F6EBACC5-F1FD-F8DA-4497-A4ECB1E543BD}"/>
+              </a:ext>
+            </a:extLst>
+          </p:cNvPr>
+          <p:cNvSpPr txBox="1"/>
+          <p:nvPr/>
+        </p:nvSpPr>
+        <p:spPr>
+          <a:xfrm>
+            <a:off x="278296" y="178904"/>
+            <a:ext cx="11658600" cy="954107"/>
+          </a:xfrm>
+          <a:prstGeom prst="rect">
+            <a:avLst/>
+          </a:prstGeom>
+          <a:noFill/>
+        </p:spPr>
+        <p:txBody>
+          <a:bodyPr wrap="square" rtlCol="0">
+            <a:spAutoFit/>
+          </a:bodyPr>
+          <a:lstStyle/>
+          <a:p>
+            <a:pPr algn="just"/>
+            <a:r>
+              <a:rPr lang="pt-BR" sz="1400" dirty="0"/>
+              <a:t>No segundo gráfico, "Categorias Mais Vendidas", é possível visualizar as cinco categorias com maior volume de vendas. Ao comparar com o gráfico anterior, notamos uma discrepância: apesar de 'informática e acessórios' estar entre as cinco categorias mais vendidas, ela não está entre as cinco com maior número de produtos disponíveis na base de dados. Essa observação indica que, em geral, as categorias com maior número de produtos tendem a ser as que mais vendem, mas há exceções, sugerindo que outros fatores, como demanda e popularidade, também influenciam as vendas.</a:t>
+            </a:r>
+          </a:p>
+        </p:txBody>
+      </p:sp>
     </p:spTree>
     <p:extLst>
       <p:ext uri="{BB962C8B-B14F-4D97-AF65-F5344CB8AC3E}">
@@ -4004,8 +5986,8 @@
 </p:sld>
 </file>
 
-<file path=ppt/slides/slide19.xml><?xml version="1.0" encoding="utf-8"?>
-<p:sld xmlns:a="http://schemas.openxmlformats.org/drawingml/2006/main" xmlns:p="http://schemas.openxmlformats.org/presentationml/2006/main" xmlns:r="http://schemas.openxmlformats.org/officeDocument/2006/relationships">
+<file path=ppt/slides/slide7.xml><?xml version="1.0" encoding="utf-8"?>
+<p:sld xmlns:a="http://schemas.openxmlformats.org/drawingml/2006/main" xmlns:r="http://schemas.openxmlformats.org/officeDocument/2006/relationships" xmlns:p="http://schemas.openxmlformats.org/presentationml/2006/main">
   <p:cSld>
     <p:spTree>
       <p:nvGrpSpPr>
@@ -4023,10 +6005,10 @@
       </p:grpSpPr>
       <p:pic>
         <p:nvPicPr>
-          <p:cNvPr descr="Gráfico de Dispersão" id="19" name="slide19">
+          <p:cNvPr id="20" name="slide20" descr="Qtd. Pedidos por Estado">
             <a:extLst>
               <a:ext uri="{FF2B5EF4-FFF2-40B4-BE49-F238E27FC236}">
-                <a16:creationId xmlns:a16="http://schemas.microsoft.com/office/drawing/2014/main" id="{8022318A-F6F2-4067-A01A-0EA63D193E42}"/>
+                <a16:creationId xmlns:a16="http://schemas.microsoft.com/office/drawing/2014/main" id="{FEC3AA4D-7F6E-4D86-AE6C-8236CA8E1EC8}"/>
               </a:ext>
             </a:extLst>
           </p:cNvPr>
@@ -4036,7 +6018,7 @@
           <p:nvPr/>
         </p:nvPicPr>
         <p:blipFill>
-          <a:blip r:embed="rId24">
+          <a:blip r:embed="rId2">
             <a:extLst>
               <a:ext uri="{28A0092B-C50C-407E-A947-70E740481C1C}">
                 <a14:useLocalDpi xmlns:a14="http://schemas.microsoft.com/office/drawing/2010/main" val="0"/>
@@ -4049,14 +6031,50 @@
         </p:blipFill>
         <p:spPr>
           <a:xfrm>
-            <a:off x="2818685" y="0"/>
-            <a:ext cx="6554630" cy="6858000"/>
+            <a:off x="7822097" y="198129"/>
+            <a:ext cx="2665964" cy="6461742"/>
           </a:xfrm>
           <a:prstGeom prst="rect">
             <a:avLst/>
           </a:prstGeom>
         </p:spPr>
       </p:pic>
+      <p:sp>
+        <p:nvSpPr>
+          <p:cNvPr id="2" name="CaixaDeTexto 1">
+            <a:extLst>
+              <a:ext uri="{FF2B5EF4-FFF2-40B4-BE49-F238E27FC236}">
+                <a16:creationId xmlns:a16="http://schemas.microsoft.com/office/drawing/2014/main" id="{1E263373-4920-EB1E-3C53-1E785638CE8E}"/>
+              </a:ext>
+            </a:extLst>
+          </p:cNvPr>
+          <p:cNvSpPr txBox="1"/>
+          <p:nvPr/>
+        </p:nvSpPr>
+        <p:spPr>
+          <a:xfrm>
+            <a:off x="815009" y="1550504"/>
+            <a:ext cx="6062869" cy="2031325"/>
+          </a:xfrm>
+          <a:prstGeom prst="rect">
+            <a:avLst/>
+          </a:prstGeom>
+          <a:noFill/>
+        </p:spPr>
+        <p:txBody>
+          <a:bodyPr wrap="square" rtlCol="0">
+            <a:spAutoFit/>
+          </a:bodyPr>
+          <a:lstStyle/>
+          <a:p>
+            <a:pPr algn="just"/>
+            <a:r>
+              <a:rPr lang="pt-BR" dirty="0"/>
+              <a:t>Na terceira análise, "Quantidade de Pedidos por Estado", a tabela mostra a distribuição de pedidos em cada estado. São Paulo (SP) lidera com o maior número de pedidos, seguido pelo Rio de Janeiro (RJ) em segundo lugar, e Minas Gerais (MG) ocupando a terceira posição. Esses três estados concentram a maior quantidade de pedidos registrados na base de dados, refletindo sua relevância no volume de vendas.</a:t>
+            </a:r>
+          </a:p>
+        </p:txBody>
+      </p:sp>
     </p:spTree>
     <p:extLst>
       <p:ext uri="{BB962C8B-B14F-4D97-AF65-F5344CB8AC3E}">
@@ -4070,8 +6088,8 @@
 </p:sld>
 </file>
 
-<file path=ppt/slides/slide2.xml><?xml version="1.0" encoding="utf-8"?>
-<p:sld xmlns:a="http://schemas.openxmlformats.org/drawingml/2006/main" xmlns:p="http://schemas.openxmlformats.org/presentationml/2006/main" xmlns:r="http://schemas.openxmlformats.org/officeDocument/2006/relationships">
+<file path=ppt/slides/slide8.xml><?xml version="1.0" encoding="utf-8"?>
+<p:sld xmlns:a="http://schemas.openxmlformats.org/drawingml/2006/main" xmlns:r="http://schemas.openxmlformats.org/officeDocument/2006/relationships" xmlns:p="http://schemas.openxmlformats.org/presentationml/2006/main">
   <p:cSld>
     <p:spTree>
       <p:nvGrpSpPr>
@@ -4089,10 +6107,10 @@
       </p:grpSpPr>
       <p:pic>
         <p:nvPicPr>
-          <p:cNvPr descr="História2" id="2" name="slide2">
+          <p:cNvPr id="21" name="slide21" descr="Qtd. Vendedor por Estado">
             <a:extLst>
               <a:ext uri="{FF2B5EF4-FFF2-40B4-BE49-F238E27FC236}">
-                <a16:creationId xmlns:a16="http://schemas.microsoft.com/office/drawing/2014/main" id="{3C487103-EC46-4467-B5B0-023989369F66}"/>
+                <a16:creationId xmlns:a16="http://schemas.microsoft.com/office/drawing/2014/main" id="{22290F96-7A3F-48AF-8B8F-6B4CCB0A91C4}"/>
               </a:ext>
             </a:extLst>
           </p:cNvPr>
@@ -4102,7 +6120,7 @@
           <p:nvPr/>
         </p:nvPicPr>
         <p:blipFill>
-          <a:blip r:embed="rId7">
+          <a:blip r:embed="rId2">
             <a:extLst>
               <a:ext uri="{28A0092B-C50C-407E-A947-70E740481C1C}">
                 <a14:useLocalDpi xmlns:a14="http://schemas.microsoft.com/office/drawing/2010/main" val="0"/>
@@ -4115,14 +6133,50 @@
         </p:blipFill>
         <p:spPr>
           <a:xfrm>
-            <a:off x="2481841" y="0"/>
-            <a:ext cx="7228318" cy="6858000"/>
+            <a:off x="311486" y="675861"/>
+            <a:ext cx="7361523" cy="5302208"/>
           </a:xfrm>
           <a:prstGeom prst="rect">
             <a:avLst/>
           </a:prstGeom>
         </p:spPr>
       </p:pic>
+      <p:sp>
+        <p:nvSpPr>
+          <p:cNvPr id="2" name="CaixaDeTexto 1">
+            <a:extLst>
+              <a:ext uri="{FF2B5EF4-FFF2-40B4-BE49-F238E27FC236}">
+                <a16:creationId xmlns:a16="http://schemas.microsoft.com/office/drawing/2014/main" id="{834CC2A5-48C6-3199-7BB3-0DDE21655650}"/>
+              </a:ext>
+            </a:extLst>
+          </p:cNvPr>
+          <p:cNvSpPr txBox="1"/>
+          <p:nvPr/>
+        </p:nvSpPr>
+        <p:spPr>
+          <a:xfrm>
+            <a:off x="8070574" y="926308"/>
+            <a:ext cx="3766930" cy="4801314"/>
+          </a:xfrm>
+          <a:prstGeom prst="rect">
+            <a:avLst/>
+          </a:prstGeom>
+          <a:noFill/>
+        </p:spPr>
+        <p:txBody>
+          <a:bodyPr wrap="square" rtlCol="0">
+            <a:spAutoFit/>
+          </a:bodyPr>
+          <a:lstStyle/>
+          <a:p>
+            <a:pPr algn="just"/>
+            <a:r>
+              <a:rPr lang="pt-BR" dirty="0"/>
+              <a:t>No gráfico de barras "Quantidade de Vendedores por Estado", é possível visualizar a distribuição de vendedores por estado, com São Paulo (SP) liderando, seguido pelo Paraná (PR) e, em terceiro lugar, Minas Gerais (MG). Ao comparar este gráfico com a tabela anterior sobre a quantidade de pedidos por estado, percebe-se que os estados com o maior número de vendedores não necessariamente correspondem aos que possuem o maior volume de pedidos. Isso sugere que a presença de muitos vendedores em um estado não garante, por si só, uma alta demanda ou número de vendas.</a:t>
+            </a:r>
+          </a:p>
+        </p:txBody>
+      </p:sp>
     </p:spTree>
     <p:extLst>
       <p:ext uri="{BB962C8B-B14F-4D97-AF65-F5344CB8AC3E}">
@@ -4136,8 +6190,8 @@
 </p:sld>
 </file>
 
-<file path=ppt/slides/slide20.xml><?xml version="1.0" encoding="utf-8"?>
-<p:sld xmlns:a="http://schemas.openxmlformats.org/drawingml/2006/main" xmlns:p="http://schemas.openxmlformats.org/presentationml/2006/main" xmlns:r="http://schemas.openxmlformats.org/officeDocument/2006/relationships">
+<file path=ppt/slides/slide9.xml><?xml version="1.0" encoding="utf-8"?>
+<p:sld xmlns:a="http://schemas.openxmlformats.org/drawingml/2006/main" xmlns:r="http://schemas.openxmlformats.org/officeDocument/2006/relationships" xmlns:p="http://schemas.openxmlformats.org/presentationml/2006/main">
   <p:cSld>
     <p:spTree>
       <p:nvGrpSpPr>
@@ -4155,10 +6209,10 @@
       </p:grpSpPr>
       <p:pic>
         <p:nvPicPr>
-          <p:cNvPr descr="Histograma Frete" id="20" name="slide20">
+          <p:cNvPr id="22" name="slide22" descr="Qtd. Total Pedidos por Ano">
             <a:extLst>
               <a:ext uri="{FF2B5EF4-FFF2-40B4-BE49-F238E27FC236}">
-                <a16:creationId xmlns:a16="http://schemas.microsoft.com/office/drawing/2014/main" id="{12E93C88-E2D2-49AB-9714-A22DDB07AE9C}"/>
+                <a16:creationId xmlns:a16="http://schemas.microsoft.com/office/drawing/2014/main" id="{36E7F0A1-B9A7-492E-9EB5-4EAB19302BA6}"/>
               </a:ext>
             </a:extLst>
           </p:cNvPr>
@@ -4168,7 +6222,7 @@
           <p:nvPr/>
         </p:nvPicPr>
         <p:blipFill>
-          <a:blip r:embed="rId25">
+          <a:blip r:embed="rId2">
             <a:extLst>
               <a:ext uri="{28A0092B-C50C-407E-A947-70E740481C1C}">
                 <a14:useLocalDpi xmlns:a14="http://schemas.microsoft.com/office/drawing/2010/main" val="0"/>
@@ -4181,572 +6235,50 @@
         </p:blipFill>
         <p:spPr>
           <a:xfrm>
-            <a:off x="901938" y="0"/>
-            <a:ext cx="10388123" cy="6858000"/>
+            <a:off x="2007704" y="1243485"/>
+            <a:ext cx="8279298" cy="5525062"/>
           </a:xfrm>
           <a:prstGeom prst="rect">
             <a:avLst/>
           </a:prstGeom>
         </p:spPr>
       </p:pic>
-    </p:spTree>
-    <p:extLst>
-      <p:ext uri="{BB962C8B-B14F-4D97-AF65-F5344CB8AC3E}">
-        <p14:creationId xmlns:p14="http://schemas.microsoft.com/office/powerpoint/2010/main" val="95992585"/>
-      </p:ext>
-    </p:extLst>
-  </p:cSld>
-  <p:clrMapOvr>
-    <a:masterClrMapping/>
-  </p:clrMapOvr>
-</p:sld>
-</file>
-
-<file path=ppt/slides/slide21.xml><?xml version="1.0" encoding="utf-8"?>
-<p:sld xmlns:a="http://schemas.openxmlformats.org/drawingml/2006/main" xmlns:p="http://schemas.openxmlformats.org/presentationml/2006/main" xmlns:r="http://schemas.openxmlformats.org/officeDocument/2006/relationships">
-  <p:cSld>
-    <p:spTree>
-      <p:nvGrpSpPr>
-        <p:cNvPr id="1" name=""/>
-        <p:cNvGrpSpPr/>
-        <p:nvPr/>
-      </p:nvGrpSpPr>
-      <p:grpSpPr>
-        <a:xfrm>
-          <a:off x="0" y="0"/>
-          <a:ext cx="0" cy="0"/>
-          <a:chOff x="0" y="0"/>
-          <a:chExt cx="0" cy="0"/>
-        </a:xfrm>
-      </p:grpSpPr>
-      <p:pic>
-        <p:nvPicPr>
-          <p:cNvPr descr="Qtd. Produto por Pedido" id="21" name="slide21">
+      <p:sp>
+        <p:nvSpPr>
+          <p:cNvPr id="2" name="CaixaDeTexto 1">
             <a:extLst>
               <a:ext uri="{FF2B5EF4-FFF2-40B4-BE49-F238E27FC236}">
-                <a16:creationId xmlns:a16="http://schemas.microsoft.com/office/drawing/2014/main" id="{129D8741-96FD-4DC8-A144-610B929B2F5F}"/>
+                <a16:creationId xmlns:a16="http://schemas.microsoft.com/office/drawing/2014/main" id="{D20940D7-58C1-2C23-CF6D-9BF118BCA73C}"/>
               </a:ext>
             </a:extLst>
           </p:cNvPr>
-          <p:cNvPicPr>
-            <a:picLocks noChangeAspect="1"/>
-          </p:cNvPicPr>
+          <p:cNvSpPr txBox="1"/>
           <p:nvPr/>
-        </p:nvPicPr>
-        <p:blipFill>
-          <a:blip r:embed="rId26">
-            <a:extLst>
-              <a:ext uri="{28A0092B-C50C-407E-A947-70E740481C1C}">
-                <a14:useLocalDpi xmlns:a14="http://schemas.microsoft.com/office/drawing/2010/main" val="0"/>
-              </a:ext>
-            </a:extLst>
-          </a:blip>
-          <a:stretch>
-            <a:fillRect/>
-          </a:stretch>
-        </p:blipFill>
-        <p:spPr>
-          <a:xfrm>
-            <a:off x="2919808" y="0"/>
-            <a:ext cx="6352383" cy="6858000"/>
+        </p:nvSpPr>
+        <p:spPr>
+          <a:xfrm>
+            <a:off x="467139" y="327991"/>
+            <a:ext cx="11469757" cy="923330"/>
           </a:xfrm>
           <a:prstGeom prst="rect">
             <a:avLst/>
           </a:prstGeom>
-        </p:spPr>
-      </p:pic>
-    </p:spTree>
-    <p:extLst>
-      <p:ext uri="{BB962C8B-B14F-4D97-AF65-F5344CB8AC3E}">
-        <p14:creationId xmlns:p14="http://schemas.microsoft.com/office/powerpoint/2010/main" val="95992585"/>
-      </p:ext>
-    </p:extLst>
-  </p:cSld>
-  <p:clrMapOvr>
-    <a:masterClrMapping/>
-  </p:clrMapOvr>
-</p:sld>
-</file>
-
-<file path=ppt/slides/slide3.xml><?xml version="1.0" encoding="utf-8"?>
-<p:sld xmlns:a="http://schemas.openxmlformats.org/drawingml/2006/main" xmlns:p="http://schemas.openxmlformats.org/presentationml/2006/main" xmlns:r="http://schemas.openxmlformats.org/officeDocument/2006/relationships">
-  <p:cSld>
-    <p:spTree>
-      <p:nvGrpSpPr>
-        <p:cNvPr id="1" name=""/>
-        <p:cNvGrpSpPr/>
-        <p:nvPr/>
-      </p:nvGrpSpPr>
-      <p:grpSpPr>
-        <a:xfrm>
-          <a:off x="0" y="0"/>
-          <a:ext cx="0" cy="0"/>
-          <a:chOff x="0" y="0"/>
-          <a:chExt cx="0" cy="0"/>
-        </a:xfrm>
-      </p:grpSpPr>
-      <p:pic>
-        <p:nvPicPr>
-          <p:cNvPr descr="História5" id="3" name="slide3">
-            <a:extLst>
-              <a:ext uri="{FF2B5EF4-FFF2-40B4-BE49-F238E27FC236}">
-                <a16:creationId xmlns:a16="http://schemas.microsoft.com/office/drawing/2014/main" id="{8945ABE7-A277-4218-AD48-C72F90A199E1}"/>
-              </a:ext>
-            </a:extLst>
-          </p:cNvPr>
-          <p:cNvPicPr>
-            <a:picLocks noChangeAspect="1"/>
-          </p:cNvPicPr>
-          <p:nvPr/>
-        </p:nvPicPr>
-        <p:blipFill>
-          <a:blip r:embed="rId8">
-            <a:extLst>
-              <a:ext uri="{28A0092B-C50C-407E-A947-70E740481C1C}">
-                <a14:useLocalDpi xmlns:a14="http://schemas.microsoft.com/office/drawing/2010/main" val="0"/>
-              </a:ext>
-            </a:extLst>
-          </a:blip>
-          <a:stretch>
-            <a:fillRect/>
-          </a:stretch>
-        </p:blipFill>
-        <p:spPr>
-          <a:xfrm>
-            <a:off x="2481841" y="0"/>
-            <a:ext cx="7228318" cy="6858000"/>
-          </a:xfrm>
-          <a:prstGeom prst="rect">
-            <a:avLst/>
-          </a:prstGeom>
-        </p:spPr>
-      </p:pic>
-    </p:spTree>
-    <p:extLst>
-      <p:ext uri="{BB962C8B-B14F-4D97-AF65-F5344CB8AC3E}">
-        <p14:creationId xmlns:p14="http://schemas.microsoft.com/office/powerpoint/2010/main" val="95992585"/>
-      </p:ext>
-    </p:extLst>
-  </p:cSld>
-  <p:clrMapOvr>
-    <a:masterClrMapping/>
-  </p:clrMapOvr>
-</p:sld>
-</file>
-
-<file path=ppt/slides/slide4.xml><?xml version="1.0" encoding="utf-8"?>
-<p:sld xmlns:a="http://schemas.openxmlformats.org/drawingml/2006/main" xmlns:p="http://schemas.openxmlformats.org/presentationml/2006/main" xmlns:r="http://schemas.openxmlformats.org/officeDocument/2006/relationships">
-  <p:cSld>
-    <p:spTree>
-      <p:nvGrpSpPr>
-        <p:cNvPr id="1" name=""/>
-        <p:cNvGrpSpPr/>
-        <p:nvPr/>
-      </p:nvGrpSpPr>
-      <p:grpSpPr>
-        <a:xfrm>
-          <a:off x="0" y="0"/>
-          <a:ext cx="0" cy="0"/>
-          <a:chOff x="0" y="0"/>
-          <a:chExt cx="0" cy="0"/>
-        </a:xfrm>
-      </p:grpSpPr>
-      <p:pic>
-        <p:nvPicPr>
-          <p:cNvPr descr="História4" id="4" name="slide4">
-            <a:extLst>
-              <a:ext uri="{FF2B5EF4-FFF2-40B4-BE49-F238E27FC236}">
-                <a16:creationId xmlns:a16="http://schemas.microsoft.com/office/drawing/2014/main" id="{E2870A67-5C42-45BE-9153-F1E61181FAC9}"/>
-              </a:ext>
-            </a:extLst>
-          </p:cNvPr>
-          <p:cNvPicPr>
-            <a:picLocks noChangeAspect="1"/>
-          </p:cNvPicPr>
-          <p:nvPr/>
-        </p:nvPicPr>
-        <p:blipFill>
-          <a:blip r:embed="rId9">
-            <a:extLst>
-              <a:ext uri="{28A0092B-C50C-407E-A947-70E740481C1C}">
-                <a14:useLocalDpi xmlns:a14="http://schemas.microsoft.com/office/drawing/2010/main" val="0"/>
-              </a:ext>
-            </a:extLst>
-          </a:blip>
-          <a:stretch>
-            <a:fillRect/>
-          </a:stretch>
-        </p:blipFill>
-        <p:spPr>
-          <a:xfrm>
-            <a:off x="2481841" y="0"/>
-            <a:ext cx="7228318" cy="6858000"/>
-          </a:xfrm>
-          <a:prstGeom prst="rect">
-            <a:avLst/>
-          </a:prstGeom>
-        </p:spPr>
-      </p:pic>
-    </p:spTree>
-    <p:extLst>
-      <p:ext uri="{BB962C8B-B14F-4D97-AF65-F5344CB8AC3E}">
-        <p14:creationId xmlns:p14="http://schemas.microsoft.com/office/powerpoint/2010/main" val="95992585"/>
-      </p:ext>
-    </p:extLst>
-  </p:cSld>
-  <p:clrMapOvr>
-    <a:masterClrMapping/>
-  </p:clrMapOvr>
-</p:sld>
-</file>
-
-<file path=ppt/slides/slide5.xml><?xml version="1.0" encoding="utf-8"?>
-<p:sld xmlns:a="http://schemas.openxmlformats.org/drawingml/2006/main" xmlns:p="http://schemas.openxmlformats.org/presentationml/2006/main" xmlns:r="http://schemas.openxmlformats.org/officeDocument/2006/relationships">
-  <p:cSld>
-    <p:spTree>
-      <p:nvGrpSpPr>
-        <p:cNvPr id="1" name=""/>
-        <p:cNvGrpSpPr/>
-        <p:nvPr/>
-      </p:nvGrpSpPr>
-      <p:grpSpPr>
-        <a:xfrm>
-          <a:off x="0" y="0"/>
-          <a:ext cx="0" cy="0"/>
-          <a:chOff x="0" y="0"/>
-          <a:chExt cx="0" cy="0"/>
-        </a:xfrm>
-      </p:grpSpPr>
-      <p:pic>
-        <p:nvPicPr>
-          <p:cNvPr descr="História6" id="5" name="slide5">
-            <a:extLst>
-              <a:ext uri="{FF2B5EF4-FFF2-40B4-BE49-F238E27FC236}">
-                <a16:creationId xmlns:a16="http://schemas.microsoft.com/office/drawing/2014/main" id="{385EA00F-EDA2-4B06-9C02-0BFB1D744852}"/>
-              </a:ext>
-            </a:extLst>
-          </p:cNvPr>
-          <p:cNvPicPr>
-            <a:picLocks noChangeAspect="1"/>
-          </p:cNvPicPr>
-          <p:nvPr/>
-        </p:nvPicPr>
-        <p:blipFill>
-          <a:blip r:embed="rId10">
-            <a:extLst>
-              <a:ext uri="{28A0092B-C50C-407E-A947-70E740481C1C}">
-                <a14:useLocalDpi xmlns:a14="http://schemas.microsoft.com/office/drawing/2010/main" val="0"/>
-              </a:ext>
-            </a:extLst>
-          </a:blip>
-          <a:stretch>
-            <a:fillRect/>
-          </a:stretch>
-        </p:blipFill>
-        <p:spPr>
-          <a:xfrm>
-            <a:off x="2481841" y="0"/>
-            <a:ext cx="7228318" cy="6858000"/>
-          </a:xfrm>
-          <a:prstGeom prst="rect">
-            <a:avLst/>
-          </a:prstGeom>
-        </p:spPr>
-      </p:pic>
-    </p:spTree>
-    <p:extLst>
-      <p:ext uri="{BB962C8B-B14F-4D97-AF65-F5344CB8AC3E}">
-        <p14:creationId xmlns:p14="http://schemas.microsoft.com/office/powerpoint/2010/main" val="95992585"/>
-      </p:ext>
-    </p:extLst>
-  </p:cSld>
-  <p:clrMapOvr>
-    <a:masterClrMapping/>
-  </p:clrMapOvr>
-</p:sld>
-</file>
-
-<file path=ppt/slides/slide6.xml><?xml version="1.0" encoding="utf-8"?>
-<p:sld xmlns:a="http://schemas.openxmlformats.org/drawingml/2006/main" xmlns:p="http://schemas.openxmlformats.org/presentationml/2006/main" xmlns:r="http://schemas.openxmlformats.org/officeDocument/2006/relationships">
-  <p:cSld>
-    <p:spTree>
-      <p:nvGrpSpPr>
-        <p:cNvPr id="1" name=""/>
-        <p:cNvGrpSpPr/>
-        <p:nvPr/>
-      </p:nvGrpSpPr>
-      <p:grpSpPr>
-        <a:xfrm>
-          <a:off x="0" y="0"/>
-          <a:ext cx="0" cy="0"/>
-          <a:chOff x="0" y="0"/>
-          <a:chExt cx="0" cy="0"/>
-        </a:xfrm>
-      </p:grpSpPr>
-      <p:pic>
-        <p:nvPicPr>
-          <p:cNvPr descr="História8" id="6" name="slide6">
-            <a:extLst>
-              <a:ext uri="{FF2B5EF4-FFF2-40B4-BE49-F238E27FC236}">
-                <a16:creationId xmlns:a16="http://schemas.microsoft.com/office/drawing/2014/main" id="{BB211BDF-C2C8-4732-8522-7A2D7760A4ED}"/>
-              </a:ext>
-            </a:extLst>
-          </p:cNvPr>
-          <p:cNvPicPr>
-            <a:picLocks noChangeAspect="1"/>
-          </p:cNvPicPr>
-          <p:nvPr/>
-        </p:nvPicPr>
-        <p:blipFill>
-          <a:blip r:embed="rId11">
-            <a:extLst>
-              <a:ext uri="{28A0092B-C50C-407E-A947-70E740481C1C}">
-                <a14:useLocalDpi xmlns:a14="http://schemas.microsoft.com/office/drawing/2010/main" val="0"/>
-              </a:ext>
-            </a:extLst>
-          </a:blip>
-          <a:stretch>
-            <a:fillRect/>
-          </a:stretch>
-        </p:blipFill>
-        <p:spPr>
-          <a:xfrm>
-            <a:off x="2481841" y="0"/>
-            <a:ext cx="7228318" cy="6858000"/>
-          </a:xfrm>
-          <a:prstGeom prst="rect">
-            <a:avLst/>
-          </a:prstGeom>
-        </p:spPr>
-      </p:pic>
-    </p:spTree>
-    <p:extLst>
-      <p:ext uri="{BB962C8B-B14F-4D97-AF65-F5344CB8AC3E}">
-        <p14:creationId xmlns:p14="http://schemas.microsoft.com/office/powerpoint/2010/main" val="95992585"/>
-      </p:ext>
-    </p:extLst>
-  </p:cSld>
-  <p:clrMapOvr>
-    <a:masterClrMapping/>
-  </p:clrMapOvr>
-</p:sld>
-</file>
-
-<file path=ppt/slides/slide7.xml><?xml version="1.0" encoding="utf-8"?>
-<p:sld xmlns:a="http://schemas.openxmlformats.org/drawingml/2006/main" xmlns:p="http://schemas.openxmlformats.org/presentationml/2006/main" xmlns:r="http://schemas.openxmlformats.org/officeDocument/2006/relationships">
-  <p:cSld>
-    <p:spTree>
-      <p:nvGrpSpPr>
-        <p:cNvPr id="1" name=""/>
-        <p:cNvGrpSpPr/>
-        <p:nvPr/>
-      </p:nvGrpSpPr>
-      <p:grpSpPr>
-        <a:xfrm>
-          <a:off x="0" y="0"/>
-          <a:ext cx="0" cy="0"/>
-          <a:chOff x="0" y="0"/>
-          <a:chExt cx="0" cy="0"/>
-        </a:xfrm>
-      </p:grpSpPr>
-      <p:pic>
-        <p:nvPicPr>
-          <p:cNvPr descr="História9" id="7" name="slide7">
-            <a:extLst>
-              <a:ext uri="{FF2B5EF4-FFF2-40B4-BE49-F238E27FC236}">
-                <a16:creationId xmlns:a16="http://schemas.microsoft.com/office/drawing/2014/main" id="{50C84959-1CFF-4AE2-8586-EB61EAD2B1F5}"/>
-              </a:ext>
-            </a:extLst>
-          </p:cNvPr>
-          <p:cNvPicPr>
-            <a:picLocks noChangeAspect="1"/>
-          </p:cNvPicPr>
-          <p:nvPr/>
-        </p:nvPicPr>
-        <p:blipFill>
-          <a:blip r:embed="rId12">
-            <a:extLst>
-              <a:ext uri="{28A0092B-C50C-407E-A947-70E740481C1C}">
-                <a14:useLocalDpi xmlns:a14="http://schemas.microsoft.com/office/drawing/2010/main" val="0"/>
-              </a:ext>
-            </a:extLst>
-          </a:blip>
-          <a:stretch>
-            <a:fillRect/>
-          </a:stretch>
-        </p:blipFill>
-        <p:spPr>
-          <a:xfrm>
-            <a:off x="2481841" y="0"/>
-            <a:ext cx="7228318" cy="6858000"/>
-          </a:xfrm>
-          <a:prstGeom prst="rect">
-            <a:avLst/>
-          </a:prstGeom>
-        </p:spPr>
-      </p:pic>
-    </p:spTree>
-    <p:extLst>
-      <p:ext uri="{BB962C8B-B14F-4D97-AF65-F5344CB8AC3E}">
-        <p14:creationId xmlns:p14="http://schemas.microsoft.com/office/powerpoint/2010/main" val="95992585"/>
-      </p:ext>
-    </p:extLst>
-  </p:cSld>
-  <p:clrMapOvr>
-    <a:masterClrMapping/>
-  </p:clrMapOvr>
-</p:sld>
-</file>
-
-<file path=ppt/slides/slide8.xml><?xml version="1.0" encoding="utf-8"?>
-<p:sld xmlns:a="http://schemas.openxmlformats.org/drawingml/2006/main" xmlns:p="http://schemas.openxmlformats.org/presentationml/2006/main" xmlns:r="http://schemas.openxmlformats.org/officeDocument/2006/relationships">
-  <p:cSld>
-    <p:spTree>
-      <p:nvGrpSpPr>
-        <p:cNvPr id="1" name=""/>
-        <p:cNvGrpSpPr/>
-        <p:nvPr/>
-      </p:nvGrpSpPr>
-      <p:grpSpPr>
-        <a:xfrm>
-          <a:off x="0" y="0"/>
-          <a:ext cx="0" cy="0"/>
-          <a:chOff x="0" y="0"/>
-          <a:chExt cx="0" cy="0"/>
-        </a:xfrm>
-      </p:grpSpPr>
-      <p:pic>
-        <p:nvPicPr>
-          <p:cNvPr descr="História10" id="8" name="slide8">
-            <a:extLst>
-              <a:ext uri="{FF2B5EF4-FFF2-40B4-BE49-F238E27FC236}">
-                <a16:creationId xmlns:a16="http://schemas.microsoft.com/office/drawing/2014/main" id="{5F82BA76-2370-4902-A712-7EB875AB1A0B}"/>
-              </a:ext>
-            </a:extLst>
-          </p:cNvPr>
-          <p:cNvPicPr>
-            <a:picLocks noChangeAspect="1"/>
-          </p:cNvPicPr>
-          <p:nvPr/>
-        </p:nvPicPr>
-        <p:blipFill>
-          <a:blip r:embed="rId13">
-            <a:extLst>
-              <a:ext uri="{28A0092B-C50C-407E-A947-70E740481C1C}">
-                <a14:useLocalDpi xmlns:a14="http://schemas.microsoft.com/office/drawing/2010/main" val="0"/>
-              </a:ext>
-            </a:extLst>
-          </a:blip>
-          <a:stretch>
-            <a:fillRect/>
-          </a:stretch>
-        </p:blipFill>
-        <p:spPr>
-          <a:xfrm>
-            <a:off x="2481841" y="0"/>
-            <a:ext cx="7228318" cy="6858000"/>
-          </a:xfrm>
-          <a:prstGeom prst="rect">
-            <a:avLst/>
-          </a:prstGeom>
-        </p:spPr>
-      </p:pic>
-    </p:spTree>
-    <p:extLst>
-      <p:ext uri="{BB962C8B-B14F-4D97-AF65-F5344CB8AC3E}">
-        <p14:creationId xmlns:p14="http://schemas.microsoft.com/office/powerpoint/2010/main" val="95992585"/>
-      </p:ext>
-    </p:extLst>
-  </p:cSld>
-  <p:clrMapOvr>
-    <a:masterClrMapping/>
-  </p:clrMapOvr>
-</p:sld>
-</file>
-
-<file path=ppt/slides/slide9.xml><?xml version="1.0" encoding="utf-8"?>
-<p:sld xmlns:a="http://schemas.openxmlformats.org/drawingml/2006/main" xmlns:p="http://schemas.openxmlformats.org/presentationml/2006/main" xmlns:r="http://schemas.openxmlformats.org/officeDocument/2006/relationships">
-  <p:cSld>
-    <p:spTree>
-      <p:nvGrpSpPr>
-        <p:cNvPr id="1" name=""/>
-        <p:cNvGrpSpPr/>
-        <p:nvPr/>
-      </p:nvGrpSpPr>
-      <p:grpSpPr>
-        <a:xfrm>
-          <a:off x="0" y="0"/>
-          <a:ext cx="0" cy="0"/>
-          <a:chOff x="0" y="0"/>
-          <a:chExt cx="0" cy="0"/>
-        </a:xfrm>
-      </p:grpSpPr>
-      <p:pic>
-        <p:nvPicPr>
-          <p:cNvPr descr="História11" id="9" name="slide9">
-            <a:extLst>
-              <a:ext uri="{FF2B5EF4-FFF2-40B4-BE49-F238E27FC236}">
-                <a16:creationId xmlns:a16="http://schemas.microsoft.com/office/drawing/2014/main" id="{E4C6ACD4-30DA-45A7-9449-7CC102CA4C34}"/>
-              </a:ext>
-            </a:extLst>
-          </p:cNvPr>
-          <p:cNvPicPr>
-            <a:picLocks noChangeAspect="1"/>
-          </p:cNvPicPr>
-          <p:nvPr/>
-        </p:nvPicPr>
-        <p:blipFill>
-          <a:blip r:embed="rId14">
-            <a:extLst>
-              <a:ext uri="{28A0092B-C50C-407E-A947-70E740481C1C}">
-                <a14:useLocalDpi xmlns:a14="http://schemas.microsoft.com/office/drawing/2010/main" val="0"/>
-              </a:ext>
-            </a:extLst>
-          </a:blip>
-          <a:stretch>
-            <a:fillRect/>
-          </a:stretch>
-        </p:blipFill>
-        <p:spPr>
-          <a:xfrm>
-            <a:off x="2481841" y="0"/>
-            <a:ext cx="7228318" cy="6858000"/>
-          </a:xfrm>
-          <a:prstGeom prst="rect">
-            <a:avLst/>
-          </a:prstGeom>
-        </p:spPr>
-      </p:pic>
-    </p:spTree>
-    <p:extLst>
-      <p:ext uri="{BB962C8B-B14F-4D97-AF65-F5344CB8AC3E}">
-        <p14:creationId xmlns:p14="http://schemas.microsoft.com/office/powerpoint/2010/main" val="95992585"/>
-      </p:ext>
-    </p:extLst>
-  </p:cSld>
-  <p:clrMapOvr>
-    <a:masterClrMapping/>
-  </p:clrMapOvr>
-</p:sld>
-</file>
-
-<file path=ppt/slides/slideTemplate.xml><?xml version="1.0" encoding="utf-8"?>
-<p:sld xmlns:a="http://schemas.openxmlformats.org/drawingml/2006/main" xmlns:r="http://schemas.openxmlformats.org/officeDocument/2006/relationships" xmlns:p="http://schemas.openxmlformats.org/presentationml/2006/main">
-  <p:cSld>
-    <p:spTree>
-      <p:nvGrpSpPr>
-        <p:cNvPr id="1" name=""/>
-        <p:cNvGrpSpPr/>
-        <p:nvPr/>
-      </p:nvGrpSpPr>
-      <p:grpSpPr>
-        <a:xfrm>
-          <a:off x="0" y="0"/>
-          <a:ext cx="0" cy="0"/>
-          <a:chOff x="0" y="0"/>
-          <a:chExt cx="0" cy="0"/>
-        </a:xfrm>
-      </p:grpSpPr>
+          <a:noFill/>
+        </p:spPr>
+        <p:txBody>
+          <a:bodyPr wrap="square" rtlCol="0">
+            <a:spAutoFit/>
+          </a:bodyPr>
+          <a:lstStyle/>
+          <a:p>
+            <a:pPr algn="just"/>
+            <a:r>
+              <a:rPr lang="pt-BR" dirty="0"/>
+              <a:t>No gráfico de barras "Quantidade Total de Pedidos por Ano", é possível observar claramente que 2018 foi o ano com o maior número de vendas, totalizando 52.783 pedidos. Esse dado destaca 2018 como o ano de melhor desempenho em termos de volume de pedidos na base analisada.</a:t>
+            </a:r>
+          </a:p>
+        </p:txBody>
+      </p:sp>
     </p:spTree>
     <p:extLst>
       <p:ext uri="{BB962C8B-B14F-4D97-AF65-F5344CB8AC3E}">
@@ -4761,9 +6293,9 @@
 </file>
 
 <file path=ppt/theme/theme1.xml><?xml version="1.0" encoding="utf-8"?>
-<a:theme xmlns:a="http://schemas.openxmlformats.org/drawingml/2006/main" name="Office Theme">
+<a:theme xmlns:a="http://schemas.openxmlformats.org/drawingml/2006/main" name="Tema do Office 2013 - 2022">
   <a:themeElements>
-    <a:clrScheme name="Office">
+    <a:clrScheme name="Tema do Office 2013 - 2022">
       <a:dk1>
         <a:sysClr val="windowText" lastClr="000000"/>
       </a:dk1>
@@ -4801,7 +6333,7 @@
         <a:srgbClr val="954F72"/>
       </a:folHlink>
     </a:clrScheme>
-    <a:fontScheme name="Office">
+    <a:fontScheme name="Tema do Office 2013 - 2022">
       <a:majorFont>
         <a:latin typeface="Calibri Light" panose="020F0302020204030204"/>
         <a:ea typeface=""/>
@@ -4836,23 +6368,6 @@
         <a:font script="Viet" typeface="Times New Roman"/>
         <a:font script="Uigh" typeface="Microsoft Uighur"/>
         <a:font script="Geor" typeface="Sylfaen"/>
-        <a:font script="Armn" typeface="Arial"/>
-        <a:font script="Bugi" typeface="Leelawadee UI"/>
-        <a:font script="Bopo" typeface="Microsoft JhengHei"/>
-        <a:font script="Java" typeface="Javanese Text"/>
-        <a:font script="Lisu" typeface="Segoe UI"/>
-        <a:font script="Mymr" typeface="Myanmar Text"/>
-        <a:font script="Nkoo" typeface="Ebrima"/>
-        <a:font script="Olck" typeface="Nirmala UI"/>
-        <a:font script="Osma" typeface="Ebrima"/>
-        <a:font script="Phag" typeface="Phagspa"/>
-        <a:font script="Syrn" typeface="Estrangelo Edessa"/>
-        <a:font script="Syrj" typeface="Estrangelo Edessa"/>
-        <a:font script="Syre" typeface="Estrangelo Edessa"/>
-        <a:font script="Sora" typeface="Nirmala UI"/>
-        <a:font script="Tale" typeface="Microsoft Tai Le"/>
-        <a:font script="Talu" typeface="Microsoft New Tai Lue"/>
-        <a:font script="Tfng" typeface="Ebrima"/>
       </a:majorFont>
       <a:minorFont>
         <a:latin typeface="Calibri" panose="020F0502020204030204"/>
@@ -4888,26 +6403,9 @@
         <a:font script="Viet" typeface="Arial"/>
         <a:font script="Uigh" typeface="Microsoft Uighur"/>
         <a:font script="Geor" typeface="Sylfaen"/>
-        <a:font script="Armn" typeface="Arial"/>
-        <a:font script="Bugi" typeface="Leelawadee UI"/>
-        <a:font script="Bopo" typeface="Microsoft JhengHei"/>
-        <a:font script="Java" typeface="Javanese Text"/>
-        <a:font script="Lisu" typeface="Segoe UI"/>
-        <a:font script="Mymr" typeface="Myanmar Text"/>
-        <a:font script="Nkoo" typeface="Ebrima"/>
-        <a:font script="Olck" typeface="Nirmala UI"/>
-        <a:font script="Osma" typeface="Ebrima"/>
-        <a:font script="Phag" typeface="Phagspa"/>
-        <a:font script="Syrn" typeface="Estrangelo Edessa"/>
-        <a:font script="Syrj" typeface="Estrangelo Edessa"/>
-        <a:font script="Syre" typeface="Estrangelo Edessa"/>
-        <a:font script="Sora" typeface="Nirmala UI"/>
-        <a:font script="Tale" typeface="Microsoft Tai Le"/>
-        <a:font script="Talu" typeface="Microsoft New Tai Lue"/>
-        <a:font script="Tfng" typeface="Ebrima"/>
       </a:minorFont>
     </a:fontScheme>
-    <a:fmtScheme name="Office">
+    <a:fmtScheme name="Tema do Office 2013 - 2022">
       <a:fillStyleLst>
         <a:solidFill>
           <a:schemeClr val="phClr"/>
@@ -5049,7 +6547,7 @@
   <a:extraClrSchemeLst/>
   <a:extLst>
     <a:ext uri="{05A4C25C-085E-4340-85A3-A5531E510DB2}">
-      <thm15:themeFamily xmlns:thm15="http://schemas.microsoft.com/office/thememl/2012/main" name="Office Theme" id="{62F939B6-93AF-4DB8-9C6B-D6C7DFDC589F}" vid="{4A3C46E8-61CC-4603-A589-7422A47A8E4A}"/>
+      <thm15:themeFamily xmlns:thm15="http://schemas.microsoft.com/office/thememl/2012/main" name="Office 2013 - 2022 Theme" id="{62F939B6-93AF-4DB8-9C6B-D6C7DFDC589F}" vid="{4A3C46E8-61CC-4603-A589-7422A47A8E4A}"/>
     </a:ext>
   </a:extLst>
 </a:theme>
